--- a/Introduction to Python.pptx
+++ b/Introduction to Python.pptx
@@ -173,7 +173,7 @@
             </a:lvl1pPr>
           </a:lstStyle>
           <a:p>
-            <a:endParaRPr lang="en-US"/>
+            <a:endParaRPr lang="en-US" dirty="0"/>
           </a:p>
         </p:txBody>
       </p:sp>
@@ -208,7 +208,7 @@
               <a:rPr lang="en-US" smtClean="0"/>
               <a:t>1/22/2019</a:t>
             </a:fld>
-            <a:endParaRPr lang="en-US"/>
+            <a:endParaRPr lang="en-US" dirty="0"/>
           </a:p>
         </p:txBody>
       </p:sp>
@@ -241,7 +241,7 @@
           <a:bodyPr vert="horz" lIns="91440" tIns="45720" rIns="91440" bIns="45720" rtlCol="0" anchor="ctr"/>
           <a:lstStyle/>
           <a:p>
-            <a:endParaRPr lang="en-US"/>
+            <a:endParaRPr lang="en-US" dirty="0"/>
           </a:p>
         </p:txBody>
       </p:sp>
@@ -332,7 +332,7 @@
             </a:lvl1pPr>
           </a:lstStyle>
           <a:p>
-            <a:endParaRPr lang="en-US"/>
+            <a:endParaRPr lang="en-US" dirty="0"/>
           </a:p>
         </p:txBody>
       </p:sp>
@@ -367,7 +367,7 @@
               <a:rPr lang="en-US" smtClean="0"/>
               <a:t>‹#›</a:t>
             </a:fld>
-            <a:endParaRPr lang="en-US"/>
+            <a:endParaRPr lang="en-US" dirty="0"/>
           </a:p>
         </p:txBody>
       </p:sp>
@@ -607,7 +607,7 @@
               <a:rPr lang="en-US" smtClean="0"/>
               <a:t>1/22/2019</a:t>
             </a:fld>
-            <a:endParaRPr lang="en-US"/>
+            <a:endParaRPr lang="en-US" dirty="0"/>
           </a:p>
         </p:txBody>
       </p:sp>
@@ -626,7 +626,7 @@
           <a:bodyPr/>
           <a:lstStyle/>
           <a:p>
-            <a:endParaRPr lang="en-US"/>
+            <a:endParaRPr lang="en-US" dirty="0"/>
           </a:p>
         </p:txBody>
       </p:sp>
@@ -649,7 +649,7 @@
               <a:rPr lang="en-US" smtClean="0"/>
               <a:t>‹#›</a:t>
             </a:fld>
-            <a:endParaRPr lang="en-US"/>
+            <a:endParaRPr lang="en-US" dirty="0"/>
           </a:p>
         </p:txBody>
       </p:sp>
@@ -777,7 +777,7 @@
               <a:rPr lang="en-US" smtClean="0"/>
               <a:t>1/22/2019</a:t>
             </a:fld>
-            <a:endParaRPr lang="en-US"/>
+            <a:endParaRPr lang="en-US" dirty="0"/>
           </a:p>
         </p:txBody>
       </p:sp>
@@ -796,7 +796,7 @@
           <a:bodyPr/>
           <a:lstStyle/>
           <a:p>
-            <a:endParaRPr lang="en-US"/>
+            <a:endParaRPr lang="en-US" dirty="0"/>
           </a:p>
         </p:txBody>
       </p:sp>
@@ -819,7 +819,7 @@
               <a:rPr lang="en-US" smtClean="0"/>
               <a:t>‹#›</a:t>
             </a:fld>
-            <a:endParaRPr lang="en-US"/>
+            <a:endParaRPr lang="en-US" dirty="0"/>
           </a:p>
         </p:txBody>
       </p:sp>
@@ -957,7 +957,7 @@
               <a:rPr lang="en-US" smtClean="0"/>
               <a:t>1/22/2019</a:t>
             </a:fld>
-            <a:endParaRPr lang="en-US"/>
+            <a:endParaRPr lang="en-US" dirty="0"/>
           </a:p>
         </p:txBody>
       </p:sp>
@@ -976,7 +976,7 @@
           <a:bodyPr/>
           <a:lstStyle/>
           <a:p>
-            <a:endParaRPr lang="en-US"/>
+            <a:endParaRPr lang="en-US" dirty="0"/>
           </a:p>
         </p:txBody>
       </p:sp>
@@ -999,7 +999,7 @@
               <a:rPr lang="en-US" smtClean="0"/>
               <a:t>‹#›</a:t>
             </a:fld>
-            <a:endParaRPr lang="en-US"/>
+            <a:endParaRPr lang="en-US" dirty="0"/>
           </a:p>
         </p:txBody>
       </p:sp>
@@ -1127,7 +1127,7 @@
               <a:rPr lang="en-US" smtClean="0"/>
               <a:t>1/22/2019</a:t>
             </a:fld>
-            <a:endParaRPr lang="en-US"/>
+            <a:endParaRPr lang="en-US" dirty="0"/>
           </a:p>
         </p:txBody>
       </p:sp>
@@ -1146,7 +1146,7 @@
           <a:bodyPr/>
           <a:lstStyle/>
           <a:p>
-            <a:endParaRPr lang="en-US"/>
+            <a:endParaRPr lang="en-US" dirty="0"/>
           </a:p>
         </p:txBody>
       </p:sp>
@@ -1169,7 +1169,7 @@
               <a:rPr lang="en-US" smtClean="0"/>
               <a:t>‹#›</a:t>
             </a:fld>
-            <a:endParaRPr lang="en-US"/>
+            <a:endParaRPr lang="en-US" dirty="0"/>
           </a:p>
         </p:txBody>
       </p:sp>
@@ -1373,7 +1373,7 @@
               <a:rPr lang="en-US" smtClean="0"/>
               <a:t>1/22/2019</a:t>
             </a:fld>
-            <a:endParaRPr lang="en-US"/>
+            <a:endParaRPr lang="en-US" dirty="0"/>
           </a:p>
         </p:txBody>
       </p:sp>
@@ -1392,7 +1392,7 @@
           <a:bodyPr/>
           <a:lstStyle/>
           <a:p>
-            <a:endParaRPr lang="en-US"/>
+            <a:endParaRPr lang="en-US" dirty="0"/>
           </a:p>
         </p:txBody>
       </p:sp>
@@ -1415,7 +1415,7 @@
               <a:rPr lang="en-US" smtClean="0"/>
               <a:t>‹#›</a:t>
             </a:fld>
-            <a:endParaRPr lang="en-US"/>
+            <a:endParaRPr lang="en-US" dirty="0"/>
           </a:p>
         </p:txBody>
       </p:sp>
@@ -1605,7 +1605,7 @@
               <a:rPr lang="en-US" smtClean="0"/>
               <a:t>1/22/2019</a:t>
             </a:fld>
-            <a:endParaRPr lang="en-US"/>
+            <a:endParaRPr lang="en-US" dirty="0"/>
           </a:p>
         </p:txBody>
       </p:sp>
@@ -1624,7 +1624,7 @@
           <a:bodyPr/>
           <a:lstStyle/>
           <a:p>
-            <a:endParaRPr lang="en-US"/>
+            <a:endParaRPr lang="en-US" dirty="0"/>
           </a:p>
         </p:txBody>
       </p:sp>
@@ -1647,7 +1647,7 @@
               <a:rPr lang="en-US" smtClean="0"/>
               <a:t>‹#›</a:t>
             </a:fld>
-            <a:endParaRPr lang="en-US"/>
+            <a:endParaRPr lang="en-US" dirty="0"/>
           </a:p>
         </p:txBody>
       </p:sp>
@@ -1972,7 +1972,7 @@
               <a:rPr lang="en-US" smtClean="0"/>
               <a:t>1/22/2019</a:t>
             </a:fld>
-            <a:endParaRPr lang="en-US"/>
+            <a:endParaRPr lang="en-US" dirty="0"/>
           </a:p>
         </p:txBody>
       </p:sp>
@@ -1991,7 +1991,7 @@
           <a:bodyPr/>
           <a:lstStyle/>
           <a:p>
-            <a:endParaRPr lang="en-US"/>
+            <a:endParaRPr lang="en-US" dirty="0"/>
           </a:p>
         </p:txBody>
       </p:sp>
@@ -2014,7 +2014,7 @@
               <a:rPr lang="en-US" smtClean="0"/>
               <a:t>‹#›</a:t>
             </a:fld>
-            <a:endParaRPr lang="en-US"/>
+            <a:endParaRPr lang="en-US" dirty="0"/>
           </a:p>
         </p:txBody>
       </p:sp>
@@ -2090,7 +2090,7 @@
               <a:rPr lang="en-US" smtClean="0"/>
               <a:t>1/22/2019</a:t>
             </a:fld>
-            <a:endParaRPr lang="en-US"/>
+            <a:endParaRPr lang="en-US" dirty="0"/>
           </a:p>
         </p:txBody>
       </p:sp>
@@ -2109,7 +2109,7 @@
           <a:bodyPr/>
           <a:lstStyle/>
           <a:p>
-            <a:endParaRPr lang="en-US"/>
+            <a:endParaRPr lang="en-US" dirty="0"/>
           </a:p>
         </p:txBody>
       </p:sp>
@@ -2132,7 +2132,7 @@
               <a:rPr lang="en-US" smtClean="0"/>
               <a:t>‹#›</a:t>
             </a:fld>
-            <a:endParaRPr lang="en-US"/>
+            <a:endParaRPr lang="en-US" dirty="0"/>
           </a:p>
         </p:txBody>
       </p:sp>
@@ -2185,7 +2185,7 @@
               <a:rPr lang="en-US" smtClean="0"/>
               <a:t>1/22/2019</a:t>
             </a:fld>
-            <a:endParaRPr lang="en-US"/>
+            <a:endParaRPr lang="en-US" dirty="0"/>
           </a:p>
         </p:txBody>
       </p:sp>
@@ -2204,7 +2204,7 @@
           <a:bodyPr/>
           <a:lstStyle/>
           <a:p>
-            <a:endParaRPr lang="en-US"/>
+            <a:endParaRPr lang="en-US" dirty="0"/>
           </a:p>
         </p:txBody>
       </p:sp>
@@ -2227,7 +2227,7 @@
               <a:rPr lang="en-US" smtClean="0"/>
               <a:t>‹#›</a:t>
             </a:fld>
-            <a:endParaRPr lang="en-US"/>
+            <a:endParaRPr lang="en-US" dirty="0"/>
           </a:p>
         </p:txBody>
       </p:sp>
@@ -2462,7 +2462,7 @@
               <a:rPr lang="en-US" smtClean="0"/>
               <a:t>1/22/2019</a:t>
             </a:fld>
-            <a:endParaRPr lang="en-US"/>
+            <a:endParaRPr lang="en-US" dirty="0"/>
           </a:p>
         </p:txBody>
       </p:sp>
@@ -2481,7 +2481,7 @@
           <a:bodyPr/>
           <a:lstStyle/>
           <a:p>
-            <a:endParaRPr lang="en-US"/>
+            <a:endParaRPr lang="en-US" dirty="0"/>
           </a:p>
         </p:txBody>
       </p:sp>
@@ -2504,7 +2504,7 @@
               <a:rPr lang="en-US" smtClean="0"/>
               <a:t>‹#›</a:t>
             </a:fld>
-            <a:endParaRPr lang="en-US"/>
+            <a:endParaRPr lang="en-US" dirty="0"/>
           </a:p>
         </p:txBody>
       </p:sp>
@@ -2628,7 +2628,7 @@
           </a:lstStyle>
           <a:p>
             <a:r>
-              <a:rPr lang="en-US" smtClean="0"/>
+              <a:rPr lang="en-US" dirty="0" smtClean="0"/>
               <a:t>Click icon to add picture</a:t>
             </a:r>
             <a:endParaRPr lang="en-US" dirty="0"/>
@@ -2719,7 +2719,7 @@
               <a:rPr lang="en-US" smtClean="0"/>
               <a:t>1/22/2019</a:t>
             </a:fld>
-            <a:endParaRPr lang="en-US"/>
+            <a:endParaRPr lang="en-US" dirty="0"/>
           </a:p>
         </p:txBody>
       </p:sp>
@@ -2738,7 +2738,7 @@
           <a:bodyPr/>
           <a:lstStyle/>
           <a:p>
-            <a:endParaRPr lang="en-US"/>
+            <a:endParaRPr lang="en-US" dirty="0"/>
           </a:p>
         </p:txBody>
       </p:sp>
@@ -2761,7 +2761,7 @@
               <a:rPr lang="en-US" smtClean="0"/>
               <a:t>‹#›</a:t>
             </a:fld>
-            <a:endParaRPr lang="en-US"/>
+            <a:endParaRPr lang="en-US" dirty="0"/>
           </a:p>
         </p:txBody>
       </p:sp>
@@ -2932,7 +2932,7 @@
               <a:rPr lang="en-US" smtClean="0"/>
               <a:t>1/22/2019</a:t>
             </a:fld>
-            <a:endParaRPr lang="en-US"/>
+            <a:endParaRPr lang="en-US" dirty="0"/>
           </a:p>
         </p:txBody>
       </p:sp>
@@ -2969,7 +2969,7 @@
             </a:lvl1pPr>
           </a:lstStyle>
           <a:p>
-            <a:endParaRPr lang="en-US"/>
+            <a:endParaRPr lang="en-US" dirty="0"/>
           </a:p>
         </p:txBody>
       </p:sp>
@@ -3010,7 +3010,7 @@
               <a:rPr lang="en-US" smtClean="0"/>
               <a:t>‹#›</a:t>
             </a:fld>
-            <a:endParaRPr lang="en-US"/>
+            <a:endParaRPr lang="en-US" dirty="0"/>
           </a:p>
         </p:txBody>
       </p:sp>
@@ -3384,8 +3384,8 @@
               <a:t>Mike Babb, </a:t>
             </a:r>
             <a:r>
-              <a:rPr lang="en-US" dirty="0" err="1" smtClean="0"/>
-              <a:t>PhC</a:t>
+              <a:rPr lang="en-US" dirty="0" smtClean="0"/>
+              <a:t>Ph.C.</a:t>
             </a:r>
             <a:endParaRPr lang="en-US" dirty="0" smtClean="0"/>
           </a:p>
@@ -3512,7 +3512,6 @@
               <a:rPr lang="en-US" sz="23900" dirty="0" smtClean="0"/>
               <a:t>Both</a:t>
             </a:r>
-            <a:endParaRPr lang="en-US" sz="23900" dirty="0" smtClean="0"/>
           </a:p>
           <a:p>
             <a:pPr marL="0" indent="0">
@@ -3895,15 +3894,7 @@
           <a:p>
             <a:r>
               <a:rPr lang="en-US" dirty="0" smtClean="0"/>
-              <a:t>Developed by Guido van Rossum in the early </a:t>
-            </a:r>
-            <a:r>
-              <a:rPr lang="en-US" dirty="0" smtClean="0"/>
-              <a:t>90s. Current </a:t>
-            </a:r>
-            <a:r>
-              <a:rPr lang="en-US" dirty="0" smtClean="0"/>
-              <a:t>versions</a:t>
+              <a:t>Developed by Guido van Rossum in the early 90s. Current versions</a:t>
             </a:r>
             <a:r>
               <a:rPr lang="en-US" dirty="0"/>
@@ -4261,15 +4252,7 @@
           <a:p>
             <a:r>
               <a:rPr lang="en-US" dirty="0" smtClean="0"/>
-              <a:t>Anaconda and the </a:t>
-            </a:r>
-            <a:r>
-              <a:rPr lang="en-US" dirty="0" err="1" smtClean="0"/>
-              <a:t>Jupyter</a:t>
-            </a:r>
-            <a:r>
-              <a:rPr lang="en-US" dirty="0" smtClean="0"/>
-              <a:t> Notebook</a:t>
+              <a:t>Anaconda and the Jupyter Notebook</a:t>
             </a:r>
             <a:endParaRPr lang="en-US" dirty="0"/>
           </a:p>
@@ -4310,21 +4293,13 @@
           <a:p>
             <a:r>
               <a:rPr lang="en-US" dirty="0" smtClean="0"/>
-              <a:t>THE python </a:t>
-            </a:r>
+              <a:t>THE python data-science platform </a:t>
+            </a:r>
+          </a:p>
+          <a:p>
             <a:r>
               <a:rPr lang="en-US" dirty="0" smtClean="0"/>
-              <a:t>data-science platform </a:t>
-            </a:r>
-          </a:p>
-          <a:p>
-            <a:r>
-              <a:rPr lang="en-US" dirty="0" smtClean="0"/>
-              <a:t>Facilitates </a:t>
-            </a:r>
-            <a:r>
-              <a:rPr lang="en-US" dirty="0" smtClean="0"/>
-              <a:t>interactive python</a:t>
+              <a:t>Facilitates interactive python</a:t>
             </a:r>
           </a:p>
           <a:p>
@@ -4408,16 +4383,8 @@
           <a:lstStyle/>
           <a:p>
             <a:r>
-              <a:rPr lang="en-US" dirty="0" err="1" smtClean="0"/>
-              <a:t>Jupyter</a:t>
-            </a:r>
-            <a:r>
               <a:rPr lang="en-US" dirty="0" smtClean="0"/>
-              <a:t> </a:t>
-            </a:r>
-            <a:r>
-              <a:rPr lang="en-US" dirty="0" smtClean="0"/>
-              <a:t>Notebook Homepage</a:t>
+              <a:t>Jupyter Notebook Homepage</a:t>
             </a:r>
             <a:endParaRPr lang="en-US" dirty="0"/>
           </a:p>
@@ -4587,11 +4554,7 @@
           <a:p>
             <a:r>
               <a:rPr lang="en-US" dirty="0" smtClean="0"/>
-              <a:t>Python in… </a:t>
-            </a:r>
-            <a:r>
-              <a:rPr lang="en-US" dirty="0" err="1" smtClean="0"/>
-              <a:t>PyCharm</a:t>
+              <a:t>Python in… PyCharm</a:t>
             </a:r>
             <a:endParaRPr lang="en-US" dirty="0"/>
           </a:p>

--- a/Introduction to Python.pptx
+++ b/Introduction to Python.pptx
@@ -5,19 +5,24 @@
     <p:sldMasterId id="2147483660" r:id="rId1"/>
   </p:sldMasterIdLst>
   <p:notesMasterIdLst>
-    <p:notesMasterId r:id="rId12"/>
+    <p:notesMasterId r:id="rId17"/>
   </p:notesMasterIdLst>
   <p:sldIdLst>
     <p:sldId id="256" r:id="rId2"/>
-    <p:sldId id="264" r:id="rId3"/>
-    <p:sldId id="270" r:id="rId4"/>
-    <p:sldId id="271" r:id="rId5"/>
-    <p:sldId id="272" r:id="rId6"/>
-    <p:sldId id="265" r:id="rId7"/>
-    <p:sldId id="267" r:id="rId8"/>
-    <p:sldId id="260" r:id="rId9"/>
-    <p:sldId id="261" r:id="rId10"/>
-    <p:sldId id="258" r:id="rId11"/>
+    <p:sldId id="274" r:id="rId3"/>
+    <p:sldId id="271" r:id="rId4"/>
+    <p:sldId id="275" r:id="rId5"/>
+    <p:sldId id="264" r:id="rId6"/>
+    <p:sldId id="270" r:id="rId7"/>
+    <p:sldId id="272" r:id="rId8"/>
+    <p:sldId id="265" r:id="rId9"/>
+    <p:sldId id="267" r:id="rId10"/>
+    <p:sldId id="273" r:id="rId11"/>
+    <p:sldId id="258" r:id="rId12"/>
+    <p:sldId id="260" r:id="rId13"/>
+    <p:sldId id="261" r:id="rId14"/>
+    <p:sldId id="276" r:id="rId15"/>
+    <p:sldId id="277" r:id="rId16"/>
   </p:sldIdLst>
   <p:sldSz cx="12192000" cy="6858000"/>
   <p:notesSz cx="6858000" cy="9144000"/>
@@ -206,7 +211,7 @@
           <a:p>
             <a:fld id="{1625BD86-A277-4756-AFD6-158CB1C0F478}" type="datetimeFigureOut">
               <a:rPr lang="en-US" smtClean="0"/>
-              <a:t>1/22/2019</a:t>
+              <a:t>2/7/2019</a:t>
             </a:fld>
             <a:endParaRPr lang="en-US" dirty="0"/>
           </a:p>
@@ -605,7 +610,7 @@
           <a:p>
             <a:fld id="{456B5467-EA77-4FF9-8BC4-2EA8FCAB53DA}" type="datetimeFigureOut">
               <a:rPr lang="en-US" smtClean="0"/>
-              <a:t>1/22/2019</a:t>
+              <a:t>2/7/2019</a:t>
             </a:fld>
             <a:endParaRPr lang="en-US" dirty="0"/>
           </a:p>
@@ -775,7 +780,7 @@
           <a:p>
             <a:fld id="{456B5467-EA77-4FF9-8BC4-2EA8FCAB53DA}" type="datetimeFigureOut">
               <a:rPr lang="en-US" smtClean="0"/>
-              <a:t>1/22/2019</a:t>
+              <a:t>2/7/2019</a:t>
             </a:fld>
             <a:endParaRPr lang="en-US" dirty="0"/>
           </a:p>
@@ -955,7 +960,7 @@
           <a:p>
             <a:fld id="{456B5467-EA77-4FF9-8BC4-2EA8FCAB53DA}" type="datetimeFigureOut">
               <a:rPr lang="en-US" smtClean="0"/>
-              <a:t>1/22/2019</a:t>
+              <a:t>2/7/2019</a:t>
             </a:fld>
             <a:endParaRPr lang="en-US" dirty="0"/>
           </a:p>
@@ -1125,7 +1130,7 @@
           <a:p>
             <a:fld id="{456B5467-EA77-4FF9-8BC4-2EA8FCAB53DA}" type="datetimeFigureOut">
               <a:rPr lang="en-US" smtClean="0"/>
-              <a:t>1/22/2019</a:t>
+              <a:t>2/7/2019</a:t>
             </a:fld>
             <a:endParaRPr lang="en-US" dirty="0"/>
           </a:p>
@@ -1371,7 +1376,7 @@
           <a:p>
             <a:fld id="{456B5467-EA77-4FF9-8BC4-2EA8FCAB53DA}" type="datetimeFigureOut">
               <a:rPr lang="en-US" smtClean="0"/>
-              <a:t>1/22/2019</a:t>
+              <a:t>2/7/2019</a:t>
             </a:fld>
             <a:endParaRPr lang="en-US" dirty="0"/>
           </a:p>
@@ -1603,7 +1608,7 @@
           <a:p>
             <a:fld id="{456B5467-EA77-4FF9-8BC4-2EA8FCAB53DA}" type="datetimeFigureOut">
               <a:rPr lang="en-US" smtClean="0"/>
-              <a:t>1/22/2019</a:t>
+              <a:t>2/7/2019</a:t>
             </a:fld>
             <a:endParaRPr lang="en-US" dirty="0"/>
           </a:p>
@@ -1970,7 +1975,7 @@
           <a:p>
             <a:fld id="{456B5467-EA77-4FF9-8BC4-2EA8FCAB53DA}" type="datetimeFigureOut">
               <a:rPr lang="en-US" smtClean="0"/>
-              <a:t>1/22/2019</a:t>
+              <a:t>2/7/2019</a:t>
             </a:fld>
             <a:endParaRPr lang="en-US" dirty="0"/>
           </a:p>
@@ -2088,7 +2093,7 @@
           <a:p>
             <a:fld id="{456B5467-EA77-4FF9-8BC4-2EA8FCAB53DA}" type="datetimeFigureOut">
               <a:rPr lang="en-US" smtClean="0"/>
-              <a:t>1/22/2019</a:t>
+              <a:t>2/7/2019</a:t>
             </a:fld>
             <a:endParaRPr lang="en-US" dirty="0"/>
           </a:p>
@@ -2183,7 +2188,7 @@
           <a:p>
             <a:fld id="{456B5467-EA77-4FF9-8BC4-2EA8FCAB53DA}" type="datetimeFigureOut">
               <a:rPr lang="en-US" smtClean="0"/>
-              <a:t>1/22/2019</a:t>
+              <a:t>2/7/2019</a:t>
             </a:fld>
             <a:endParaRPr lang="en-US" dirty="0"/>
           </a:p>
@@ -2460,7 +2465,7 @@
           <a:p>
             <a:fld id="{456B5467-EA77-4FF9-8BC4-2EA8FCAB53DA}" type="datetimeFigureOut">
               <a:rPr lang="en-US" smtClean="0"/>
-              <a:t>1/22/2019</a:t>
+              <a:t>2/7/2019</a:t>
             </a:fld>
             <a:endParaRPr lang="en-US" dirty="0"/>
           </a:p>
@@ -2717,7 +2722,7 @@
           <a:p>
             <a:fld id="{456B5467-EA77-4FF9-8BC4-2EA8FCAB53DA}" type="datetimeFigureOut">
               <a:rPr lang="en-US" smtClean="0"/>
-              <a:t>1/22/2019</a:t>
+              <a:t>2/7/2019</a:t>
             </a:fld>
             <a:endParaRPr lang="en-US" dirty="0"/>
           </a:p>
@@ -2930,7 +2935,7 @@
           <a:p>
             <a:fld id="{456B5467-EA77-4FF9-8BC4-2EA8FCAB53DA}" type="datetimeFigureOut">
               <a:rPr lang="en-US" smtClean="0"/>
-              <a:t>1/22/2019</a:t>
+              <a:t>2/7/2019</a:t>
             </a:fld>
             <a:endParaRPr lang="en-US" dirty="0"/>
           </a:p>
@@ -3375,19 +3380,14 @@
           <a:p>
             <a:r>
               <a:rPr lang="en-US" dirty="0" smtClean="0"/>
-              <a:t>January 22, 2019</a:t>
+              <a:t>February 7, 2019</a:t>
             </a:r>
           </a:p>
           <a:p>
             <a:r>
               <a:rPr lang="en-US" dirty="0" smtClean="0"/>
-              <a:t>Mike Babb, </a:t>
-            </a:r>
-            <a:r>
-              <a:rPr lang="en-US" dirty="0" smtClean="0"/>
-              <a:t>Ph.C.</a:t>
-            </a:r>
-            <a:endParaRPr lang="en-US" dirty="0" smtClean="0"/>
+              <a:t>Mike Babb, Ph.C.</a:t>
+            </a:r>
           </a:p>
           <a:p>
             <a:r>
@@ -3449,6 +3449,90 @@
 </file>
 
 <file path=ppt/slides/slide10.xml><?xml version="1.0" encoding="utf-8"?>
+<p:sld xmlns:a="http://schemas.openxmlformats.org/drawingml/2006/main" xmlns:r="http://schemas.openxmlformats.org/officeDocument/2006/relationships" xmlns:p="http://schemas.openxmlformats.org/presentationml/2006/main">
+  <p:cSld>
+    <p:spTree>
+      <p:nvGrpSpPr>
+        <p:cNvPr id="1" name=""/>
+        <p:cNvGrpSpPr/>
+        <p:nvPr/>
+      </p:nvGrpSpPr>
+      <p:grpSpPr>
+        <a:xfrm>
+          <a:off x="0" y="0"/>
+          <a:ext cx="0" cy="0"/>
+          <a:chOff x="0" y="0"/>
+          <a:chExt cx="0" cy="0"/>
+        </a:xfrm>
+      </p:grpSpPr>
+      <p:sp>
+        <p:nvSpPr>
+          <p:cNvPr id="2" name="Title 1"/>
+          <p:cNvSpPr>
+            <a:spLocks noGrp="1"/>
+          </p:cNvSpPr>
+          <p:nvPr>
+            <p:ph type="title"/>
+          </p:nvPr>
+        </p:nvSpPr>
+        <p:spPr/>
+        <p:txBody>
+          <a:bodyPr/>
+          <a:lstStyle/>
+          <a:p>
+            <a:r>
+              <a:rPr lang="en-US" dirty="0" smtClean="0"/>
+              <a:t>Jupyter Notebook Terminal</a:t>
+            </a:r>
+            <a:endParaRPr lang="en-US" dirty="0"/>
+          </a:p>
+        </p:txBody>
+      </p:sp>
+      <p:pic>
+        <p:nvPicPr>
+          <p:cNvPr id="3" name="Picture 2"/>
+          <p:cNvPicPr>
+            <a:picLocks noChangeAspect="1"/>
+          </p:cNvPicPr>
+          <p:nvPr/>
+        </p:nvPicPr>
+        <p:blipFill>
+          <a:blip r:embed="rId2"/>
+          <a:stretch>
+            <a:fillRect/>
+          </a:stretch>
+        </p:blipFill>
+        <p:spPr>
+          <a:xfrm>
+            <a:off x="838200" y="1295827"/>
+            <a:ext cx="10122794" cy="5394871"/>
+          </a:xfrm>
+          <a:prstGeom prst="rect">
+            <a:avLst/>
+          </a:prstGeom>
+        </p:spPr>
+      </p:pic>
+    </p:spTree>
+    <p:extLst>
+      <p:ext uri="{BB962C8B-B14F-4D97-AF65-F5344CB8AC3E}">
+        <p14:creationId xmlns:p14="http://schemas.microsoft.com/office/powerpoint/2010/main" val="2714205897"/>
+      </p:ext>
+    </p:extLst>
+  </p:cSld>
+  <p:clrMapOvr>
+    <a:masterClrMapping/>
+  </p:clrMapOvr>
+  <p:timing>
+    <p:tnLst>
+      <p:par>
+        <p:cTn id="1" dur="indefinite" restart="never" nodeType="tmRoot"/>
+      </p:par>
+    </p:tnLst>
+  </p:timing>
+</p:sld>
+</file>
+
+<file path=ppt/slides/slide11.xml><?xml version="1.0" encoding="utf-8"?>
 <p:sld xmlns:a="http://schemas.openxmlformats.org/drawingml/2006/main" xmlns:r="http://schemas.openxmlformats.org/officeDocument/2006/relationships" xmlns:p="http://schemas.openxmlformats.org/presentationml/2006/main">
   <p:cSld>
     <p:spTree>
@@ -3619,822 +3703,7 @@
 </p:sld>
 </file>
 
-<file path=ppt/slides/slide2.xml><?xml version="1.0" encoding="utf-8"?>
-<p:sld xmlns:a="http://schemas.openxmlformats.org/drawingml/2006/main" xmlns:r="http://schemas.openxmlformats.org/officeDocument/2006/relationships" xmlns:p="http://schemas.openxmlformats.org/presentationml/2006/main">
-  <p:cSld>
-    <p:spTree>
-      <p:nvGrpSpPr>
-        <p:cNvPr id="1" name=""/>
-        <p:cNvGrpSpPr/>
-        <p:nvPr/>
-      </p:nvGrpSpPr>
-      <p:grpSpPr>
-        <a:xfrm>
-          <a:off x="0" y="0"/>
-          <a:ext cx="0" cy="0"/>
-          <a:chOff x="0" y="0"/>
-          <a:chExt cx="0" cy="0"/>
-        </a:xfrm>
-      </p:grpSpPr>
-      <p:sp>
-        <p:nvSpPr>
-          <p:cNvPr id="2" name="Title 1"/>
-          <p:cNvSpPr>
-            <a:spLocks noGrp="1"/>
-          </p:cNvSpPr>
-          <p:nvPr>
-            <p:ph type="title"/>
-          </p:nvPr>
-        </p:nvSpPr>
-        <p:spPr/>
-        <p:txBody>
-          <a:bodyPr/>
-          <a:lstStyle/>
-          <a:p>
-            <a:r>
-              <a:rPr lang="en-US" dirty="0" smtClean="0"/>
-              <a:t>Why python?</a:t>
-            </a:r>
-            <a:endParaRPr lang="en-US" dirty="0"/>
-          </a:p>
-        </p:txBody>
-      </p:sp>
-      <p:sp>
-        <p:nvSpPr>
-          <p:cNvPr id="3" name="Content Placeholder 2"/>
-          <p:cNvSpPr>
-            <a:spLocks noGrp="1"/>
-          </p:cNvSpPr>
-          <p:nvPr>
-            <p:ph idx="1"/>
-          </p:nvPr>
-        </p:nvSpPr>
-        <p:spPr/>
-        <p:txBody>
-          <a:bodyPr>
-            <a:normAutofit fontScale="92500" lnSpcReduction="20000"/>
-          </a:bodyPr>
-          <a:lstStyle/>
-          <a:p>
-            <a:pPr>
-              <a:buFont typeface="Arial" panose="020B0604020202020204" pitchFamily="34" charset="0"/>
-              <a:buChar char="•"/>
-            </a:pPr>
-            <a:r>
-              <a:rPr lang="en-US" dirty="0" smtClean="0"/>
-              <a:t>It’s easy to jump in: </a:t>
-            </a:r>
-            <a:r>
-              <a:rPr lang="en-US" dirty="0" smtClean="0">
-                <a:hlinkClick r:id="rId2"/>
-              </a:rPr>
-              <a:t>https</a:t>
-            </a:r>
-            <a:r>
-              <a:rPr lang="en-US" dirty="0">
-                <a:hlinkClick r:id="rId2"/>
-              </a:rPr>
-              <a:t>://www.python.org/about/gettingstarted</a:t>
-            </a:r>
-            <a:r>
-              <a:rPr lang="en-US" dirty="0" smtClean="0">
-                <a:hlinkClick r:id="rId2"/>
-              </a:rPr>
-              <a:t>/</a:t>
-            </a:r>
-            <a:endParaRPr lang="en-US" dirty="0" smtClean="0"/>
-          </a:p>
-          <a:p>
-            <a:pPr>
-              <a:buFont typeface="Arial" panose="020B0604020202020204" pitchFamily="34" charset="0"/>
-              <a:buChar char="•"/>
-            </a:pPr>
-            <a:r>
-              <a:rPr lang="en-US" dirty="0" smtClean="0"/>
-              <a:t>It’s cross-platform: Windows, Mac, Linux</a:t>
-            </a:r>
-          </a:p>
-          <a:p>
-            <a:pPr>
-              <a:buFont typeface="Arial" panose="020B0604020202020204" pitchFamily="34" charset="0"/>
-              <a:buChar char="•"/>
-            </a:pPr>
-            <a:r>
-              <a:rPr lang="en-US" dirty="0" smtClean="0"/>
-              <a:t>It was designed to be simple and readable: </a:t>
-            </a:r>
-            <a:r>
-              <a:rPr lang="en-US" dirty="0" smtClean="0">
-                <a:hlinkClick r:id="rId3"/>
-              </a:rPr>
-              <a:t>https</a:t>
-            </a:r>
-            <a:r>
-              <a:rPr lang="en-US" dirty="0">
-                <a:hlinkClick r:id="rId3"/>
-              </a:rPr>
-              <a:t>://xkcd.com/353</a:t>
-            </a:r>
-            <a:r>
-              <a:rPr lang="en-US" dirty="0" smtClean="0">
-                <a:hlinkClick r:id="rId3"/>
-              </a:rPr>
-              <a:t>/</a:t>
-            </a:r>
-            <a:endParaRPr lang="en-US" dirty="0" smtClean="0"/>
-          </a:p>
-          <a:p>
-            <a:r>
-              <a:rPr lang="en-US" dirty="0"/>
-              <a:t>It’s free</a:t>
-            </a:r>
-            <a:r>
-              <a:rPr lang="en-US" dirty="0" smtClean="0"/>
-              <a:t>!</a:t>
-            </a:r>
-          </a:p>
-          <a:p>
-            <a:r>
-              <a:rPr lang="en-US" dirty="0" smtClean="0"/>
-              <a:t>It’s popular: </a:t>
-            </a:r>
-            <a:r>
-              <a:rPr lang="en-US" dirty="0" smtClean="0">
-                <a:hlinkClick r:id="rId4"/>
-              </a:rPr>
-              <a:t>https</a:t>
-            </a:r>
-            <a:r>
-              <a:rPr lang="en-US" dirty="0">
-                <a:hlinkClick r:id="rId4"/>
-              </a:rPr>
-              <a:t>://www.tiobe.com/tiobe-index/python</a:t>
-            </a:r>
-            <a:r>
-              <a:rPr lang="en-US" dirty="0" smtClean="0">
-                <a:hlinkClick r:id="rId4"/>
-              </a:rPr>
-              <a:t>/</a:t>
-            </a:r>
-            <a:endParaRPr lang="en-US" dirty="0" smtClean="0"/>
-          </a:p>
-          <a:p>
-            <a:pPr>
-              <a:buFont typeface="Arial" panose="020B0604020202020204" pitchFamily="34" charset="0"/>
-              <a:buChar char="•"/>
-            </a:pPr>
-            <a:r>
-              <a:rPr lang="en-US" dirty="0" smtClean="0"/>
-              <a:t>It’s prolific: used in many industries for many jobs. Finance, real estate tech, server administration, health care research, non-profit administration</a:t>
-            </a:r>
-          </a:p>
-          <a:p>
-            <a:pPr>
-              <a:buFont typeface="Arial" panose="020B0604020202020204" pitchFamily="34" charset="0"/>
-              <a:buChar char="•"/>
-            </a:pPr>
-            <a:r>
-              <a:rPr lang="en-US" dirty="0" smtClean="0"/>
-              <a:t>And departments across campus: sociology, economics, civil engineering, astronomy</a:t>
-            </a:r>
-          </a:p>
-          <a:p>
-            <a:pPr>
-              <a:buFont typeface="Arial" panose="020B0604020202020204" pitchFamily="34" charset="0"/>
-              <a:buChar char="•"/>
-            </a:pPr>
-            <a:r>
-              <a:rPr lang="en-US" dirty="0" smtClean="0"/>
-              <a:t>Many libraries that do pretty much what you want with just a few commands</a:t>
-            </a:r>
-          </a:p>
-          <a:p>
-            <a:pPr>
-              <a:buFont typeface="Arial" panose="020B0604020202020204" pitchFamily="34" charset="0"/>
-              <a:buChar char="•"/>
-            </a:pPr>
-            <a:endParaRPr lang="en-US" dirty="0"/>
-          </a:p>
-        </p:txBody>
-      </p:sp>
-    </p:spTree>
-    <p:extLst>
-      <p:ext uri="{BB962C8B-B14F-4D97-AF65-F5344CB8AC3E}">
-        <p14:creationId xmlns:p14="http://schemas.microsoft.com/office/powerpoint/2010/main" val="3321498620"/>
-      </p:ext>
-    </p:extLst>
-  </p:cSld>
-  <p:clrMapOvr>
-    <a:masterClrMapping/>
-  </p:clrMapOvr>
-  <p:timing>
-    <p:tnLst>
-      <p:par>
-        <p:cTn id="1" dur="indefinite" restart="never" nodeType="tmRoot"/>
-      </p:par>
-    </p:tnLst>
-  </p:timing>
-</p:sld>
-</file>
-
-<file path=ppt/slides/slide3.xml><?xml version="1.0" encoding="utf-8"?>
-<p:sld xmlns:a="http://schemas.openxmlformats.org/drawingml/2006/main" xmlns:r="http://schemas.openxmlformats.org/officeDocument/2006/relationships" xmlns:p="http://schemas.openxmlformats.org/presentationml/2006/main">
-  <p:cSld>
-    <p:spTree>
-      <p:nvGrpSpPr>
-        <p:cNvPr id="1" name=""/>
-        <p:cNvGrpSpPr/>
-        <p:nvPr/>
-      </p:nvGrpSpPr>
-      <p:grpSpPr>
-        <a:xfrm>
-          <a:off x="0" y="0"/>
-          <a:ext cx="0" cy="0"/>
-          <a:chOff x="0" y="0"/>
-          <a:chExt cx="0" cy="0"/>
-        </a:xfrm>
-      </p:grpSpPr>
-      <p:sp>
-        <p:nvSpPr>
-          <p:cNvPr id="2" name="Title 1"/>
-          <p:cNvSpPr>
-            <a:spLocks noGrp="1"/>
-          </p:cNvSpPr>
-          <p:nvPr>
-            <p:ph type="title"/>
-          </p:nvPr>
-        </p:nvSpPr>
-        <p:spPr/>
-        <p:txBody>
-          <a:bodyPr/>
-          <a:lstStyle/>
-          <a:p>
-            <a:r>
-              <a:rPr lang="en-US" dirty="0" smtClean="0"/>
-              <a:t>Brief history</a:t>
-            </a:r>
-            <a:endParaRPr lang="en-US" dirty="0"/>
-          </a:p>
-        </p:txBody>
-      </p:sp>
-      <p:sp>
-        <p:nvSpPr>
-          <p:cNvPr id="3" name="Content Placeholder 2"/>
-          <p:cNvSpPr>
-            <a:spLocks noGrp="1"/>
-          </p:cNvSpPr>
-          <p:nvPr>
-            <p:ph idx="1"/>
-          </p:nvPr>
-        </p:nvSpPr>
-        <p:spPr/>
-        <p:txBody>
-          <a:bodyPr/>
-          <a:lstStyle/>
-          <a:p>
-            <a:r>
-              <a:rPr lang="en-US" dirty="0" smtClean="0"/>
-              <a:t>Developed by Guido van Rossum in the early 90s. Current versions</a:t>
-            </a:r>
-            <a:r>
-              <a:rPr lang="en-US" dirty="0"/>
-              <a:t>: Python </a:t>
-            </a:r>
-            <a:r>
-              <a:rPr lang="en-US" dirty="0" smtClean="0"/>
-              <a:t>3.7.2 </a:t>
-            </a:r>
-            <a:r>
-              <a:rPr lang="en-US" dirty="0"/>
-              <a:t>and Python </a:t>
-            </a:r>
-            <a:r>
-              <a:rPr lang="en-US" dirty="0" smtClean="0"/>
-              <a:t>2.7.15</a:t>
-            </a:r>
-          </a:p>
-          <a:p>
-            <a:r>
-              <a:rPr lang="en-US" dirty="0" smtClean="0"/>
-              <a:t>Python 3.7 is van Rossum’s (and the larger community’s) attempt at fixing some core issues with python 2.x</a:t>
-            </a:r>
-          </a:p>
-          <a:p>
-            <a:pPr lvl="1"/>
-            <a:r>
-              <a:rPr lang="en-US" dirty="0" smtClean="0"/>
-              <a:t>Integer division returns floats</a:t>
-            </a:r>
-          </a:p>
-          <a:p>
-            <a:pPr lvl="1"/>
-            <a:r>
-              <a:rPr lang="en-US" dirty="0" smtClean="0"/>
-              <a:t>Better handling of strings</a:t>
-            </a:r>
-          </a:p>
-          <a:p>
-            <a:pPr lvl="1"/>
-            <a:r>
-              <a:rPr lang="en-US" dirty="0" smtClean="0"/>
-              <a:t>Better memory management in some cases</a:t>
-            </a:r>
-          </a:p>
-          <a:p>
-            <a:pPr lvl="1"/>
-            <a:r>
-              <a:rPr lang="en-US" dirty="0" smtClean="0"/>
-              <a:t>It’s </a:t>
-            </a:r>
-            <a:r>
-              <a:rPr lang="en-US" dirty="0"/>
-              <a:t>a bit faster in general: </a:t>
-            </a:r>
-            <a:r>
-              <a:rPr lang="en-US" dirty="0">
-                <a:hlinkClick r:id="rId2"/>
-              </a:rPr>
-              <a:t>https://</a:t>
-            </a:r>
-            <a:r>
-              <a:rPr lang="en-US" dirty="0" smtClean="0">
-                <a:hlinkClick r:id="rId2"/>
-              </a:rPr>
-              <a:t>hackernoon.com/which-is-the-fastest-version-of-python-2ae7c61a6b2b</a:t>
-            </a:r>
-            <a:endParaRPr lang="en-US" dirty="0" smtClean="0"/>
-          </a:p>
-          <a:p>
-            <a:pPr marL="457200" lvl="1" indent="0">
-              <a:buNone/>
-            </a:pPr>
-            <a:endParaRPr lang="en-US" dirty="0" smtClean="0"/>
-          </a:p>
-        </p:txBody>
-      </p:sp>
-    </p:spTree>
-    <p:extLst>
-      <p:ext uri="{BB962C8B-B14F-4D97-AF65-F5344CB8AC3E}">
-        <p14:creationId xmlns:p14="http://schemas.microsoft.com/office/powerpoint/2010/main" val="3428809214"/>
-      </p:ext>
-    </p:extLst>
-  </p:cSld>
-  <p:clrMapOvr>
-    <a:masterClrMapping/>
-  </p:clrMapOvr>
-  <p:timing>
-    <p:tnLst>
-      <p:par>
-        <p:cTn id="1" dur="indefinite" restart="never" nodeType="tmRoot"/>
-      </p:par>
-    </p:tnLst>
-  </p:timing>
-</p:sld>
-</file>
-
-<file path=ppt/slides/slide4.xml><?xml version="1.0" encoding="utf-8"?>
-<p:sld xmlns:a="http://schemas.openxmlformats.org/drawingml/2006/main" xmlns:r="http://schemas.openxmlformats.org/officeDocument/2006/relationships" xmlns:p="http://schemas.openxmlformats.org/presentationml/2006/main">
-  <p:cSld>
-    <p:spTree>
-      <p:nvGrpSpPr>
-        <p:cNvPr id="1" name=""/>
-        <p:cNvGrpSpPr/>
-        <p:nvPr/>
-      </p:nvGrpSpPr>
-      <p:grpSpPr>
-        <a:xfrm>
-          <a:off x="0" y="0"/>
-          <a:ext cx="0" cy="0"/>
-          <a:chOff x="0" y="0"/>
-          <a:chExt cx="0" cy="0"/>
-        </a:xfrm>
-      </p:grpSpPr>
-      <p:sp>
-        <p:nvSpPr>
-          <p:cNvPr id="2" name="Title 1"/>
-          <p:cNvSpPr>
-            <a:spLocks noGrp="1"/>
-          </p:cNvSpPr>
-          <p:nvPr>
-            <p:ph type="title"/>
-          </p:nvPr>
-        </p:nvSpPr>
-        <p:spPr/>
-        <p:txBody>
-          <a:bodyPr/>
-          <a:lstStyle/>
-          <a:p>
-            <a:r>
-              <a:rPr lang="en-US" dirty="0" smtClean="0"/>
-              <a:t>Activities</a:t>
-            </a:r>
-            <a:endParaRPr lang="en-US" dirty="0"/>
-          </a:p>
-        </p:txBody>
-      </p:sp>
-      <p:sp>
-        <p:nvSpPr>
-          <p:cNvPr id="3" name="Content Placeholder 2"/>
-          <p:cNvSpPr>
-            <a:spLocks noGrp="1"/>
-          </p:cNvSpPr>
-          <p:nvPr>
-            <p:ph idx="1"/>
-          </p:nvPr>
-        </p:nvSpPr>
-        <p:spPr/>
-        <p:txBody>
-          <a:bodyPr/>
-          <a:lstStyle/>
-          <a:p>
-            <a:r>
-              <a:rPr lang="en-US" dirty="0" smtClean="0"/>
-              <a:t>Examine basic python syntax</a:t>
-            </a:r>
-          </a:p>
-          <a:p>
-            <a:r>
-              <a:rPr lang="en-US" dirty="0" smtClean="0"/>
-              <a:t>Using pandas, we will read in data pertaining to the age and sex of the population of Census Designated Places in Washington State during the 2013-2017 time period.</a:t>
-            </a:r>
-          </a:p>
-          <a:p>
-            <a:r>
-              <a:rPr lang="en-US" dirty="0" smtClean="0"/>
-              <a:t>Compute the all-ages sex-ratio</a:t>
-            </a:r>
-          </a:p>
-          <a:p>
-            <a:r>
-              <a:rPr lang="en-US" dirty="0" smtClean="0"/>
-              <a:t>Export the data to a .csv and an Excel workbook</a:t>
-            </a:r>
-            <a:endParaRPr lang="en-US" dirty="0"/>
-          </a:p>
-        </p:txBody>
-      </p:sp>
-    </p:spTree>
-    <p:extLst>
-      <p:ext uri="{BB962C8B-B14F-4D97-AF65-F5344CB8AC3E}">
-        <p14:creationId xmlns:p14="http://schemas.microsoft.com/office/powerpoint/2010/main" val="3030563835"/>
-      </p:ext>
-    </p:extLst>
-  </p:cSld>
-  <p:clrMapOvr>
-    <a:masterClrMapping/>
-  </p:clrMapOvr>
-  <p:timing>
-    <p:tnLst>
-      <p:par>
-        <p:cTn id="1" dur="indefinite" restart="never" nodeType="tmRoot"/>
-      </p:par>
-    </p:tnLst>
-  </p:timing>
-</p:sld>
-</file>
-
-<file path=ppt/slides/slide5.xml><?xml version="1.0" encoding="utf-8"?>
-<p:sld xmlns:a="http://schemas.openxmlformats.org/drawingml/2006/main" xmlns:r="http://schemas.openxmlformats.org/officeDocument/2006/relationships" xmlns:p="http://schemas.openxmlformats.org/presentationml/2006/main">
-  <p:cSld>
-    <p:spTree>
-      <p:nvGrpSpPr>
-        <p:cNvPr id="1" name=""/>
-        <p:cNvGrpSpPr/>
-        <p:nvPr/>
-      </p:nvGrpSpPr>
-      <p:grpSpPr>
-        <a:xfrm>
-          <a:off x="0" y="0"/>
-          <a:ext cx="0" cy="0"/>
-          <a:chOff x="0" y="0"/>
-          <a:chExt cx="0" cy="0"/>
-        </a:xfrm>
-      </p:grpSpPr>
-      <p:sp>
-        <p:nvSpPr>
-          <p:cNvPr id="2" name="Title 1"/>
-          <p:cNvSpPr>
-            <a:spLocks noGrp="1"/>
-          </p:cNvSpPr>
-          <p:nvPr>
-            <p:ph type="title"/>
-          </p:nvPr>
-        </p:nvSpPr>
-        <p:spPr/>
-        <p:txBody>
-          <a:bodyPr/>
-          <a:lstStyle/>
-          <a:p>
-            <a:r>
-              <a:rPr lang="en-US" dirty="0" smtClean="0"/>
-              <a:t>Pandas – Python Data Analysis Library</a:t>
-            </a:r>
-            <a:endParaRPr lang="en-US" dirty="0"/>
-          </a:p>
-        </p:txBody>
-      </p:sp>
-      <p:pic>
-        <p:nvPicPr>
-          <p:cNvPr id="3" name="Picture 2"/>
-          <p:cNvPicPr>
-            <a:picLocks noChangeAspect="1"/>
-          </p:cNvPicPr>
-          <p:nvPr/>
-        </p:nvPicPr>
-        <p:blipFill rotWithShape="1">
-          <a:blip r:embed="rId2"/>
-          <a:srcRect l="3548"/>
-          <a:stretch/>
-        </p:blipFill>
-        <p:spPr>
-          <a:xfrm>
-            <a:off x="923544" y="1591056"/>
-            <a:ext cx="7291922" cy="4806505"/>
-          </a:xfrm>
-          <a:prstGeom prst="rect">
-            <a:avLst/>
-          </a:prstGeom>
-        </p:spPr>
-      </p:pic>
-      <p:sp>
-        <p:nvSpPr>
-          <p:cNvPr id="4" name="TextBox 3"/>
-          <p:cNvSpPr txBox="1"/>
-          <p:nvPr/>
-        </p:nvSpPr>
-        <p:spPr>
-          <a:xfrm>
-            <a:off x="8300810" y="1591056"/>
-            <a:ext cx="3447288" cy="369332"/>
-          </a:xfrm>
-          <a:prstGeom prst="rect">
-            <a:avLst/>
-          </a:prstGeom>
-          <a:noFill/>
-        </p:spPr>
-        <p:txBody>
-          <a:bodyPr wrap="square" rtlCol="0">
-            <a:spAutoFit/>
-          </a:bodyPr>
-          <a:lstStyle/>
-          <a:p>
-            <a:r>
-              <a:rPr lang="en-US" dirty="0">
-                <a:hlinkClick r:id="rId3"/>
-              </a:rPr>
-              <a:t>https://pandas.pydata.org</a:t>
-            </a:r>
-            <a:r>
-              <a:rPr lang="en-US" dirty="0" smtClean="0">
-                <a:hlinkClick r:id="rId3"/>
-              </a:rPr>
-              <a:t>/</a:t>
-            </a:r>
-            <a:r>
-              <a:rPr lang="en-US" dirty="0" smtClean="0"/>
-              <a:t> </a:t>
-            </a:r>
-            <a:endParaRPr lang="en-US" dirty="0"/>
-          </a:p>
-        </p:txBody>
-      </p:sp>
-    </p:spTree>
-    <p:extLst>
-      <p:ext uri="{BB962C8B-B14F-4D97-AF65-F5344CB8AC3E}">
-        <p14:creationId xmlns:p14="http://schemas.microsoft.com/office/powerpoint/2010/main" val="2298993283"/>
-      </p:ext>
-    </p:extLst>
-  </p:cSld>
-  <p:clrMapOvr>
-    <a:masterClrMapping/>
-  </p:clrMapOvr>
-  <p:timing>
-    <p:tnLst>
-      <p:par>
-        <p:cTn id="1" dur="indefinite" restart="never" nodeType="tmRoot"/>
-      </p:par>
-    </p:tnLst>
-  </p:timing>
-</p:sld>
-</file>
-
-<file path=ppt/slides/slide6.xml><?xml version="1.0" encoding="utf-8"?>
-<p:sld xmlns:a="http://schemas.openxmlformats.org/drawingml/2006/main" xmlns:r="http://schemas.openxmlformats.org/officeDocument/2006/relationships" xmlns:p="http://schemas.openxmlformats.org/presentationml/2006/main">
-  <p:cSld>
-    <p:spTree>
-      <p:nvGrpSpPr>
-        <p:cNvPr id="1" name=""/>
-        <p:cNvGrpSpPr/>
-        <p:nvPr/>
-      </p:nvGrpSpPr>
-      <p:grpSpPr>
-        <a:xfrm>
-          <a:off x="0" y="0"/>
-          <a:ext cx="0" cy="0"/>
-          <a:chOff x="0" y="0"/>
-          <a:chExt cx="0" cy="0"/>
-        </a:xfrm>
-      </p:grpSpPr>
-      <p:sp>
-        <p:nvSpPr>
-          <p:cNvPr id="2" name="Title 1"/>
-          <p:cNvSpPr>
-            <a:spLocks noGrp="1"/>
-          </p:cNvSpPr>
-          <p:nvPr>
-            <p:ph type="title"/>
-          </p:nvPr>
-        </p:nvSpPr>
-        <p:spPr/>
-        <p:txBody>
-          <a:bodyPr/>
-          <a:lstStyle/>
-          <a:p>
-            <a:r>
-              <a:rPr lang="en-US" dirty="0" smtClean="0"/>
-              <a:t>Anaconda and the Jupyter Notebook</a:t>
-            </a:r>
-            <a:endParaRPr lang="en-US" dirty="0"/>
-          </a:p>
-        </p:txBody>
-      </p:sp>
-      <p:sp>
-        <p:nvSpPr>
-          <p:cNvPr id="3" name="Content Placeholder 2"/>
-          <p:cNvSpPr>
-            <a:spLocks noGrp="1"/>
-          </p:cNvSpPr>
-          <p:nvPr>
-            <p:ph idx="1"/>
-          </p:nvPr>
-        </p:nvSpPr>
-        <p:spPr/>
-        <p:txBody>
-          <a:bodyPr/>
-          <a:lstStyle/>
-          <a:p>
-            <a:r>
-              <a:rPr lang="en-US" dirty="0">
-                <a:hlinkClick r:id="rId2"/>
-              </a:rPr>
-              <a:t>https://www.anaconda.com</a:t>
-            </a:r>
-            <a:r>
-              <a:rPr lang="en-US" dirty="0" smtClean="0">
-                <a:hlinkClick r:id="rId2"/>
-              </a:rPr>
-              <a:t>/</a:t>
-            </a:r>
-            <a:r>
-              <a:rPr lang="en-US" dirty="0" smtClean="0"/>
-              <a:t> </a:t>
-            </a:r>
-          </a:p>
-          <a:p>
-            <a:r>
-              <a:rPr lang="en-US" dirty="0" smtClean="0"/>
-              <a:t>THE python data-science platform </a:t>
-            </a:r>
-          </a:p>
-          <a:p>
-            <a:r>
-              <a:rPr lang="en-US" dirty="0" smtClean="0"/>
-              <a:t>Facilitates interactive python</a:t>
-            </a:r>
-          </a:p>
-          <a:p>
-            <a:pPr>
-              <a:buFont typeface="Arial" panose="020B0604020202020204" pitchFamily="34" charset="0"/>
-              <a:buChar char="•"/>
-            </a:pPr>
-            <a:r>
-              <a:rPr lang="en-US" dirty="0" smtClean="0"/>
-              <a:t>Good for sharing and instruction</a:t>
-            </a:r>
-          </a:p>
-          <a:p>
-            <a:pPr>
-              <a:buFont typeface="Arial" panose="020B0604020202020204" pitchFamily="34" charset="0"/>
-              <a:buChar char="•"/>
-            </a:pPr>
-            <a:r>
-              <a:rPr lang="en-US" dirty="0" smtClean="0"/>
-              <a:t>Easy to break code into manageable chunks</a:t>
-            </a:r>
-          </a:p>
-          <a:p>
-            <a:pPr marL="0" indent="0">
-              <a:buNone/>
-            </a:pPr>
-            <a:endParaRPr lang="en-US" dirty="0" smtClean="0"/>
-          </a:p>
-        </p:txBody>
-      </p:sp>
-    </p:spTree>
-    <p:extLst>
-      <p:ext uri="{BB962C8B-B14F-4D97-AF65-F5344CB8AC3E}">
-        <p14:creationId xmlns:p14="http://schemas.microsoft.com/office/powerpoint/2010/main" val="3755854532"/>
-      </p:ext>
-    </p:extLst>
-  </p:cSld>
-  <p:clrMapOvr>
-    <a:masterClrMapping/>
-  </p:clrMapOvr>
-  <p:timing>
-    <p:tnLst>
-      <p:par>
-        <p:cTn id="1" dur="indefinite" restart="never" nodeType="tmRoot"/>
-      </p:par>
-    </p:tnLst>
-  </p:timing>
-</p:sld>
-</file>
-
-<file path=ppt/slides/slide7.xml><?xml version="1.0" encoding="utf-8"?>
-<p:sld xmlns:a="http://schemas.openxmlformats.org/drawingml/2006/main" xmlns:r="http://schemas.openxmlformats.org/officeDocument/2006/relationships" xmlns:p="http://schemas.openxmlformats.org/presentationml/2006/main">
-  <p:cSld>
-    <p:spTree>
-      <p:nvGrpSpPr>
-        <p:cNvPr id="1" name=""/>
-        <p:cNvGrpSpPr/>
-        <p:nvPr/>
-      </p:nvGrpSpPr>
-      <p:grpSpPr>
-        <a:xfrm>
-          <a:off x="0" y="0"/>
-          <a:ext cx="0" cy="0"/>
-          <a:chOff x="0" y="0"/>
-          <a:chExt cx="0" cy="0"/>
-        </a:xfrm>
-      </p:grpSpPr>
-      <p:sp>
-        <p:nvSpPr>
-          <p:cNvPr id="5" name="Title 4"/>
-          <p:cNvSpPr>
-            <a:spLocks noGrp="1"/>
-          </p:cNvSpPr>
-          <p:nvPr>
-            <p:ph type="title"/>
-          </p:nvPr>
-        </p:nvSpPr>
-        <p:spPr/>
-        <p:txBody>
-          <a:bodyPr/>
-          <a:lstStyle/>
-          <a:p>
-            <a:r>
-              <a:rPr lang="en-US" dirty="0" smtClean="0"/>
-              <a:t>Jupyter Notebook Homepage</a:t>
-            </a:r>
-            <a:endParaRPr lang="en-US" dirty="0"/>
-          </a:p>
-        </p:txBody>
-      </p:sp>
-      <p:pic>
-        <p:nvPicPr>
-          <p:cNvPr id="2" name="Picture 1"/>
-          <p:cNvPicPr>
-            <a:picLocks noChangeAspect="1"/>
-          </p:cNvPicPr>
-          <p:nvPr/>
-        </p:nvPicPr>
-        <p:blipFill>
-          <a:blip r:embed="rId2"/>
-          <a:stretch>
-            <a:fillRect/>
-          </a:stretch>
-        </p:blipFill>
-        <p:spPr>
-          <a:xfrm>
-            <a:off x="0" y="2215612"/>
-            <a:ext cx="12192000" cy="2426775"/>
-          </a:xfrm>
-          <a:prstGeom prst="rect">
-            <a:avLst/>
-          </a:prstGeom>
-        </p:spPr>
-      </p:pic>
-    </p:spTree>
-    <p:extLst>
-      <p:ext uri="{BB962C8B-B14F-4D97-AF65-F5344CB8AC3E}">
-        <p14:creationId xmlns:p14="http://schemas.microsoft.com/office/powerpoint/2010/main" val="2511325755"/>
-      </p:ext>
-    </p:extLst>
-  </p:cSld>
-  <p:clrMapOvr>
-    <a:masterClrMapping/>
-  </p:clrMapOvr>
-  <p:timing>
-    <p:tnLst>
-      <p:par>
-        <p:cTn id="1" dur="indefinite" restart="never" nodeType="tmRoot"/>
-      </p:par>
-    </p:tnLst>
-  </p:timing>
-</p:sld>
-</file>
-
-<file path=ppt/slides/slide8.xml><?xml version="1.0" encoding="utf-8"?>
+<file path=ppt/slides/slide12.xml><?xml version="1.0" encoding="utf-8"?>
 <p:sld xmlns:a="http://schemas.openxmlformats.org/drawingml/2006/main" xmlns:r="http://schemas.openxmlformats.org/officeDocument/2006/relationships" xmlns:p="http://schemas.openxmlformats.org/presentationml/2006/main">
   <p:cSld>
     <p:spTree>
@@ -4520,7 +3789,7 @@
 </p:sld>
 </file>
 
-<file path=ppt/slides/slide9.xml><?xml version="1.0" encoding="utf-8"?>
+<file path=ppt/slides/slide13.xml><?xml version="1.0" encoding="utf-8"?>
 <p:sld xmlns:a="http://schemas.openxmlformats.org/drawingml/2006/main" xmlns:r="http://schemas.openxmlformats.org/officeDocument/2006/relationships" xmlns:p="http://schemas.openxmlformats.org/presentationml/2006/main">
   <p:cSld>
     <p:spTree>
@@ -4590,6 +3859,1294 @@
     <p:extLst>
       <p:ext uri="{BB962C8B-B14F-4D97-AF65-F5344CB8AC3E}">
         <p14:creationId xmlns:p14="http://schemas.microsoft.com/office/powerpoint/2010/main" val="596040437"/>
+      </p:ext>
+    </p:extLst>
+  </p:cSld>
+  <p:clrMapOvr>
+    <a:masterClrMapping/>
+  </p:clrMapOvr>
+  <p:timing>
+    <p:tnLst>
+      <p:par>
+        <p:cTn id="1" dur="indefinite" restart="never" nodeType="tmRoot"/>
+      </p:par>
+    </p:tnLst>
+  </p:timing>
+</p:sld>
+</file>
+
+<file path=ppt/slides/slide14.xml><?xml version="1.0" encoding="utf-8"?>
+<p:sld xmlns:a="http://schemas.openxmlformats.org/drawingml/2006/main" xmlns:r="http://schemas.openxmlformats.org/officeDocument/2006/relationships" xmlns:p="http://schemas.openxmlformats.org/presentationml/2006/main">
+  <p:cSld>
+    <p:spTree>
+      <p:nvGrpSpPr>
+        <p:cNvPr id="1" name=""/>
+        <p:cNvGrpSpPr/>
+        <p:nvPr/>
+      </p:nvGrpSpPr>
+      <p:grpSpPr>
+        <a:xfrm>
+          <a:off x="0" y="0"/>
+          <a:ext cx="0" cy="0"/>
+          <a:chOff x="0" y="0"/>
+          <a:chExt cx="0" cy="0"/>
+        </a:xfrm>
+      </p:grpSpPr>
+      <p:sp>
+        <p:nvSpPr>
+          <p:cNvPr id="2" name="Title 1"/>
+          <p:cNvSpPr>
+            <a:spLocks noGrp="1"/>
+          </p:cNvSpPr>
+          <p:nvPr>
+            <p:ph type="title"/>
+          </p:nvPr>
+        </p:nvSpPr>
+        <p:spPr/>
+        <p:txBody>
+          <a:bodyPr/>
+          <a:lstStyle/>
+          <a:p>
+            <a:r>
+              <a:rPr lang="en-US" dirty="0" smtClean="0"/>
+              <a:t>Additional information on sex ratios</a:t>
+            </a:r>
+            <a:endParaRPr lang="en-US" dirty="0"/>
+          </a:p>
+        </p:txBody>
+      </p:sp>
+      <p:sp>
+        <p:nvSpPr>
+          <p:cNvPr id="3" name="Content Placeholder 2"/>
+          <p:cNvSpPr>
+            <a:spLocks noGrp="1"/>
+          </p:cNvSpPr>
+          <p:nvPr>
+            <p:ph idx="1"/>
+          </p:nvPr>
+        </p:nvSpPr>
+        <p:spPr/>
+        <p:txBody>
+          <a:bodyPr/>
+          <a:lstStyle/>
+          <a:p>
+            <a:r>
+              <a:rPr lang="en-US" dirty="0">
+                <a:hlinkClick r:id="rId2"/>
+              </a:rPr>
+              <a:t>https://</a:t>
+            </a:r>
+            <a:r>
+              <a:rPr lang="en-US" dirty="0" smtClean="0">
+                <a:hlinkClick r:id="rId2"/>
+              </a:rPr>
+              <a:t>www.pnas.org/content/112/16/E2102</a:t>
+            </a:r>
+            <a:endParaRPr lang="en-US" dirty="0" smtClean="0"/>
+          </a:p>
+          <a:p>
+            <a:r>
+              <a:rPr lang="en-US" dirty="0">
+                <a:hlinkClick r:id="rId3"/>
+              </a:rPr>
+              <a:t>https://www.populationpyramid.net/united-states-of-america/2017</a:t>
+            </a:r>
+            <a:r>
+              <a:rPr lang="en-US" dirty="0" smtClean="0">
+                <a:hlinkClick r:id="rId3"/>
+              </a:rPr>
+              <a:t>/</a:t>
+            </a:r>
+            <a:endParaRPr lang="en-US" dirty="0" smtClean="0"/>
+          </a:p>
+          <a:p>
+            <a:r>
+              <a:rPr lang="en-US" dirty="0">
+                <a:hlinkClick r:id="rId4"/>
+              </a:rPr>
+              <a:t>http://</a:t>
+            </a:r>
+            <a:r>
+              <a:rPr lang="en-US" dirty="0" smtClean="0">
+                <a:hlinkClick r:id="rId4"/>
+              </a:rPr>
+              <a:t>science.sciencemag.org/content/297/5589/2008</a:t>
+            </a:r>
+            <a:endParaRPr lang="en-US" dirty="0" smtClean="0"/>
+          </a:p>
+          <a:p>
+            <a:endParaRPr lang="en-US" dirty="0"/>
+          </a:p>
+        </p:txBody>
+      </p:sp>
+    </p:spTree>
+    <p:extLst>
+      <p:ext uri="{BB962C8B-B14F-4D97-AF65-F5344CB8AC3E}">
+        <p14:creationId xmlns:p14="http://schemas.microsoft.com/office/powerpoint/2010/main" val="882710562"/>
+      </p:ext>
+    </p:extLst>
+  </p:cSld>
+  <p:clrMapOvr>
+    <a:masterClrMapping/>
+  </p:clrMapOvr>
+  <p:timing>
+    <p:tnLst>
+      <p:par>
+        <p:cTn id="1" dur="indefinite" restart="never" nodeType="tmRoot"/>
+      </p:par>
+    </p:tnLst>
+  </p:timing>
+</p:sld>
+</file>
+
+<file path=ppt/slides/slide15.xml><?xml version="1.0" encoding="utf-8"?>
+<p:sld xmlns:a="http://schemas.openxmlformats.org/drawingml/2006/main" xmlns:r="http://schemas.openxmlformats.org/officeDocument/2006/relationships" xmlns:p="http://schemas.openxmlformats.org/presentationml/2006/main">
+  <p:cSld>
+    <p:spTree>
+      <p:nvGrpSpPr>
+        <p:cNvPr id="1" name=""/>
+        <p:cNvGrpSpPr/>
+        <p:nvPr/>
+      </p:nvGrpSpPr>
+      <p:grpSpPr>
+        <a:xfrm>
+          <a:off x="0" y="0"/>
+          <a:ext cx="0" cy="0"/>
+          <a:chOff x="0" y="0"/>
+          <a:chExt cx="0" cy="0"/>
+        </a:xfrm>
+      </p:grpSpPr>
+      <p:sp>
+        <p:nvSpPr>
+          <p:cNvPr id="2" name="Title 1"/>
+          <p:cNvSpPr>
+            <a:spLocks noGrp="1"/>
+          </p:cNvSpPr>
+          <p:nvPr>
+            <p:ph type="title"/>
+          </p:nvPr>
+        </p:nvSpPr>
+        <p:spPr/>
+        <p:txBody>
+          <a:bodyPr/>
+          <a:lstStyle/>
+          <a:p>
+            <a:r>
+              <a:rPr lang="en-US" dirty="0" smtClean="0"/>
+              <a:t>Data Sources</a:t>
+            </a:r>
+            <a:endParaRPr lang="en-US" dirty="0"/>
+          </a:p>
+        </p:txBody>
+      </p:sp>
+      <p:sp>
+        <p:nvSpPr>
+          <p:cNvPr id="3" name="Content Placeholder 2"/>
+          <p:cNvSpPr>
+            <a:spLocks noGrp="1"/>
+          </p:cNvSpPr>
+          <p:nvPr>
+            <p:ph idx="1"/>
+          </p:nvPr>
+        </p:nvSpPr>
+        <p:spPr/>
+        <p:txBody>
+          <a:bodyPr/>
+          <a:lstStyle/>
+          <a:p>
+            <a:r>
+              <a:rPr lang="en-US" dirty="0" smtClean="0"/>
+              <a:t>American Fact Finder</a:t>
+            </a:r>
+          </a:p>
+          <a:p>
+            <a:pPr lvl="1"/>
+            <a:r>
+              <a:rPr lang="en-US" dirty="0">
+                <a:hlinkClick r:id="rId2"/>
+              </a:rPr>
+              <a:t>https://</a:t>
+            </a:r>
+            <a:r>
+              <a:rPr lang="en-US" dirty="0" smtClean="0">
+                <a:hlinkClick r:id="rId2"/>
+              </a:rPr>
+              <a:t>factfinder.census.gov/faces/nav/jsf/pages/index.xhtml</a:t>
+            </a:r>
+            <a:endParaRPr lang="en-US" dirty="0" smtClean="0"/>
+          </a:p>
+          <a:p>
+            <a:r>
+              <a:rPr lang="en-US" dirty="0" smtClean="0"/>
+              <a:t>Place geography</a:t>
+            </a:r>
+          </a:p>
+          <a:p>
+            <a:pPr lvl="1"/>
+            <a:r>
+              <a:rPr lang="en-US" dirty="0">
+                <a:hlinkClick r:id="rId3"/>
+              </a:rPr>
+              <a:t>https://</a:t>
+            </a:r>
+            <a:r>
+              <a:rPr lang="en-US" dirty="0" smtClean="0">
+                <a:hlinkClick r:id="rId3"/>
+              </a:rPr>
+              <a:t>www.census.gov/geo/maps-data/data/tiger.html</a:t>
+            </a:r>
+            <a:endParaRPr lang="en-US" dirty="0" smtClean="0"/>
+          </a:p>
+          <a:p>
+            <a:endParaRPr lang="en-US" dirty="0"/>
+          </a:p>
+        </p:txBody>
+      </p:sp>
+    </p:spTree>
+    <p:extLst>
+      <p:ext uri="{BB962C8B-B14F-4D97-AF65-F5344CB8AC3E}">
+        <p14:creationId xmlns:p14="http://schemas.microsoft.com/office/powerpoint/2010/main" val="2983128838"/>
+      </p:ext>
+    </p:extLst>
+  </p:cSld>
+  <p:clrMapOvr>
+    <a:masterClrMapping/>
+  </p:clrMapOvr>
+  <p:timing>
+    <p:tnLst>
+      <p:par>
+        <p:cTn id="1" dur="indefinite" restart="never" nodeType="tmRoot"/>
+      </p:par>
+    </p:tnLst>
+  </p:timing>
+</p:sld>
+</file>
+
+<file path=ppt/slides/slide2.xml><?xml version="1.0" encoding="utf-8"?>
+<p:sld xmlns:a="http://schemas.openxmlformats.org/drawingml/2006/main" xmlns:r="http://schemas.openxmlformats.org/officeDocument/2006/relationships" xmlns:p="http://schemas.openxmlformats.org/presentationml/2006/main">
+  <p:cSld>
+    <p:spTree>
+      <p:nvGrpSpPr>
+        <p:cNvPr id="1" name=""/>
+        <p:cNvGrpSpPr/>
+        <p:nvPr/>
+      </p:nvGrpSpPr>
+      <p:grpSpPr>
+        <a:xfrm>
+          <a:off x="0" y="0"/>
+          <a:ext cx="0" cy="0"/>
+          <a:chOff x="0" y="0"/>
+          <a:chExt cx="0" cy="0"/>
+        </a:xfrm>
+      </p:grpSpPr>
+      <p:sp>
+        <p:nvSpPr>
+          <p:cNvPr id="2" name="Title 1"/>
+          <p:cNvSpPr>
+            <a:spLocks noGrp="1"/>
+          </p:cNvSpPr>
+          <p:nvPr>
+            <p:ph type="title"/>
+          </p:nvPr>
+        </p:nvSpPr>
+        <p:spPr/>
+        <p:txBody>
+          <a:bodyPr>
+            <a:normAutofit/>
+          </a:bodyPr>
+          <a:lstStyle/>
+          <a:p>
+            <a:r>
+              <a:rPr lang="en-US" sz="4000" dirty="0" smtClean="0"/>
+              <a:t>Location of this tutorial and </a:t>
+            </a:r>
+            <a:r>
+              <a:rPr lang="en-US" sz="4000" dirty="0" smtClean="0"/>
+              <a:t> </a:t>
+            </a:r>
+            <a:r>
+              <a:rPr lang="en-US" sz="4000" dirty="0" smtClean="0"/>
+              <a:t>workshop </a:t>
+            </a:r>
+            <a:r>
+              <a:rPr lang="en-US" sz="4000" dirty="0" smtClean="0"/>
+              <a:t>material</a:t>
+            </a:r>
+            <a:endParaRPr lang="en-US" sz="4000" dirty="0"/>
+          </a:p>
+        </p:txBody>
+      </p:sp>
+      <p:sp>
+        <p:nvSpPr>
+          <p:cNvPr id="3" name="Content Placeholder 2"/>
+          <p:cNvSpPr>
+            <a:spLocks noGrp="1"/>
+          </p:cNvSpPr>
+          <p:nvPr>
+            <p:ph idx="1"/>
+          </p:nvPr>
+        </p:nvSpPr>
+        <p:spPr>
+          <a:xfrm>
+            <a:off x="838200" y="1834769"/>
+            <a:ext cx="10515600" cy="4351338"/>
+          </a:xfrm>
+        </p:spPr>
+        <p:txBody>
+          <a:bodyPr>
+            <a:normAutofit/>
+          </a:bodyPr>
+          <a:lstStyle/>
+          <a:p>
+            <a:r>
+              <a:rPr lang="en-US" sz="4000" dirty="0"/>
+              <a:t>https://github.com/mike-babb/intro_to_python</a:t>
+            </a:r>
+            <a:endParaRPr lang="en-US" sz="4000" dirty="0"/>
+          </a:p>
+        </p:txBody>
+      </p:sp>
+    </p:spTree>
+    <p:extLst>
+      <p:ext uri="{BB962C8B-B14F-4D97-AF65-F5344CB8AC3E}">
+        <p14:creationId xmlns:p14="http://schemas.microsoft.com/office/powerpoint/2010/main" val="1328163784"/>
+      </p:ext>
+    </p:extLst>
+  </p:cSld>
+  <p:clrMapOvr>
+    <a:masterClrMapping/>
+  </p:clrMapOvr>
+  <p:timing>
+    <p:tnLst>
+      <p:par>
+        <p:cTn id="1" dur="indefinite" restart="never" nodeType="tmRoot"/>
+      </p:par>
+    </p:tnLst>
+  </p:timing>
+</p:sld>
+</file>
+
+<file path=ppt/slides/slide3.xml><?xml version="1.0" encoding="utf-8"?>
+<p:sld xmlns:a="http://schemas.openxmlformats.org/drawingml/2006/main" xmlns:r="http://schemas.openxmlformats.org/officeDocument/2006/relationships" xmlns:p="http://schemas.openxmlformats.org/presentationml/2006/main">
+  <p:cSld>
+    <p:spTree>
+      <p:nvGrpSpPr>
+        <p:cNvPr id="1" name=""/>
+        <p:cNvGrpSpPr/>
+        <p:nvPr/>
+      </p:nvGrpSpPr>
+      <p:grpSpPr>
+        <a:xfrm>
+          <a:off x="0" y="0"/>
+          <a:ext cx="0" cy="0"/>
+          <a:chOff x="0" y="0"/>
+          <a:chExt cx="0" cy="0"/>
+        </a:xfrm>
+      </p:grpSpPr>
+      <p:sp>
+        <p:nvSpPr>
+          <p:cNvPr id="2" name="Title 1"/>
+          <p:cNvSpPr>
+            <a:spLocks noGrp="1"/>
+          </p:cNvSpPr>
+          <p:nvPr>
+            <p:ph type="title"/>
+          </p:nvPr>
+        </p:nvSpPr>
+        <p:spPr/>
+        <p:txBody>
+          <a:bodyPr/>
+          <a:lstStyle/>
+          <a:p>
+            <a:r>
+              <a:rPr lang="en-US" dirty="0" smtClean="0"/>
+              <a:t>Activities</a:t>
+            </a:r>
+            <a:endParaRPr lang="en-US" dirty="0"/>
+          </a:p>
+        </p:txBody>
+      </p:sp>
+      <p:sp>
+        <p:nvSpPr>
+          <p:cNvPr id="3" name="Content Placeholder 2"/>
+          <p:cNvSpPr>
+            <a:spLocks noGrp="1"/>
+          </p:cNvSpPr>
+          <p:nvPr>
+            <p:ph idx="1"/>
+          </p:nvPr>
+        </p:nvSpPr>
+        <p:spPr/>
+        <p:txBody>
+          <a:bodyPr/>
+          <a:lstStyle/>
+          <a:p>
+            <a:r>
+              <a:rPr lang="en-US" dirty="0" smtClean="0"/>
+              <a:t>Examine basic python syntax</a:t>
+            </a:r>
+          </a:p>
+          <a:p>
+            <a:r>
+              <a:rPr lang="en-US" dirty="0" smtClean="0"/>
+              <a:t>Using pandas, we will read in data pertaining to the age and sex of the population of Census Designated Places in Washington State during the 2013-2017 time </a:t>
+            </a:r>
+            <a:r>
+              <a:rPr lang="en-US" dirty="0" smtClean="0"/>
+              <a:t>period</a:t>
+            </a:r>
+            <a:endParaRPr lang="en-US" dirty="0" smtClean="0"/>
+          </a:p>
+          <a:p>
+            <a:r>
+              <a:rPr lang="en-US" dirty="0" smtClean="0"/>
+              <a:t>Compute the </a:t>
+            </a:r>
+            <a:r>
+              <a:rPr lang="en-US" dirty="0" smtClean="0"/>
+              <a:t>all ages </a:t>
+            </a:r>
+            <a:r>
+              <a:rPr lang="en-US" dirty="0" smtClean="0"/>
+              <a:t>sex-ratio</a:t>
+            </a:r>
+          </a:p>
+          <a:p>
+            <a:r>
+              <a:rPr lang="en-US" dirty="0" smtClean="0"/>
+              <a:t>Export the data to a .csv and an Excel workbook</a:t>
+            </a:r>
+            <a:endParaRPr lang="en-US" dirty="0"/>
+          </a:p>
+        </p:txBody>
+      </p:sp>
+    </p:spTree>
+    <p:extLst>
+      <p:ext uri="{BB962C8B-B14F-4D97-AF65-F5344CB8AC3E}">
+        <p14:creationId xmlns:p14="http://schemas.microsoft.com/office/powerpoint/2010/main" val="3030563835"/>
+      </p:ext>
+    </p:extLst>
+  </p:cSld>
+  <p:clrMapOvr>
+    <a:masterClrMapping/>
+  </p:clrMapOvr>
+  <p:timing>
+    <p:tnLst>
+      <p:par>
+        <p:cTn id="1" dur="indefinite" restart="never" nodeType="tmRoot"/>
+      </p:par>
+    </p:tnLst>
+  </p:timing>
+</p:sld>
+</file>
+
+<file path=ppt/slides/slide4.xml><?xml version="1.0" encoding="utf-8"?>
+<p:sld xmlns:a="http://schemas.openxmlformats.org/drawingml/2006/main" xmlns:r="http://schemas.openxmlformats.org/officeDocument/2006/relationships" xmlns:p="http://schemas.openxmlformats.org/presentationml/2006/main">
+  <p:cSld>
+    <p:spTree>
+      <p:nvGrpSpPr>
+        <p:cNvPr id="1" name=""/>
+        <p:cNvGrpSpPr/>
+        <p:nvPr/>
+      </p:nvGrpSpPr>
+      <p:grpSpPr>
+        <a:xfrm>
+          <a:off x="0" y="0"/>
+          <a:ext cx="0" cy="0"/>
+          <a:chOff x="0" y="0"/>
+          <a:chExt cx="0" cy="0"/>
+        </a:xfrm>
+      </p:grpSpPr>
+      <p:sp>
+        <p:nvSpPr>
+          <p:cNvPr id="2" name="Title 1"/>
+          <p:cNvSpPr>
+            <a:spLocks noGrp="1"/>
+          </p:cNvSpPr>
+          <p:nvPr>
+            <p:ph type="title"/>
+          </p:nvPr>
+        </p:nvSpPr>
+        <p:spPr/>
+        <p:txBody>
+          <a:bodyPr/>
+          <a:lstStyle/>
+          <a:p>
+            <a:r>
+              <a:rPr lang="en-US" dirty="0" smtClean="0"/>
+              <a:t>The Data</a:t>
+            </a:r>
+            <a:endParaRPr lang="en-US" dirty="0"/>
+          </a:p>
+        </p:txBody>
+      </p:sp>
+      <p:sp>
+        <p:nvSpPr>
+          <p:cNvPr id="3" name="Content Placeholder 2"/>
+          <p:cNvSpPr>
+            <a:spLocks noGrp="1"/>
+          </p:cNvSpPr>
+          <p:nvPr>
+            <p:ph idx="1"/>
+          </p:nvPr>
+        </p:nvSpPr>
+        <p:spPr/>
+        <p:txBody>
+          <a:bodyPr/>
+          <a:lstStyle/>
+          <a:p>
+            <a:r>
+              <a:rPr lang="en-US" dirty="0" smtClean="0"/>
+              <a:t>American Community Survey, 2013 – 2017</a:t>
+            </a:r>
+          </a:p>
+          <a:p>
+            <a:r>
+              <a:rPr lang="en-US" dirty="0" smtClean="0"/>
+              <a:t>We’ll be </a:t>
+            </a:r>
+            <a:r>
+              <a:rPr lang="en-US" dirty="0" smtClean="0"/>
+              <a:t>investigating the all ages sex ratio for places in Washington State</a:t>
+            </a:r>
+          </a:p>
+          <a:p>
+            <a:r>
+              <a:rPr lang="en-US" dirty="0" smtClean="0"/>
+              <a:t>All Ages Sex Ratio: The number of Males per 100 Females. </a:t>
+            </a:r>
+            <a:endParaRPr lang="en-US" dirty="0"/>
+          </a:p>
+        </p:txBody>
+      </p:sp>
+    </p:spTree>
+    <p:extLst>
+      <p:ext uri="{BB962C8B-B14F-4D97-AF65-F5344CB8AC3E}">
+        <p14:creationId xmlns:p14="http://schemas.microsoft.com/office/powerpoint/2010/main" val="757023306"/>
+      </p:ext>
+    </p:extLst>
+  </p:cSld>
+  <p:clrMapOvr>
+    <a:masterClrMapping/>
+  </p:clrMapOvr>
+  <p:timing>
+    <p:tnLst>
+      <p:par>
+        <p:cTn id="1" dur="indefinite" restart="never" nodeType="tmRoot"/>
+      </p:par>
+    </p:tnLst>
+  </p:timing>
+</p:sld>
+</file>
+
+<file path=ppt/slides/slide5.xml><?xml version="1.0" encoding="utf-8"?>
+<p:sld xmlns:a="http://schemas.openxmlformats.org/drawingml/2006/main" xmlns:r="http://schemas.openxmlformats.org/officeDocument/2006/relationships" xmlns:p="http://schemas.openxmlformats.org/presentationml/2006/main">
+  <p:cSld>
+    <p:spTree>
+      <p:nvGrpSpPr>
+        <p:cNvPr id="1" name=""/>
+        <p:cNvGrpSpPr/>
+        <p:nvPr/>
+      </p:nvGrpSpPr>
+      <p:grpSpPr>
+        <a:xfrm>
+          <a:off x="0" y="0"/>
+          <a:ext cx="0" cy="0"/>
+          <a:chOff x="0" y="0"/>
+          <a:chExt cx="0" cy="0"/>
+        </a:xfrm>
+      </p:grpSpPr>
+      <p:sp>
+        <p:nvSpPr>
+          <p:cNvPr id="2" name="Title 1"/>
+          <p:cNvSpPr>
+            <a:spLocks noGrp="1"/>
+          </p:cNvSpPr>
+          <p:nvPr>
+            <p:ph type="title"/>
+          </p:nvPr>
+        </p:nvSpPr>
+        <p:spPr/>
+        <p:txBody>
+          <a:bodyPr/>
+          <a:lstStyle/>
+          <a:p>
+            <a:r>
+              <a:rPr lang="en-US" dirty="0" smtClean="0"/>
+              <a:t>Why python?</a:t>
+            </a:r>
+            <a:endParaRPr lang="en-US" dirty="0"/>
+          </a:p>
+        </p:txBody>
+      </p:sp>
+      <p:sp>
+        <p:nvSpPr>
+          <p:cNvPr id="3" name="Content Placeholder 2"/>
+          <p:cNvSpPr>
+            <a:spLocks noGrp="1"/>
+          </p:cNvSpPr>
+          <p:nvPr>
+            <p:ph idx="1"/>
+          </p:nvPr>
+        </p:nvSpPr>
+        <p:spPr/>
+        <p:txBody>
+          <a:bodyPr>
+            <a:normAutofit fontScale="92500" lnSpcReduction="20000"/>
+          </a:bodyPr>
+          <a:lstStyle/>
+          <a:p>
+            <a:pPr>
+              <a:buFont typeface="Arial" panose="020B0604020202020204" pitchFamily="34" charset="0"/>
+              <a:buChar char="•"/>
+            </a:pPr>
+            <a:r>
+              <a:rPr lang="en-US" dirty="0" smtClean="0"/>
+              <a:t>It’s easy to jump in: </a:t>
+            </a:r>
+            <a:r>
+              <a:rPr lang="en-US" dirty="0" smtClean="0">
+                <a:hlinkClick r:id="rId2"/>
+              </a:rPr>
+              <a:t>https</a:t>
+            </a:r>
+            <a:r>
+              <a:rPr lang="en-US" dirty="0">
+                <a:hlinkClick r:id="rId2"/>
+              </a:rPr>
+              <a:t>://www.python.org/about/gettingstarted</a:t>
+            </a:r>
+            <a:r>
+              <a:rPr lang="en-US" dirty="0" smtClean="0">
+                <a:hlinkClick r:id="rId2"/>
+              </a:rPr>
+              <a:t>/</a:t>
+            </a:r>
+            <a:endParaRPr lang="en-US" dirty="0" smtClean="0"/>
+          </a:p>
+          <a:p>
+            <a:pPr>
+              <a:buFont typeface="Arial" panose="020B0604020202020204" pitchFamily="34" charset="0"/>
+              <a:buChar char="•"/>
+            </a:pPr>
+            <a:r>
+              <a:rPr lang="en-US" dirty="0" smtClean="0"/>
+              <a:t>It’s cross-platform: Windows, Mac, Linux</a:t>
+            </a:r>
+          </a:p>
+          <a:p>
+            <a:pPr>
+              <a:buFont typeface="Arial" panose="020B0604020202020204" pitchFamily="34" charset="0"/>
+              <a:buChar char="•"/>
+            </a:pPr>
+            <a:r>
+              <a:rPr lang="en-US" dirty="0" smtClean="0"/>
+              <a:t>It was designed to be simple and readable: </a:t>
+            </a:r>
+            <a:r>
+              <a:rPr lang="en-US" dirty="0" smtClean="0">
+                <a:hlinkClick r:id="rId3"/>
+              </a:rPr>
+              <a:t>https</a:t>
+            </a:r>
+            <a:r>
+              <a:rPr lang="en-US" dirty="0">
+                <a:hlinkClick r:id="rId3"/>
+              </a:rPr>
+              <a:t>://xkcd.com/353</a:t>
+            </a:r>
+            <a:r>
+              <a:rPr lang="en-US" dirty="0" smtClean="0">
+                <a:hlinkClick r:id="rId3"/>
+              </a:rPr>
+              <a:t>/</a:t>
+            </a:r>
+            <a:endParaRPr lang="en-US" dirty="0" smtClean="0"/>
+          </a:p>
+          <a:p>
+            <a:r>
+              <a:rPr lang="en-US" dirty="0"/>
+              <a:t>It’s free</a:t>
+            </a:r>
+            <a:r>
+              <a:rPr lang="en-US" dirty="0" smtClean="0"/>
+              <a:t>!</a:t>
+            </a:r>
+          </a:p>
+          <a:p>
+            <a:r>
+              <a:rPr lang="en-US" dirty="0" smtClean="0"/>
+              <a:t>It’s popular: </a:t>
+            </a:r>
+            <a:r>
+              <a:rPr lang="en-US" dirty="0" smtClean="0">
+                <a:hlinkClick r:id="rId4"/>
+              </a:rPr>
+              <a:t>https</a:t>
+            </a:r>
+            <a:r>
+              <a:rPr lang="en-US" dirty="0">
+                <a:hlinkClick r:id="rId4"/>
+              </a:rPr>
+              <a:t>://www.tiobe.com/tiobe-index/python</a:t>
+            </a:r>
+            <a:r>
+              <a:rPr lang="en-US" dirty="0" smtClean="0">
+                <a:hlinkClick r:id="rId4"/>
+              </a:rPr>
+              <a:t>/</a:t>
+            </a:r>
+            <a:endParaRPr lang="en-US" dirty="0" smtClean="0"/>
+          </a:p>
+          <a:p>
+            <a:pPr>
+              <a:buFont typeface="Arial" panose="020B0604020202020204" pitchFamily="34" charset="0"/>
+              <a:buChar char="•"/>
+            </a:pPr>
+            <a:r>
+              <a:rPr lang="en-US" dirty="0" smtClean="0"/>
+              <a:t>It’s prolific: used in many industries for many jobs. Finance, real estate tech, server administration, health care research, non-profit administration</a:t>
+            </a:r>
+          </a:p>
+          <a:p>
+            <a:pPr>
+              <a:buFont typeface="Arial" panose="020B0604020202020204" pitchFamily="34" charset="0"/>
+              <a:buChar char="•"/>
+            </a:pPr>
+            <a:r>
+              <a:rPr lang="en-US" dirty="0" smtClean="0"/>
+              <a:t>And departments across campus: sociology, economics, civil engineering, astronomy (and geography!)</a:t>
+            </a:r>
+          </a:p>
+          <a:p>
+            <a:pPr>
+              <a:buFont typeface="Arial" panose="020B0604020202020204" pitchFamily="34" charset="0"/>
+              <a:buChar char="•"/>
+            </a:pPr>
+            <a:r>
+              <a:rPr lang="en-US" dirty="0" smtClean="0"/>
+              <a:t>Many libraries that do pretty much what you want with just a few commands</a:t>
+            </a:r>
+          </a:p>
+          <a:p>
+            <a:pPr>
+              <a:buFont typeface="Arial" panose="020B0604020202020204" pitchFamily="34" charset="0"/>
+              <a:buChar char="•"/>
+            </a:pPr>
+            <a:endParaRPr lang="en-US" dirty="0"/>
+          </a:p>
+        </p:txBody>
+      </p:sp>
+    </p:spTree>
+    <p:extLst>
+      <p:ext uri="{BB962C8B-B14F-4D97-AF65-F5344CB8AC3E}">
+        <p14:creationId xmlns:p14="http://schemas.microsoft.com/office/powerpoint/2010/main" val="3321498620"/>
+      </p:ext>
+    </p:extLst>
+  </p:cSld>
+  <p:clrMapOvr>
+    <a:masterClrMapping/>
+  </p:clrMapOvr>
+  <p:timing>
+    <p:tnLst>
+      <p:par>
+        <p:cTn id="1" dur="indefinite" restart="never" nodeType="tmRoot"/>
+      </p:par>
+    </p:tnLst>
+  </p:timing>
+</p:sld>
+</file>
+
+<file path=ppt/slides/slide6.xml><?xml version="1.0" encoding="utf-8"?>
+<p:sld xmlns:a="http://schemas.openxmlformats.org/drawingml/2006/main" xmlns:r="http://schemas.openxmlformats.org/officeDocument/2006/relationships" xmlns:p="http://schemas.openxmlformats.org/presentationml/2006/main">
+  <p:cSld>
+    <p:spTree>
+      <p:nvGrpSpPr>
+        <p:cNvPr id="1" name=""/>
+        <p:cNvGrpSpPr/>
+        <p:nvPr/>
+      </p:nvGrpSpPr>
+      <p:grpSpPr>
+        <a:xfrm>
+          <a:off x="0" y="0"/>
+          <a:ext cx="0" cy="0"/>
+          <a:chOff x="0" y="0"/>
+          <a:chExt cx="0" cy="0"/>
+        </a:xfrm>
+      </p:grpSpPr>
+      <p:sp>
+        <p:nvSpPr>
+          <p:cNvPr id="2" name="Title 1"/>
+          <p:cNvSpPr>
+            <a:spLocks noGrp="1"/>
+          </p:cNvSpPr>
+          <p:nvPr>
+            <p:ph type="title"/>
+          </p:nvPr>
+        </p:nvSpPr>
+        <p:spPr/>
+        <p:txBody>
+          <a:bodyPr/>
+          <a:lstStyle/>
+          <a:p>
+            <a:r>
+              <a:rPr lang="en-US" dirty="0" smtClean="0"/>
+              <a:t>Brief </a:t>
+            </a:r>
+            <a:r>
+              <a:rPr lang="en-US" dirty="0" smtClean="0"/>
+              <a:t>history about Python</a:t>
+            </a:r>
+            <a:endParaRPr lang="en-US" dirty="0"/>
+          </a:p>
+        </p:txBody>
+      </p:sp>
+      <p:sp>
+        <p:nvSpPr>
+          <p:cNvPr id="3" name="Content Placeholder 2"/>
+          <p:cNvSpPr>
+            <a:spLocks noGrp="1"/>
+          </p:cNvSpPr>
+          <p:nvPr>
+            <p:ph idx="1"/>
+          </p:nvPr>
+        </p:nvSpPr>
+        <p:spPr/>
+        <p:txBody>
+          <a:bodyPr/>
+          <a:lstStyle/>
+          <a:p>
+            <a:r>
+              <a:rPr lang="en-US" dirty="0" smtClean="0"/>
+              <a:t>Developed by Guido van Rossum in the early 90s. Current versions</a:t>
+            </a:r>
+            <a:r>
+              <a:rPr lang="en-US" dirty="0"/>
+              <a:t>: Python </a:t>
+            </a:r>
+            <a:r>
+              <a:rPr lang="en-US" dirty="0" smtClean="0"/>
+              <a:t>3.7.2 </a:t>
+            </a:r>
+            <a:r>
+              <a:rPr lang="en-US" dirty="0"/>
+              <a:t>and Python </a:t>
+            </a:r>
+            <a:r>
+              <a:rPr lang="en-US" dirty="0" smtClean="0"/>
+              <a:t>2.7.15</a:t>
+            </a:r>
+          </a:p>
+          <a:p>
+            <a:r>
+              <a:rPr lang="en-US" dirty="0" smtClean="0"/>
+              <a:t>Python 3.7 is van Rossum’s (and the larger community’s) attempt at fixing some core issues with python 2.x</a:t>
+            </a:r>
+          </a:p>
+          <a:p>
+            <a:pPr lvl="1"/>
+            <a:r>
+              <a:rPr lang="en-US" dirty="0" smtClean="0"/>
+              <a:t>Integer division returns floats (5 / 2 = 2.5 instead of 5/2 = 2)</a:t>
+            </a:r>
+          </a:p>
+          <a:p>
+            <a:pPr lvl="1"/>
+            <a:r>
+              <a:rPr lang="en-US" dirty="0" smtClean="0"/>
+              <a:t>Better handling of strings</a:t>
+            </a:r>
+          </a:p>
+          <a:p>
+            <a:pPr lvl="1"/>
+            <a:r>
+              <a:rPr lang="en-US" dirty="0" smtClean="0"/>
+              <a:t>Better memory management in some cases</a:t>
+            </a:r>
+          </a:p>
+          <a:p>
+            <a:pPr lvl="1"/>
+            <a:r>
+              <a:rPr lang="en-US" dirty="0" smtClean="0"/>
+              <a:t>It’s </a:t>
+            </a:r>
+            <a:r>
+              <a:rPr lang="en-US" dirty="0"/>
+              <a:t>a bit faster in general: </a:t>
+            </a:r>
+            <a:r>
+              <a:rPr lang="en-US" dirty="0">
+                <a:hlinkClick r:id="rId2"/>
+              </a:rPr>
+              <a:t>https://</a:t>
+            </a:r>
+            <a:r>
+              <a:rPr lang="en-US" dirty="0" smtClean="0">
+                <a:hlinkClick r:id="rId2"/>
+              </a:rPr>
+              <a:t>hackernoon.com/which-is-the-fastest-version-of-python-2ae7c61a6b2b</a:t>
+            </a:r>
+            <a:endParaRPr lang="en-US" dirty="0" smtClean="0"/>
+          </a:p>
+          <a:p>
+            <a:pPr marL="457200" lvl="1" indent="0">
+              <a:buNone/>
+            </a:pPr>
+            <a:endParaRPr lang="en-US" dirty="0" smtClean="0"/>
+          </a:p>
+        </p:txBody>
+      </p:sp>
+    </p:spTree>
+    <p:extLst>
+      <p:ext uri="{BB962C8B-B14F-4D97-AF65-F5344CB8AC3E}">
+        <p14:creationId xmlns:p14="http://schemas.microsoft.com/office/powerpoint/2010/main" val="3428809214"/>
+      </p:ext>
+    </p:extLst>
+  </p:cSld>
+  <p:clrMapOvr>
+    <a:masterClrMapping/>
+  </p:clrMapOvr>
+  <p:timing>
+    <p:tnLst>
+      <p:par>
+        <p:cTn id="1" dur="indefinite" restart="never" nodeType="tmRoot"/>
+      </p:par>
+    </p:tnLst>
+  </p:timing>
+</p:sld>
+</file>
+
+<file path=ppt/slides/slide7.xml><?xml version="1.0" encoding="utf-8"?>
+<p:sld xmlns:a="http://schemas.openxmlformats.org/drawingml/2006/main" xmlns:r="http://schemas.openxmlformats.org/officeDocument/2006/relationships" xmlns:p="http://schemas.openxmlformats.org/presentationml/2006/main">
+  <p:cSld>
+    <p:spTree>
+      <p:nvGrpSpPr>
+        <p:cNvPr id="1" name=""/>
+        <p:cNvGrpSpPr/>
+        <p:nvPr/>
+      </p:nvGrpSpPr>
+      <p:grpSpPr>
+        <a:xfrm>
+          <a:off x="0" y="0"/>
+          <a:ext cx="0" cy="0"/>
+          <a:chOff x="0" y="0"/>
+          <a:chExt cx="0" cy="0"/>
+        </a:xfrm>
+      </p:grpSpPr>
+      <p:sp>
+        <p:nvSpPr>
+          <p:cNvPr id="2" name="Title 1"/>
+          <p:cNvSpPr>
+            <a:spLocks noGrp="1"/>
+          </p:cNvSpPr>
+          <p:nvPr>
+            <p:ph type="title"/>
+          </p:nvPr>
+        </p:nvSpPr>
+        <p:spPr/>
+        <p:txBody>
+          <a:bodyPr/>
+          <a:lstStyle/>
+          <a:p>
+            <a:r>
+              <a:rPr lang="en-US" dirty="0" smtClean="0"/>
+              <a:t>Pandas – Python Data Analysis Library</a:t>
+            </a:r>
+            <a:endParaRPr lang="en-US" dirty="0"/>
+          </a:p>
+        </p:txBody>
+      </p:sp>
+      <p:pic>
+        <p:nvPicPr>
+          <p:cNvPr id="3" name="Picture 2"/>
+          <p:cNvPicPr>
+            <a:picLocks noChangeAspect="1"/>
+          </p:cNvPicPr>
+          <p:nvPr/>
+        </p:nvPicPr>
+        <p:blipFill rotWithShape="1">
+          <a:blip r:embed="rId2"/>
+          <a:srcRect l="3548"/>
+          <a:stretch/>
+        </p:blipFill>
+        <p:spPr>
+          <a:xfrm>
+            <a:off x="923544" y="1591056"/>
+            <a:ext cx="7291922" cy="4806505"/>
+          </a:xfrm>
+          <a:prstGeom prst="rect">
+            <a:avLst/>
+          </a:prstGeom>
+        </p:spPr>
+      </p:pic>
+      <p:sp>
+        <p:nvSpPr>
+          <p:cNvPr id="4" name="TextBox 3"/>
+          <p:cNvSpPr txBox="1"/>
+          <p:nvPr/>
+        </p:nvSpPr>
+        <p:spPr>
+          <a:xfrm>
+            <a:off x="8300810" y="1591056"/>
+            <a:ext cx="3447288" cy="369332"/>
+          </a:xfrm>
+          <a:prstGeom prst="rect">
+            <a:avLst/>
+          </a:prstGeom>
+          <a:noFill/>
+        </p:spPr>
+        <p:txBody>
+          <a:bodyPr wrap="square" rtlCol="0">
+            <a:spAutoFit/>
+          </a:bodyPr>
+          <a:lstStyle/>
+          <a:p>
+            <a:r>
+              <a:rPr lang="en-US" dirty="0">
+                <a:hlinkClick r:id="rId3"/>
+              </a:rPr>
+              <a:t>https://pandas.pydata.org</a:t>
+            </a:r>
+            <a:r>
+              <a:rPr lang="en-US" dirty="0" smtClean="0">
+                <a:hlinkClick r:id="rId3"/>
+              </a:rPr>
+              <a:t>/</a:t>
+            </a:r>
+            <a:r>
+              <a:rPr lang="en-US" dirty="0" smtClean="0"/>
+              <a:t> </a:t>
+            </a:r>
+            <a:endParaRPr lang="en-US" dirty="0"/>
+          </a:p>
+        </p:txBody>
+      </p:sp>
+    </p:spTree>
+    <p:extLst>
+      <p:ext uri="{BB962C8B-B14F-4D97-AF65-F5344CB8AC3E}">
+        <p14:creationId xmlns:p14="http://schemas.microsoft.com/office/powerpoint/2010/main" val="2298993283"/>
+      </p:ext>
+    </p:extLst>
+  </p:cSld>
+  <p:clrMapOvr>
+    <a:masterClrMapping/>
+  </p:clrMapOvr>
+  <p:timing>
+    <p:tnLst>
+      <p:par>
+        <p:cTn id="1" dur="indefinite" restart="never" nodeType="tmRoot"/>
+      </p:par>
+    </p:tnLst>
+  </p:timing>
+</p:sld>
+</file>
+
+<file path=ppt/slides/slide8.xml><?xml version="1.0" encoding="utf-8"?>
+<p:sld xmlns:a="http://schemas.openxmlformats.org/drawingml/2006/main" xmlns:r="http://schemas.openxmlformats.org/officeDocument/2006/relationships" xmlns:p="http://schemas.openxmlformats.org/presentationml/2006/main">
+  <p:cSld>
+    <p:spTree>
+      <p:nvGrpSpPr>
+        <p:cNvPr id="1" name=""/>
+        <p:cNvGrpSpPr/>
+        <p:nvPr/>
+      </p:nvGrpSpPr>
+      <p:grpSpPr>
+        <a:xfrm>
+          <a:off x="0" y="0"/>
+          <a:ext cx="0" cy="0"/>
+          <a:chOff x="0" y="0"/>
+          <a:chExt cx="0" cy="0"/>
+        </a:xfrm>
+      </p:grpSpPr>
+      <p:sp>
+        <p:nvSpPr>
+          <p:cNvPr id="2" name="Title 1"/>
+          <p:cNvSpPr>
+            <a:spLocks noGrp="1"/>
+          </p:cNvSpPr>
+          <p:nvPr>
+            <p:ph type="title"/>
+          </p:nvPr>
+        </p:nvSpPr>
+        <p:spPr/>
+        <p:txBody>
+          <a:bodyPr/>
+          <a:lstStyle/>
+          <a:p>
+            <a:r>
+              <a:rPr lang="en-US" dirty="0" smtClean="0"/>
+              <a:t>Anaconda and the Jupyter Notebook</a:t>
+            </a:r>
+            <a:endParaRPr lang="en-US" dirty="0"/>
+          </a:p>
+        </p:txBody>
+      </p:sp>
+      <p:sp>
+        <p:nvSpPr>
+          <p:cNvPr id="3" name="Content Placeholder 2"/>
+          <p:cNvSpPr>
+            <a:spLocks noGrp="1"/>
+          </p:cNvSpPr>
+          <p:nvPr>
+            <p:ph idx="1"/>
+          </p:nvPr>
+        </p:nvSpPr>
+        <p:spPr/>
+        <p:txBody>
+          <a:bodyPr/>
+          <a:lstStyle/>
+          <a:p>
+            <a:r>
+              <a:rPr lang="en-US" dirty="0">
+                <a:hlinkClick r:id="rId2"/>
+              </a:rPr>
+              <a:t>https://www.anaconda.com</a:t>
+            </a:r>
+            <a:r>
+              <a:rPr lang="en-US" dirty="0" smtClean="0">
+                <a:hlinkClick r:id="rId2"/>
+              </a:rPr>
+              <a:t>/</a:t>
+            </a:r>
+            <a:r>
+              <a:rPr lang="en-US" dirty="0" smtClean="0"/>
+              <a:t> </a:t>
+            </a:r>
+          </a:p>
+          <a:p>
+            <a:r>
+              <a:rPr lang="en-US" dirty="0" smtClean="0"/>
+              <a:t>Available for Mac, Linux, and Windows</a:t>
+            </a:r>
+          </a:p>
+          <a:p>
+            <a:r>
+              <a:rPr lang="en-US" dirty="0" smtClean="0"/>
+              <a:t>THE python data-science platform </a:t>
+            </a:r>
+          </a:p>
+          <a:p>
+            <a:r>
+              <a:rPr lang="en-US" dirty="0" smtClean="0"/>
+              <a:t>Facilitates interactive python</a:t>
+            </a:r>
+          </a:p>
+          <a:p>
+            <a:pPr>
+              <a:buFont typeface="Arial" panose="020B0604020202020204" pitchFamily="34" charset="0"/>
+              <a:buChar char="•"/>
+            </a:pPr>
+            <a:r>
+              <a:rPr lang="en-US" dirty="0" smtClean="0"/>
+              <a:t>Good for sharing and instruction</a:t>
+            </a:r>
+          </a:p>
+          <a:p>
+            <a:pPr>
+              <a:buFont typeface="Arial" panose="020B0604020202020204" pitchFamily="34" charset="0"/>
+              <a:buChar char="•"/>
+            </a:pPr>
+            <a:r>
+              <a:rPr lang="en-US" dirty="0" smtClean="0"/>
+              <a:t>Easy to break code into manageable chunks</a:t>
+            </a:r>
+          </a:p>
+          <a:p>
+            <a:pPr marL="0" indent="0">
+              <a:buNone/>
+            </a:pPr>
+            <a:endParaRPr lang="en-US" dirty="0" smtClean="0"/>
+          </a:p>
+        </p:txBody>
+      </p:sp>
+    </p:spTree>
+    <p:extLst>
+      <p:ext uri="{BB962C8B-B14F-4D97-AF65-F5344CB8AC3E}">
+        <p14:creationId xmlns:p14="http://schemas.microsoft.com/office/powerpoint/2010/main" val="3755854532"/>
+      </p:ext>
+    </p:extLst>
+  </p:cSld>
+  <p:clrMapOvr>
+    <a:masterClrMapping/>
+  </p:clrMapOvr>
+  <p:timing>
+    <p:tnLst>
+      <p:par>
+        <p:cTn id="1" dur="indefinite" restart="never" nodeType="tmRoot"/>
+      </p:par>
+    </p:tnLst>
+  </p:timing>
+</p:sld>
+</file>
+
+<file path=ppt/slides/slide9.xml><?xml version="1.0" encoding="utf-8"?>
+<p:sld xmlns:a="http://schemas.openxmlformats.org/drawingml/2006/main" xmlns:r="http://schemas.openxmlformats.org/officeDocument/2006/relationships" xmlns:p="http://schemas.openxmlformats.org/presentationml/2006/main">
+  <p:cSld>
+    <p:spTree>
+      <p:nvGrpSpPr>
+        <p:cNvPr id="1" name=""/>
+        <p:cNvGrpSpPr/>
+        <p:nvPr/>
+      </p:nvGrpSpPr>
+      <p:grpSpPr>
+        <a:xfrm>
+          <a:off x="0" y="0"/>
+          <a:ext cx="0" cy="0"/>
+          <a:chOff x="0" y="0"/>
+          <a:chExt cx="0" cy="0"/>
+        </a:xfrm>
+      </p:grpSpPr>
+      <p:sp>
+        <p:nvSpPr>
+          <p:cNvPr id="5" name="Title 4"/>
+          <p:cNvSpPr>
+            <a:spLocks noGrp="1"/>
+          </p:cNvSpPr>
+          <p:nvPr>
+            <p:ph type="title"/>
+          </p:nvPr>
+        </p:nvSpPr>
+        <p:spPr/>
+        <p:txBody>
+          <a:bodyPr/>
+          <a:lstStyle/>
+          <a:p>
+            <a:r>
+              <a:rPr lang="en-US" dirty="0" smtClean="0"/>
+              <a:t>Jupyter Notebook Homepage</a:t>
+            </a:r>
+            <a:endParaRPr lang="en-US" dirty="0"/>
+          </a:p>
+        </p:txBody>
+      </p:sp>
+      <p:pic>
+        <p:nvPicPr>
+          <p:cNvPr id="2" name="Picture 1"/>
+          <p:cNvPicPr>
+            <a:picLocks noChangeAspect="1"/>
+          </p:cNvPicPr>
+          <p:nvPr/>
+        </p:nvPicPr>
+        <p:blipFill>
+          <a:blip r:embed="rId2"/>
+          <a:stretch>
+            <a:fillRect/>
+          </a:stretch>
+        </p:blipFill>
+        <p:spPr>
+          <a:xfrm>
+            <a:off x="0" y="2215612"/>
+            <a:ext cx="12192000" cy="2426775"/>
+          </a:xfrm>
+          <a:prstGeom prst="rect">
+            <a:avLst/>
+          </a:prstGeom>
+        </p:spPr>
+      </p:pic>
+    </p:spTree>
+    <p:extLst>
+      <p:ext uri="{BB962C8B-B14F-4D97-AF65-F5344CB8AC3E}">
+        <p14:creationId xmlns:p14="http://schemas.microsoft.com/office/powerpoint/2010/main" val="2511325755"/>
       </p:ext>
     </p:extLst>
   </p:cSld>

--- a/Introduction to Python.pptx
+++ b/Introduction to Python.pptx
@@ -4158,19 +4158,7 @@
           <a:p>
             <a:r>
               <a:rPr lang="en-US" sz="4000" dirty="0" smtClean="0"/>
-              <a:t>Location of this tutorial and </a:t>
-            </a:r>
-            <a:r>
-              <a:rPr lang="en-US" sz="4000" dirty="0" smtClean="0"/>
-              <a:t> </a:t>
-            </a:r>
-            <a:r>
-              <a:rPr lang="en-US" sz="4000" dirty="0" smtClean="0"/>
-              <a:t>workshop </a:t>
-            </a:r>
-            <a:r>
-              <a:rPr lang="en-US" sz="4000" dirty="0" smtClean="0"/>
-              <a:t>material</a:t>
+              <a:t>Location of this tutorial and  workshop material</a:t>
             </a:r>
             <a:endParaRPr lang="en-US" sz="4000" dirty="0"/>
           </a:p>
@@ -4202,7 +4190,6 @@
               <a:rPr lang="en-US" sz="4000" dirty="0"/>
               <a:t>https://github.com/mike-babb/intro_to_python</a:t>
             </a:r>
-            <a:endParaRPr lang="en-US" sz="4000" dirty="0"/>
           </a:p>
         </p:txBody>
       </p:sp>
@@ -4289,32 +4276,29 @@
           <a:p>
             <a:r>
               <a:rPr lang="en-US" dirty="0" smtClean="0"/>
-              <a:t>Using pandas, we will read in data pertaining to the age and sex of the population of Census Designated Places in Washington State during the 2013-2017 time </a:t>
-            </a:r>
+              <a:t>Using pandas, we will read in data pertaining to the age and sex of the population of Census Designated Places in Washington State during the 2013-2017 time period</a:t>
+            </a:r>
+          </a:p>
+          <a:p>
             <a:r>
               <a:rPr lang="en-US" dirty="0" smtClean="0"/>
-              <a:t>period</a:t>
-            </a:r>
-            <a:endParaRPr lang="en-US" dirty="0" smtClean="0"/>
+              <a:t>Compute the all ages sex-ratio</a:t>
+            </a:r>
           </a:p>
           <a:p>
             <a:r>
               <a:rPr lang="en-US" dirty="0" smtClean="0"/>
-              <a:t>Compute the </a:t>
+              <a:t>Export the data to a .csv and an Excel </a:t>
             </a:r>
             <a:r>
               <a:rPr lang="en-US" dirty="0" smtClean="0"/>
-              <a:t>all ages </a:t>
-            </a:r>
+              <a:t>workbook</a:t>
+            </a:r>
+          </a:p>
+          <a:p>
             <a:r>
               <a:rPr lang="en-US" dirty="0" smtClean="0"/>
-              <a:t>sex-ratio</a:t>
-            </a:r>
-          </a:p>
-          <a:p>
-            <a:r>
-              <a:rPr lang="en-US" dirty="0" smtClean="0"/>
-              <a:t>Export the data to a .csv and an Excel workbook</a:t>
+              <a:t>Merge the sex-ratio data with a shapefile for mapping in a GIS</a:t>
             </a:r>
             <a:endParaRPr lang="en-US" dirty="0"/>
           </a:p>
@@ -4403,11 +4387,7 @@
           <a:p>
             <a:r>
               <a:rPr lang="en-US" dirty="0" smtClean="0"/>
-              <a:t>We’ll be </a:t>
-            </a:r>
-            <a:r>
-              <a:rPr lang="en-US" dirty="0" smtClean="0"/>
-              <a:t>investigating the all ages sex ratio for places in Washington State</a:t>
+              <a:t>We’ll be investigating the all ages sex ratio for places in Washington State</a:t>
             </a:r>
           </a:p>
           <a:p>
@@ -4691,11 +4671,7 @@
           <a:p>
             <a:r>
               <a:rPr lang="en-US" dirty="0" smtClean="0"/>
-              <a:t>Brief </a:t>
-            </a:r>
-            <a:r>
-              <a:rPr lang="en-US" dirty="0" smtClean="0"/>
-              <a:t>history about Python</a:t>
+              <a:t>Brief history about Python</a:t>
             </a:r>
             <a:endParaRPr lang="en-US" dirty="0"/>
           </a:p>

--- a/Introduction to Python.pptx
+++ b/Introduction to Python.pptx
@@ -5,24 +5,23 @@
     <p:sldMasterId id="2147483660" r:id="rId1"/>
   </p:sldMasterIdLst>
   <p:notesMasterIdLst>
-    <p:notesMasterId r:id="rId17"/>
+    <p:notesMasterId r:id="rId16"/>
   </p:notesMasterIdLst>
   <p:sldIdLst>
     <p:sldId id="256" r:id="rId2"/>
     <p:sldId id="274" r:id="rId3"/>
-    <p:sldId id="271" r:id="rId4"/>
-    <p:sldId id="275" r:id="rId5"/>
-    <p:sldId id="264" r:id="rId6"/>
-    <p:sldId id="270" r:id="rId7"/>
-    <p:sldId id="272" r:id="rId8"/>
-    <p:sldId id="265" r:id="rId9"/>
-    <p:sldId id="267" r:id="rId10"/>
-    <p:sldId id="273" r:id="rId11"/>
-    <p:sldId id="258" r:id="rId12"/>
-    <p:sldId id="260" r:id="rId13"/>
-    <p:sldId id="261" r:id="rId14"/>
-    <p:sldId id="276" r:id="rId15"/>
-    <p:sldId id="277" r:id="rId16"/>
+    <p:sldId id="264" r:id="rId4"/>
+    <p:sldId id="270" r:id="rId5"/>
+    <p:sldId id="272" r:id="rId6"/>
+    <p:sldId id="265" r:id="rId7"/>
+    <p:sldId id="267" r:id="rId8"/>
+    <p:sldId id="273" r:id="rId9"/>
+    <p:sldId id="271" r:id="rId10"/>
+    <p:sldId id="258" r:id="rId11"/>
+    <p:sldId id="260" r:id="rId12"/>
+    <p:sldId id="261" r:id="rId13"/>
+    <p:sldId id="276" r:id="rId14"/>
+    <p:sldId id="277" r:id="rId15"/>
   </p:sldIdLst>
   <p:sldSz cx="12192000" cy="6858000"/>
   <p:notesSz cx="6858000" cy="9144000"/>
@@ -211,7 +210,7 @@
           <a:p>
             <a:fld id="{1625BD86-A277-4756-AFD6-158CB1C0F478}" type="datetimeFigureOut">
               <a:rPr lang="en-US" smtClean="0"/>
-              <a:t>2/7/2019</a:t>
+              <a:t>4/10/2019</a:t>
             </a:fld>
             <a:endParaRPr lang="en-US" dirty="0"/>
           </a:p>
@@ -610,7 +609,7 @@
           <a:p>
             <a:fld id="{456B5467-EA77-4FF9-8BC4-2EA8FCAB53DA}" type="datetimeFigureOut">
               <a:rPr lang="en-US" smtClean="0"/>
-              <a:t>2/7/2019</a:t>
+              <a:t>4/10/2019</a:t>
             </a:fld>
             <a:endParaRPr lang="en-US" dirty="0"/>
           </a:p>
@@ -780,7 +779,7 @@
           <a:p>
             <a:fld id="{456B5467-EA77-4FF9-8BC4-2EA8FCAB53DA}" type="datetimeFigureOut">
               <a:rPr lang="en-US" smtClean="0"/>
-              <a:t>2/7/2019</a:t>
+              <a:t>4/10/2019</a:t>
             </a:fld>
             <a:endParaRPr lang="en-US" dirty="0"/>
           </a:p>
@@ -960,7 +959,7 @@
           <a:p>
             <a:fld id="{456B5467-EA77-4FF9-8BC4-2EA8FCAB53DA}" type="datetimeFigureOut">
               <a:rPr lang="en-US" smtClean="0"/>
-              <a:t>2/7/2019</a:t>
+              <a:t>4/10/2019</a:t>
             </a:fld>
             <a:endParaRPr lang="en-US" dirty="0"/>
           </a:p>
@@ -1130,7 +1129,7 @@
           <a:p>
             <a:fld id="{456B5467-EA77-4FF9-8BC4-2EA8FCAB53DA}" type="datetimeFigureOut">
               <a:rPr lang="en-US" smtClean="0"/>
-              <a:t>2/7/2019</a:t>
+              <a:t>4/10/2019</a:t>
             </a:fld>
             <a:endParaRPr lang="en-US" dirty="0"/>
           </a:p>
@@ -1376,7 +1375,7 @@
           <a:p>
             <a:fld id="{456B5467-EA77-4FF9-8BC4-2EA8FCAB53DA}" type="datetimeFigureOut">
               <a:rPr lang="en-US" smtClean="0"/>
-              <a:t>2/7/2019</a:t>
+              <a:t>4/10/2019</a:t>
             </a:fld>
             <a:endParaRPr lang="en-US" dirty="0"/>
           </a:p>
@@ -1608,7 +1607,7 @@
           <a:p>
             <a:fld id="{456B5467-EA77-4FF9-8BC4-2EA8FCAB53DA}" type="datetimeFigureOut">
               <a:rPr lang="en-US" smtClean="0"/>
-              <a:t>2/7/2019</a:t>
+              <a:t>4/10/2019</a:t>
             </a:fld>
             <a:endParaRPr lang="en-US" dirty="0"/>
           </a:p>
@@ -1975,7 +1974,7 @@
           <a:p>
             <a:fld id="{456B5467-EA77-4FF9-8BC4-2EA8FCAB53DA}" type="datetimeFigureOut">
               <a:rPr lang="en-US" smtClean="0"/>
-              <a:t>2/7/2019</a:t>
+              <a:t>4/10/2019</a:t>
             </a:fld>
             <a:endParaRPr lang="en-US" dirty="0"/>
           </a:p>
@@ -2093,7 +2092,7 @@
           <a:p>
             <a:fld id="{456B5467-EA77-4FF9-8BC4-2EA8FCAB53DA}" type="datetimeFigureOut">
               <a:rPr lang="en-US" smtClean="0"/>
-              <a:t>2/7/2019</a:t>
+              <a:t>4/10/2019</a:t>
             </a:fld>
             <a:endParaRPr lang="en-US" dirty="0"/>
           </a:p>
@@ -2188,7 +2187,7 @@
           <a:p>
             <a:fld id="{456B5467-EA77-4FF9-8BC4-2EA8FCAB53DA}" type="datetimeFigureOut">
               <a:rPr lang="en-US" smtClean="0"/>
-              <a:t>2/7/2019</a:t>
+              <a:t>4/10/2019</a:t>
             </a:fld>
             <a:endParaRPr lang="en-US" dirty="0"/>
           </a:p>
@@ -2465,7 +2464,7 @@
           <a:p>
             <a:fld id="{456B5467-EA77-4FF9-8BC4-2EA8FCAB53DA}" type="datetimeFigureOut">
               <a:rPr lang="en-US" smtClean="0"/>
-              <a:t>2/7/2019</a:t>
+              <a:t>4/10/2019</a:t>
             </a:fld>
             <a:endParaRPr lang="en-US" dirty="0"/>
           </a:p>
@@ -2722,7 +2721,7 @@
           <a:p>
             <a:fld id="{456B5467-EA77-4FF9-8BC4-2EA8FCAB53DA}" type="datetimeFigureOut">
               <a:rPr lang="en-US" smtClean="0"/>
-              <a:t>2/7/2019</a:t>
+              <a:t>4/10/2019</a:t>
             </a:fld>
             <a:endParaRPr lang="en-US" dirty="0"/>
           </a:p>
@@ -2935,7 +2934,7 @@
           <a:p>
             <a:fld id="{456B5467-EA77-4FF9-8BC4-2EA8FCAB53DA}" type="datetimeFigureOut">
               <a:rPr lang="en-US" smtClean="0"/>
-              <a:t>2/7/2019</a:t>
+              <a:t>4/10/2019</a:t>
             </a:fld>
             <a:endParaRPr lang="en-US" dirty="0"/>
           </a:p>
@@ -3380,7 +3379,11 @@
           <a:p>
             <a:r>
               <a:rPr lang="en-US" dirty="0" smtClean="0"/>
-              <a:t>February 7, 2019</a:t>
+              <a:t>April 11, </a:t>
+            </a:r>
+            <a:r>
+              <a:rPr lang="en-US" dirty="0" smtClean="0"/>
+              <a:t>2019</a:t>
             </a:r>
           </a:p>
           <a:p>
@@ -3449,90 +3452,6 @@
 </file>
 
 <file path=ppt/slides/slide10.xml><?xml version="1.0" encoding="utf-8"?>
-<p:sld xmlns:a="http://schemas.openxmlformats.org/drawingml/2006/main" xmlns:r="http://schemas.openxmlformats.org/officeDocument/2006/relationships" xmlns:p="http://schemas.openxmlformats.org/presentationml/2006/main">
-  <p:cSld>
-    <p:spTree>
-      <p:nvGrpSpPr>
-        <p:cNvPr id="1" name=""/>
-        <p:cNvGrpSpPr/>
-        <p:nvPr/>
-      </p:nvGrpSpPr>
-      <p:grpSpPr>
-        <a:xfrm>
-          <a:off x="0" y="0"/>
-          <a:ext cx="0" cy="0"/>
-          <a:chOff x="0" y="0"/>
-          <a:chExt cx="0" cy="0"/>
-        </a:xfrm>
-      </p:grpSpPr>
-      <p:sp>
-        <p:nvSpPr>
-          <p:cNvPr id="2" name="Title 1"/>
-          <p:cNvSpPr>
-            <a:spLocks noGrp="1"/>
-          </p:cNvSpPr>
-          <p:nvPr>
-            <p:ph type="title"/>
-          </p:nvPr>
-        </p:nvSpPr>
-        <p:spPr/>
-        <p:txBody>
-          <a:bodyPr/>
-          <a:lstStyle/>
-          <a:p>
-            <a:r>
-              <a:rPr lang="en-US" dirty="0" smtClean="0"/>
-              <a:t>Jupyter Notebook Terminal</a:t>
-            </a:r>
-            <a:endParaRPr lang="en-US" dirty="0"/>
-          </a:p>
-        </p:txBody>
-      </p:sp>
-      <p:pic>
-        <p:nvPicPr>
-          <p:cNvPr id="3" name="Picture 2"/>
-          <p:cNvPicPr>
-            <a:picLocks noChangeAspect="1"/>
-          </p:cNvPicPr>
-          <p:nvPr/>
-        </p:nvPicPr>
-        <p:blipFill>
-          <a:blip r:embed="rId2"/>
-          <a:stretch>
-            <a:fillRect/>
-          </a:stretch>
-        </p:blipFill>
-        <p:spPr>
-          <a:xfrm>
-            <a:off x="838200" y="1295827"/>
-            <a:ext cx="10122794" cy="5394871"/>
-          </a:xfrm>
-          <a:prstGeom prst="rect">
-            <a:avLst/>
-          </a:prstGeom>
-        </p:spPr>
-      </p:pic>
-    </p:spTree>
-    <p:extLst>
-      <p:ext uri="{BB962C8B-B14F-4D97-AF65-F5344CB8AC3E}">
-        <p14:creationId xmlns:p14="http://schemas.microsoft.com/office/powerpoint/2010/main" val="2714205897"/>
-      </p:ext>
-    </p:extLst>
-  </p:cSld>
-  <p:clrMapOvr>
-    <a:masterClrMapping/>
-  </p:clrMapOvr>
-  <p:timing>
-    <p:tnLst>
-      <p:par>
-        <p:cTn id="1" dur="indefinite" restart="never" nodeType="tmRoot"/>
-      </p:par>
-    </p:tnLst>
-  </p:timing>
-</p:sld>
-</file>
-
-<file path=ppt/slides/slide11.xml><?xml version="1.0" encoding="utf-8"?>
 <p:sld xmlns:a="http://schemas.openxmlformats.org/drawingml/2006/main" xmlns:r="http://schemas.openxmlformats.org/officeDocument/2006/relationships" xmlns:p="http://schemas.openxmlformats.org/presentationml/2006/main">
   <p:cSld>
     <p:spTree>
@@ -3703,7 +3622,7 @@
 </p:sld>
 </file>
 
-<file path=ppt/slides/slide12.xml><?xml version="1.0" encoding="utf-8"?>
+<file path=ppt/slides/slide11.xml><?xml version="1.0" encoding="utf-8"?>
 <p:sld xmlns:a="http://schemas.openxmlformats.org/drawingml/2006/main" xmlns:r="http://schemas.openxmlformats.org/officeDocument/2006/relationships" xmlns:p="http://schemas.openxmlformats.org/presentationml/2006/main">
   <p:cSld>
     <p:spTree>
@@ -3789,7 +3708,7 @@
 </p:sld>
 </file>
 
-<file path=ppt/slides/slide13.xml><?xml version="1.0" encoding="utf-8"?>
+<file path=ppt/slides/slide12.xml><?xml version="1.0" encoding="utf-8"?>
 <p:sld xmlns:a="http://schemas.openxmlformats.org/drawingml/2006/main" xmlns:r="http://schemas.openxmlformats.org/officeDocument/2006/relationships" xmlns:p="http://schemas.openxmlformats.org/presentationml/2006/main">
   <p:cSld>
     <p:spTree>
@@ -3875,7 +3794,7 @@
 </p:sld>
 </file>
 
-<file path=ppt/slides/slide14.xml><?xml version="1.0" encoding="utf-8"?>
+<file path=ppt/slides/slide13.xml><?xml version="1.0" encoding="utf-8"?>
 <p:sld xmlns:a="http://schemas.openxmlformats.org/drawingml/2006/main" xmlns:r="http://schemas.openxmlformats.org/officeDocument/2006/relationships" xmlns:p="http://schemas.openxmlformats.org/presentationml/2006/main">
   <p:cSld>
     <p:spTree>
@@ -3999,7 +3918,7 @@
 </p:sld>
 </file>
 
-<file path=ppt/slides/slide15.xml><?xml version="1.0" encoding="utf-8"?>
+<file path=ppt/slides/slide14.xml><?xml version="1.0" encoding="utf-8"?>
 <p:sld xmlns:a="http://schemas.openxmlformats.org/drawingml/2006/main" xmlns:r="http://schemas.openxmlformats.org/officeDocument/2006/relationships" xmlns:p="http://schemas.openxmlformats.org/presentationml/2006/main">
   <p:cSld>
     <p:spTree>
@@ -4188,8 +4107,15 @@
           <a:p>
             <a:r>
               <a:rPr lang="en-US" sz="4000" dirty="0"/>
-              <a:t>https://github.com/mike-babb/intro_to_python</a:t>
-            </a:r>
+              <a:t>https://</a:t>
+            </a:r>
+            <a:r>
+              <a:rPr lang="en-US" sz="4000" dirty="0" smtClean="0"/>
+              <a:t>github.com/mike-babb/intro_to_python</a:t>
+            </a:r>
+          </a:p>
+          <a:p>
+            <a:endParaRPr lang="en-US" sz="4000" dirty="0"/>
           </a:p>
         </p:txBody>
       </p:sp>
@@ -4247,7 +4173,7 @@
           <a:p>
             <a:r>
               <a:rPr lang="en-US" dirty="0" smtClean="0"/>
-              <a:t>Activities</a:t>
+              <a:t>Why python?</a:t>
             </a:r>
             <a:endParaRPr lang="en-US" dirty="0"/>
           </a:p>
@@ -4265,41 +4191,157 @@
         </p:nvSpPr>
         <p:spPr/>
         <p:txBody>
-          <a:bodyPr/>
-          <a:lstStyle/>
-          <a:p>
-            <a:r>
-              <a:rPr lang="en-US" dirty="0" smtClean="0"/>
-              <a:t>Examine basic python syntax</a:t>
-            </a:r>
-          </a:p>
-          <a:p>
-            <a:r>
-              <a:rPr lang="en-US" dirty="0" smtClean="0"/>
-              <a:t>Using pandas, we will read in data pertaining to the age and sex of the population of Census Designated Places in Washington State during the 2013-2017 time period</a:t>
-            </a:r>
-          </a:p>
-          <a:p>
-            <a:r>
-              <a:rPr lang="en-US" dirty="0" smtClean="0"/>
-              <a:t>Compute the all ages sex-ratio</a:t>
-            </a:r>
-          </a:p>
-          <a:p>
-            <a:r>
-              <a:rPr lang="en-US" dirty="0" smtClean="0"/>
-              <a:t>Export the data to a .csv and an Excel </a:t>
-            </a:r>
-            <a:r>
-              <a:rPr lang="en-US" dirty="0" smtClean="0"/>
-              <a:t>workbook</a:t>
-            </a:r>
-          </a:p>
-          <a:p>
-            <a:r>
-              <a:rPr lang="en-US" dirty="0" smtClean="0"/>
-              <a:t>Merge the sex-ratio data with a shapefile for mapping in a GIS</a:t>
-            </a:r>
+          <a:bodyPr>
+            <a:normAutofit fontScale="92500" lnSpcReduction="20000"/>
+          </a:bodyPr>
+          <a:lstStyle/>
+          <a:p>
+            <a:pPr>
+              <a:buFont typeface="Arial" panose="020B0604020202020204" pitchFamily="34" charset="0"/>
+              <a:buChar char="•"/>
+            </a:pPr>
+            <a:r>
+              <a:rPr lang="en-US" dirty="0" smtClean="0"/>
+              <a:t>It’s easy to jump in: </a:t>
+            </a:r>
+            <a:r>
+              <a:rPr lang="en-US" dirty="0" smtClean="0">
+                <a:hlinkClick r:id="rId2"/>
+              </a:rPr>
+              <a:t>https</a:t>
+            </a:r>
+            <a:r>
+              <a:rPr lang="en-US" dirty="0">
+                <a:hlinkClick r:id="rId2"/>
+              </a:rPr>
+              <a:t>://www.python.org/about/gettingstarted</a:t>
+            </a:r>
+            <a:r>
+              <a:rPr lang="en-US" dirty="0" smtClean="0">
+                <a:hlinkClick r:id="rId2"/>
+              </a:rPr>
+              <a:t>/</a:t>
+            </a:r>
+            <a:endParaRPr lang="en-US" dirty="0" smtClean="0"/>
+          </a:p>
+          <a:p>
+            <a:pPr>
+              <a:buFont typeface="Arial" panose="020B0604020202020204" pitchFamily="34" charset="0"/>
+              <a:buChar char="•"/>
+            </a:pPr>
+            <a:r>
+              <a:rPr lang="en-US" dirty="0" smtClean="0"/>
+              <a:t>It’s cross-platform: Windows, Mac, Linux</a:t>
+            </a:r>
+          </a:p>
+          <a:p>
+            <a:pPr>
+              <a:buFont typeface="Arial" panose="020B0604020202020204" pitchFamily="34" charset="0"/>
+              <a:buChar char="•"/>
+            </a:pPr>
+            <a:r>
+              <a:rPr lang="en-US" dirty="0" smtClean="0"/>
+              <a:t>It was designed to be simple and readable: </a:t>
+            </a:r>
+            <a:r>
+              <a:rPr lang="en-US" dirty="0" smtClean="0">
+                <a:hlinkClick r:id="rId3"/>
+              </a:rPr>
+              <a:t>https</a:t>
+            </a:r>
+            <a:r>
+              <a:rPr lang="en-US" dirty="0">
+                <a:hlinkClick r:id="rId3"/>
+              </a:rPr>
+              <a:t>://xkcd.com/353</a:t>
+            </a:r>
+            <a:r>
+              <a:rPr lang="en-US" dirty="0" smtClean="0">
+                <a:hlinkClick r:id="rId3"/>
+              </a:rPr>
+              <a:t>/</a:t>
+            </a:r>
+            <a:endParaRPr lang="en-US" dirty="0" smtClean="0"/>
+          </a:p>
+          <a:p>
+            <a:r>
+              <a:rPr lang="en-US" dirty="0"/>
+              <a:t>It’s </a:t>
+            </a:r>
+            <a:r>
+              <a:rPr lang="en-US" dirty="0" smtClean="0"/>
+              <a:t>free</a:t>
+            </a:r>
+            <a:r>
+              <a:rPr lang="en-US" dirty="0"/>
+              <a:t> </a:t>
+            </a:r>
+            <a:r>
+              <a:rPr lang="en-US" dirty="0" smtClean="0"/>
+              <a:t>and open source</a:t>
+            </a:r>
+            <a:endParaRPr lang="en-US" dirty="0" smtClean="0"/>
+          </a:p>
+          <a:p>
+            <a:r>
+              <a:rPr lang="en-US" dirty="0" smtClean="0"/>
+              <a:t>It’s popular: </a:t>
+            </a:r>
+            <a:r>
+              <a:rPr lang="en-US" dirty="0" smtClean="0">
+                <a:hlinkClick r:id="rId4"/>
+              </a:rPr>
+              <a:t>https</a:t>
+            </a:r>
+            <a:r>
+              <a:rPr lang="en-US" dirty="0">
+                <a:hlinkClick r:id="rId4"/>
+              </a:rPr>
+              <a:t>://www.tiobe.com/tiobe-index/python</a:t>
+            </a:r>
+            <a:r>
+              <a:rPr lang="en-US" dirty="0" smtClean="0">
+                <a:hlinkClick r:id="rId4"/>
+              </a:rPr>
+              <a:t>/</a:t>
+            </a:r>
+            <a:endParaRPr lang="en-US" dirty="0" smtClean="0"/>
+          </a:p>
+          <a:p>
+            <a:pPr>
+              <a:buFont typeface="Arial" panose="020B0604020202020204" pitchFamily="34" charset="0"/>
+              <a:buChar char="•"/>
+            </a:pPr>
+            <a:r>
+              <a:rPr lang="en-US" dirty="0" smtClean="0"/>
+              <a:t>It’s prolific: used in many industries for many jobs. Finance, real estate tech, server administration, health care research, non-profit administration</a:t>
+            </a:r>
+          </a:p>
+          <a:p>
+            <a:pPr>
+              <a:buFont typeface="Arial" panose="020B0604020202020204" pitchFamily="34" charset="0"/>
+              <a:buChar char="•"/>
+            </a:pPr>
+            <a:r>
+              <a:rPr lang="en-US" dirty="0" smtClean="0"/>
+              <a:t>And departments across campus: sociology, economics, civil engineering, astronomy (and geography!)</a:t>
+            </a:r>
+          </a:p>
+          <a:p>
+            <a:pPr>
+              <a:buFont typeface="Arial" panose="020B0604020202020204" pitchFamily="34" charset="0"/>
+              <a:buChar char="•"/>
+            </a:pPr>
+            <a:r>
+              <a:rPr lang="en-US" dirty="0" smtClean="0"/>
+              <a:t>Many libraries that do pretty much what you want with just a few commands</a:t>
+            </a:r>
+          </a:p>
+          <a:p>
+            <a:pPr>
+              <a:buFont typeface="Arial" panose="020B0604020202020204" pitchFamily="34" charset="0"/>
+              <a:buChar char="•"/>
+            </a:pPr>
             <a:endParaRPr lang="en-US" dirty="0"/>
           </a:p>
         </p:txBody>
@@ -4307,7 +4349,7 @@
     </p:spTree>
     <p:extLst>
       <p:ext uri="{BB962C8B-B14F-4D97-AF65-F5344CB8AC3E}">
-        <p14:creationId xmlns:p14="http://schemas.microsoft.com/office/powerpoint/2010/main" val="3030563835"/>
+        <p14:creationId xmlns:p14="http://schemas.microsoft.com/office/powerpoint/2010/main" val="3321498620"/>
       </p:ext>
     </p:extLst>
   </p:cSld>
@@ -4358,7 +4400,11 @@
           <a:p>
             <a:r>
               <a:rPr lang="en-US" dirty="0" smtClean="0"/>
-              <a:t>The Data</a:t>
+              <a:t>About </a:t>
+            </a:r>
+            <a:r>
+              <a:rPr lang="en-US" dirty="0" smtClean="0"/>
+              <a:t>Python</a:t>
             </a:r>
             <a:endParaRPr lang="en-US" dirty="0"/>
           </a:p>
@@ -4381,28 +4427,88 @@
           <a:p>
             <a:r>
               <a:rPr lang="en-US" dirty="0" smtClean="0"/>
-              <a:t>American Community Survey, 2013 – 2017</a:t>
-            </a:r>
-          </a:p>
-          <a:p>
-            <a:r>
-              <a:rPr lang="en-US" dirty="0" smtClean="0"/>
-              <a:t>We’ll be investigating the all ages sex ratio for places in Washington State</a:t>
-            </a:r>
-          </a:p>
-          <a:p>
-            <a:r>
-              <a:rPr lang="en-US" dirty="0" smtClean="0"/>
-              <a:t>All Ages Sex Ratio: The number of Males per 100 Females. </a:t>
-            </a:r>
-            <a:endParaRPr lang="en-US" dirty="0"/>
+              <a:t>Developed by Guido van Rossum in the early 90s. Current versions</a:t>
+            </a:r>
+            <a:r>
+              <a:rPr lang="en-US" dirty="0"/>
+              <a:t>: Python </a:t>
+            </a:r>
+            <a:r>
+              <a:rPr lang="en-US" dirty="0" smtClean="0"/>
+              <a:t>3.7.2 </a:t>
+            </a:r>
+            <a:r>
+              <a:rPr lang="en-US" dirty="0"/>
+              <a:t>and Python </a:t>
+            </a:r>
+            <a:r>
+              <a:rPr lang="en-US" dirty="0" smtClean="0"/>
+              <a:t>2.7.15</a:t>
+            </a:r>
+          </a:p>
+          <a:p>
+            <a:r>
+              <a:rPr lang="en-US" dirty="0" smtClean="0"/>
+              <a:t>Python 3.7 is van Rossum’s (and the larger community’s) attempt at fixing some core issues with python 2.x</a:t>
+            </a:r>
+          </a:p>
+          <a:p>
+            <a:pPr lvl="1"/>
+            <a:r>
+              <a:rPr lang="en-US" dirty="0" smtClean="0"/>
+              <a:t>Integer division returns floats (5 / 2 = 2.5 instead of 5/2 = 2)</a:t>
+            </a:r>
+          </a:p>
+          <a:p>
+            <a:pPr lvl="1"/>
+            <a:r>
+              <a:rPr lang="en-US" dirty="0" smtClean="0"/>
+              <a:t>Better handling of strings</a:t>
+            </a:r>
+          </a:p>
+          <a:p>
+            <a:pPr lvl="1"/>
+            <a:r>
+              <a:rPr lang="en-US" dirty="0" smtClean="0"/>
+              <a:t>Better memory management in some cases</a:t>
+            </a:r>
+          </a:p>
+          <a:p>
+            <a:pPr lvl="1"/>
+            <a:r>
+              <a:rPr lang="en-US" dirty="0" smtClean="0"/>
+              <a:t>It’s </a:t>
+            </a:r>
+            <a:r>
+              <a:rPr lang="en-US" dirty="0"/>
+              <a:t>a bit faster in general: </a:t>
+            </a:r>
+            <a:r>
+              <a:rPr lang="en-US" dirty="0">
+                <a:hlinkClick r:id="rId2"/>
+              </a:rPr>
+              <a:t>https://</a:t>
+            </a:r>
+            <a:r>
+              <a:rPr lang="en-US" dirty="0" smtClean="0">
+                <a:hlinkClick r:id="rId2"/>
+              </a:rPr>
+              <a:t>hackernoon.com/which-is-the-fastest-version-of-python-2ae7c61a6b2b</a:t>
+            </a:r>
+            <a:endParaRPr lang="en-US" dirty="0" smtClean="0"/>
+          </a:p>
+          <a:p>
+            <a:pPr marL="457200" lvl="1" indent="0">
+              <a:buNone/>
+            </a:pPr>
+            <a:endParaRPr lang="en-US" dirty="0" smtClean="0"/>
           </a:p>
         </p:txBody>
       </p:sp>
     </p:spTree>
     <p:extLst>
       <p:ext uri="{BB962C8B-B14F-4D97-AF65-F5344CB8AC3E}">
-        <p14:creationId xmlns:p14="http://schemas.microsoft.com/office/powerpoint/2010/main" val="757023306"/>
+        <p14:creationId xmlns:p14="http://schemas.microsoft.com/office/powerpoint/2010/main" val="3428809214"/>
       </p:ext>
     </p:extLst>
   </p:cSld>
@@ -4453,87 +4559,62 @@
           <a:p>
             <a:r>
               <a:rPr lang="en-US" dirty="0" smtClean="0"/>
-              <a:t>Why python?</a:t>
-            </a:r>
-            <a:endParaRPr lang="en-US" dirty="0"/>
-          </a:p>
-        </p:txBody>
-      </p:sp>
-      <p:sp>
-        <p:nvSpPr>
-          <p:cNvPr id="3" name="Content Placeholder 2"/>
-          <p:cNvSpPr>
-            <a:spLocks noGrp="1"/>
-          </p:cNvSpPr>
-          <p:nvPr>
-            <p:ph idx="1"/>
-          </p:nvPr>
-        </p:nvSpPr>
-        <p:spPr/>
-        <p:txBody>
-          <a:bodyPr>
-            <a:normAutofit fontScale="92500" lnSpcReduction="20000"/>
+              <a:t>Pandas – Python Data Analysis Library</a:t>
+            </a:r>
+            <a:endParaRPr lang="en-US" dirty="0"/>
+          </a:p>
+        </p:txBody>
+      </p:sp>
+      <p:pic>
+        <p:nvPicPr>
+          <p:cNvPr id="3" name="Picture 2"/>
+          <p:cNvPicPr>
+            <a:picLocks noChangeAspect="1"/>
+          </p:cNvPicPr>
+          <p:nvPr/>
+        </p:nvPicPr>
+        <p:blipFill rotWithShape="1">
+          <a:blip r:embed="rId2"/>
+          <a:srcRect l="3548"/>
+          <a:stretch/>
+        </p:blipFill>
+        <p:spPr>
+          <a:xfrm>
+            <a:off x="923544" y="1591056"/>
+            <a:ext cx="7291922" cy="4806505"/>
+          </a:xfrm>
+          <a:prstGeom prst="rect">
+            <a:avLst/>
+          </a:prstGeom>
+        </p:spPr>
+      </p:pic>
+      <p:sp>
+        <p:nvSpPr>
+          <p:cNvPr id="4" name="TextBox 3"/>
+          <p:cNvSpPr txBox="1"/>
+          <p:nvPr/>
+        </p:nvSpPr>
+        <p:spPr>
+          <a:xfrm>
+            <a:off x="8300810" y="1591056"/>
+            <a:ext cx="3447288" cy="369332"/>
+          </a:xfrm>
+          <a:prstGeom prst="rect">
+            <a:avLst/>
+          </a:prstGeom>
+          <a:noFill/>
+        </p:spPr>
+        <p:txBody>
+          <a:bodyPr wrap="square" rtlCol="0">
+            <a:spAutoFit/>
           </a:bodyPr>
           <a:lstStyle/>
           <a:p>
-            <a:pPr>
-              <a:buFont typeface="Arial" panose="020B0604020202020204" pitchFamily="34" charset="0"/>
-              <a:buChar char="•"/>
-            </a:pPr>
-            <a:r>
-              <a:rPr lang="en-US" dirty="0" smtClean="0"/>
-              <a:t>It’s easy to jump in: </a:t>
-            </a:r>
-            <a:r>
-              <a:rPr lang="en-US" dirty="0" smtClean="0">
-                <a:hlinkClick r:id="rId2"/>
-              </a:rPr>
-              <a:t>https</a:t>
-            </a:r>
-            <a:r>
-              <a:rPr lang="en-US" dirty="0">
-                <a:hlinkClick r:id="rId2"/>
-              </a:rPr>
-              <a:t>://www.python.org/about/gettingstarted</a:t>
-            </a:r>
-            <a:r>
-              <a:rPr lang="en-US" dirty="0" smtClean="0">
-                <a:hlinkClick r:id="rId2"/>
-              </a:rPr>
-              <a:t>/</a:t>
-            </a:r>
-            <a:endParaRPr lang="en-US" dirty="0" smtClean="0"/>
-          </a:p>
-          <a:p>
-            <a:pPr>
-              <a:buFont typeface="Arial" panose="020B0604020202020204" pitchFamily="34" charset="0"/>
-              <a:buChar char="•"/>
-            </a:pPr>
-            <a:r>
-              <a:rPr lang="en-US" dirty="0" smtClean="0"/>
-              <a:t>It’s cross-platform: Windows, Mac, Linux</a:t>
-            </a:r>
-          </a:p>
-          <a:p>
-            <a:pPr>
-              <a:buFont typeface="Arial" panose="020B0604020202020204" pitchFamily="34" charset="0"/>
-              <a:buChar char="•"/>
-            </a:pPr>
-            <a:r>
-              <a:rPr lang="en-US" dirty="0" smtClean="0"/>
-              <a:t>It was designed to be simple and readable: </a:t>
-            </a:r>
-            <a:r>
-              <a:rPr lang="en-US" dirty="0" smtClean="0">
-                <a:hlinkClick r:id="rId3"/>
-              </a:rPr>
-              <a:t>https</a:t>
-            </a:r>
             <a:r>
               <a:rPr lang="en-US" dirty="0">
                 <a:hlinkClick r:id="rId3"/>
               </a:rPr>
-              <a:t>://xkcd.com/353</a:t>
+              <a:t>https://pandas.pydata.org</a:t>
             </a:r>
             <a:r>
               <a:rPr lang="en-US" dirty="0" smtClean="0">
@@ -4541,78 +4622,10 @@
               </a:rPr>
               <a:t>/</a:t>
             </a:r>
-            <a:endParaRPr lang="en-US" dirty="0" smtClean="0"/>
-          </a:p>
-          <a:p>
-            <a:r>
-              <a:rPr lang="en-US" dirty="0"/>
-              <a:t>It’s free</a:t>
-            </a:r>
-            <a:r>
-              <a:rPr lang="en-US" dirty="0" smtClean="0"/>
-              <a:t>!</a:t>
-            </a:r>
-          </a:p>
-          <a:p>
-            <a:r>
-              <a:rPr lang="en-US" dirty="0" smtClean="0"/>
-              <a:t>It’s popular: </a:t>
-            </a:r>
-            <a:r>
-              <a:rPr lang="en-US" dirty="0" smtClean="0">
-                <a:hlinkClick r:id="rId4"/>
-              </a:rPr>
-              <a:t>https</a:t>
-            </a:r>
-            <a:r>
-              <a:rPr lang="en-US" dirty="0">
-                <a:hlinkClick r:id="rId4"/>
-              </a:rPr>
-              <a:t>://www.tiobe.com/tiobe-index/python</a:t>
-            </a:r>
-            <a:r>
-              <a:rPr lang="en-US" dirty="0" smtClean="0">
-                <a:hlinkClick r:id="rId4"/>
-              </a:rPr>
-              <a:t>/</a:t>
-            </a:r>
-            <a:endParaRPr lang="en-US" dirty="0" smtClean="0"/>
-          </a:p>
-          <a:p>
-            <a:pPr>
-              <a:buFont typeface="Arial" panose="020B0604020202020204" pitchFamily="34" charset="0"/>
-              <a:buChar char="•"/>
-            </a:pPr>
-            <a:r>
-              <a:rPr lang="en-US" dirty="0" smtClean="0"/>
-              <a:t>It’s prolific: used in many industries for many jobs. Finance, real estate tech, server administration, health care research, non-profit administration</a:t>
-            </a:r>
-          </a:p>
-          <a:p>
-            <a:pPr>
-              <a:buFont typeface="Arial" panose="020B0604020202020204" pitchFamily="34" charset="0"/>
-              <a:buChar char="•"/>
-            </a:pPr>
-            <a:r>
-              <a:rPr lang="en-US" dirty="0" smtClean="0"/>
-              <a:t>And departments across campus: sociology, economics, civil engineering, astronomy (and geography!)</a:t>
-            </a:r>
-          </a:p>
-          <a:p>
-            <a:pPr>
-              <a:buFont typeface="Arial" panose="020B0604020202020204" pitchFamily="34" charset="0"/>
-              <a:buChar char="•"/>
-            </a:pPr>
-            <a:r>
-              <a:rPr lang="en-US" dirty="0" smtClean="0"/>
-              <a:t>Many libraries that do pretty much what you want with just a few commands</a:t>
-            </a:r>
-          </a:p>
-          <a:p>
-            <a:pPr>
-              <a:buFont typeface="Arial" panose="020B0604020202020204" pitchFamily="34" charset="0"/>
-              <a:buChar char="•"/>
-            </a:pPr>
+            <a:r>
+              <a:rPr lang="en-US" dirty="0" smtClean="0"/>
+              <a:t> </a:t>
+            </a:r>
             <a:endParaRPr lang="en-US" dirty="0"/>
           </a:p>
         </p:txBody>
@@ -4620,7 +4633,7 @@
     </p:spTree>
     <p:extLst>
       <p:ext uri="{BB962C8B-B14F-4D97-AF65-F5344CB8AC3E}">
-        <p14:creationId xmlns:p14="http://schemas.microsoft.com/office/powerpoint/2010/main" val="3321498620"/>
+        <p14:creationId xmlns:p14="http://schemas.microsoft.com/office/powerpoint/2010/main" val="2298993283"/>
       </p:ext>
     </p:extLst>
   </p:cSld>
@@ -4671,7 +4684,7 @@
           <a:p>
             <a:r>
               <a:rPr lang="en-US" dirty="0" smtClean="0"/>
-              <a:t>Brief history about Python</a:t>
+              <a:t>Anaconda and the Jupyter Notebook</a:t>
             </a:r>
             <a:endParaRPr lang="en-US" dirty="0"/>
           </a:p>
@@ -4692,80 +4705,63 @@
           <a:bodyPr/>
           <a:lstStyle/>
           <a:p>
-            <a:r>
-              <a:rPr lang="en-US" dirty="0" smtClean="0"/>
-              <a:t>Developed by Guido van Rossum in the early 90s. Current versions</a:t>
-            </a:r>
-            <a:r>
-              <a:rPr lang="en-US" dirty="0"/>
-              <a:t>: Python </a:t>
-            </a:r>
-            <a:r>
-              <a:rPr lang="en-US" dirty="0" smtClean="0"/>
-              <a:t>3.7.2 </a:t>
-            </a:r>
-            <a:r>
-              <a:rPr lang="en-US" dirty="0"/>
-              <a:t>and Python </a:t>
-            </a:r>
-            <a:r>
-              <a:rPr lang="en-US" dirty="0" smtClean="0"/>
-              <a:t>2.7.15</a:t>
-            </a:r>
-          </a:p>
-          <a:p>
-            <a:r>
-              <a:rPr lang="en-US" dirty="0" smtClean="0"/>
-              <a:t>Python 3.7 is van Rossum’s (and the larger community’s) attempt at fixing some core issues with python 2.x</a:t>
-            </a:r>
-          </a:p>
-          <a:p>
-            <a:pPr lvl="1"/>
-            <a:r>
-              <a:rPr lang="en-US" dirty="0" smtClean="0"/>
-              <a:t>Integer division returns floats (5 / 2 = 2.5 instead of 5/2 = 2)</a:t>
-            </a:r>
-          </a:p>
-          <a:p>
-            <a:pPr lvl="1"/>
-            <a:r>
-              <a:rPr lang="en-US" dirty="0" smtClean="0"/>
-              <a:t>Better handling of strings</a:t>
-            </a:r>
-          </a:p>
-          <a:p>
-            <a:pPr lvl="1"/>
-            <a:r>
-              <a:rPr lang="en-US" dirty="0" smtClean="0"/>
-              <a:t>Better memory management in some cases</a:t>
-            </a:r>
-          </a:p>
-          <a:p>
-            <a:pPr lvl="1"/>
-            <a:r>
-              <a:rPr lang="en-US" dirty="0" smtClean="0"/>
-              <a:t>It’s </a:t>
-            </a:r>
-            <a:r>
-              <a:rPr lang="en-US" dirty="0"/>
-              <a:t>a bit faster in general: </a:t>
-            </a:r>
             <a:r>
               <a:rPr lang="en-US" dirty="0">
                 <a:hlinkClick r:id="rId2"/>
               </a:rPr>
-              <a:t>https://</a:t>
+              <a:t>https://www.anaconda.com</a:t>
             </a:r>
             <a:r>
               <a:rPr lang="en-US" dirty="0" smtClean="0">
                 <a:hlinkClick r:id="rId2"/>
               </a:rPr>
-              <a:t>hackernoon.com/which-is-the-fastest-version-of-python-2ae7c61a6b2b</a:t>
-            </a:r>
-            <a:endParaRPr lang="en-US" dirty="0" smtClean="0"/>
-          </a:p>
-          <a:p>
-            <a:pPr marL="457200" lvl="1" indent="0">
+              <a:t>/</a:t>
+            </a:r>
+            <a:r>
+              <a:rPr lang="en-US" dirty="0" smtClean="0"/>
+              <a:t> </a:t>
+            </a:r>
+          </a:p>
+          <a:p>
+            <a:r>
+              <a:rPr lang="en-US" dirty="0" smtClean="0"/>
+              <a:t>Available for Mac, Linux, and Windows</a:t>
+            </a:r>
+          </a:p>
+          <a:p>
+            <a:r>
+              <a:rPr lang="en-US" dirty="0" smtClean="0"/>
+              <a:t>THE python data-science platform </a:t>
+            </a:r>
+          </a:p>
+          <a:p>
+            <a:r>
+              <a:rPr lang="en-US" dirty="0" smtClean="0"/>
+              <a:t>Facilitates interactive python</a:t>
+            </a:r>
+          </a:p>
+          <a:p>
+            <a:pPr>
+              <a:buFont typeface="Arial" panose="020B0604020202020204" pitchFamily="34" charset="0"/>
+              <a:buChar char="•"/>
+            </a:pPr>
+            <a:r>
+              <a:rPr lang="en-US" dirty="0" smtClean="0"/>
+              <a:t>Good for sharing and instruction</a:t>
+            </a:r>
+          </a:p>
+          <a:p>
+            <a:pPr>
+              <a:buFont typeface="Arial" panose="020B0604020202020204" pitchFamily="34" charset="0"/>
+              <a:buChar char="•"/>
+            </a:pPr>
+            <a:r>
+              <a:rPr lang="en-US" dirty="0" smtClean="0"/>
+              <a:t>Easy to break code into manageable chunks</a:t>
+            </a:r>
+          </a:p>
+          <a:p>
+            <a:pPr marL="0" indent="0">
               <a:buNone/>
             </a:pPr>
             <a:endParaRPr lang="en-US" dirty="0" smtClean="0"/>
@@ -4775,7 +4771,7 @@
     </p:spTree>
     <p:extLst>
       <p:ext uri="{BB962C8B-B14F-4D97-AF65-F5344CB8AC3E}">
-        <p14:creationId xmlns:p14="http://schemas.microsoft.com/office/powerpoint/2010/main" val="3428809214"/>
+        <p14:creationId xmlns:p14="http://schemas.microsoft.com/office/powerpoint/2010/main" val="3755854532"/>
       </p:ext>
     </p:extLst>
   </p:cSld>
@@ -4811,7 +4807,7 @@
       </p:grpSpPr>
       <p:sp>
         <p:nvSpPr>
-          <p:cNvPr id="2" name="Title 1"/>
+          <p:cNvPr id="5" name="Title 4"/>
           <p:cNvSpPr>
             <a:spLocks noGrp="1"/>
           </p:cNvSpPr>
@@ -4826,7 +4822,7 @@
           <a:p>
             <a:r>
               <a:rPr lang="en-US" dirty="0" smtClean="0"/>
-              <a:t>Pandas – Python Data Analysis Library</a:t>
+              <a:t>Jupyter Notebook Homepage</a:t>
             </a:r>
             <a:endParaRPr lang="en-US" dirty="0"/>
           </a:p>
@@ -4834,73 +4830,32 @@
       </p:sp>
       <p:pic>
         <p:nvPicPr>
-          <p:cNvPr id="3" name="Picture 2"/>
+          <p:cNvPr id="2" name="Picture 1"/>
           <p:cNvPicPr>
             <a:picLocks noChangeAspect="1"/>
           </p:cNvPicPr>
           <p:nvPr/>
         </p:nvPicPr>
-        <p:blipFill rotWithShape="1">
+        <p:blipFill>
           <a:blip r:embed="rId2"/>
-          <a:srcRect l="3548"/>
-          <a:stretch/>
+          <a:stretch>
+            <a:fillRect/>
+          </a:stretch>
         </p:blipFill>
         <p:spPr>
           <a:xfrm>
-            <a:off x="923544" y="1591056"/>
-            <a:ext cx="7291922" cy="4806505"/>
+            <a:off x="0" y="2215612"/>
+            <a:ext cx="12192000" cy="2426775"/>
           </a:xfrm>
           <a:prstGeom prst="rect">
             <a:avLst/>
           </a:prstGeom>
         </p:spPr>
       </p:pic>
-      <p:sp>
-        <p:nvSpPr>
-          <p:cNvPr id="4" name="TextBox 3"/>
-          <p:cNvSpPr txBox="1"/>
-          <p:nvPr/>
-        </p:nvSpPr>
-        <p:spPr>
-          <a:xfrm>
-            <a:off x="8300810" y="1591056"/>
-            <a:ext cx="3447288" cy="369332"/>
-          </a:xfrm>
-          <a:prstGeom prst="rect">
-            <a:avLst/>
-          </a:prstGeom>
-          <a:noFill/>
-        </p:spPr>
-        <p:txBody>
-          <a:bodyPr wrap="square" rtlCol="0">
-            <a:spAutoFit/>
-          </a:bodyPr>
-          <a:lstStyle/>
-          <a:p>
-            <a:r>
-              <a:rPr lang="en-US" dirty="0">
-                <a:hlinkClick r:id="rId3"/>
-              </a:rPr>
-              <a:t>https://pandas.pydata.org</a:t>
-            </a:r>
-            <a:r>
-              <a:rPr lang="en-US" dirty="0" smtClean="0">
-                <a:hlinkClick r:id="rId3"/>
-              </a:rPr>
-              <a:t>/</a:t>
-            </a:r>
-            <a:r>
-              <a:rPr lang="en-US" dirty="0" smtClean="0"/>
-              <a:t> </a:t>
-            </a:r>
-            <a:endParaRPr lang="en-US" dirty="0"/>
-          </a:p>
-        </p:txBody>
-      </p:sp>
     </p:spTree>
     <p:extLst>
       <p:ext uri="{BB962C8B-B14F-4D97-AF65-F5344CB8AC3E}">
-        <p14:creationId xmlns:p14="http://schemas.microsoft.com/office/powerpoint/2010/main" val="2298993283"/>
+        <p14:creationId xmlns:p14="http://schemas.microsoft.com/office/powerpoint/2010/main" val="2511325755"/>
       </p:ext>
     </p:extLst>
   </p:cSld>
@@ -4951,94 +4906,46 @@
           <a:p>
             <a:r>
               <a:rPr lang="en-US" dirty="0" smtClean="0"/>
-              <a:t>Anaconda and the Jupyter Notebook</a:t>
-            </a:r>
-            <a:endParaRPr lang="en-US" dirty="0"/>
-          </a:p>
-        </p:txBody>
-      </p:sp>
-      <p:sp>
-        <p:nvSpPr>
-          <p:cNvPr id="3" name="Content Placeholder 2"/>
-          <p:cNvSpPr>
-            <a:spLocks noGrp="1"/>
-          </p:cNvSpPr>
-          <p:nvPr>
-            <p:ph idx="1"/>
-          </p:nvPr>
-        </p:nvSpPr>
-        <p:spPr/>
-        <p:txBody>
-          <a:bodyPr/>
-          <a:lstStyle/>
-          <a:p>
-            <a:r>
-              <a:rPr lang="en-US" dirty="0">
-                <a:hlinkClick r:id="rId2"/>
-              </a:rPr>
-              <a:t>https://www.anaconda.com</a:t>
-            </a:r>
-            <a:r>
-              <a:rPr lang="en-US" dirty="0" smtClean="0">
-                <a:hlinkClick r:id="rId2"/>
-              </a:rPr>
-              <a:t>/</a:t>
-            </a:r>
-            <a:r>
-              <a:rPr lang="en-US" dirty="0" smtClean="0"/>
-              <a:t> </a:t>
-            </a:r>
-          </a:p>
-          <a:p>
-            <a:r>
-              <a:rPr lang="en-US" dirty="0" smtClean="0"/>
-              <a:t>Available for Mac, Linux, and Windows</a:t>
-            </a:r>
-          </a:p>
-          <a:p>
-            <a:r>
-              <a:rPr lang="en-US" dirty="0" smtClean="0"/>
-              <a:t>THE python data-science platform </a:t>
-            </a:r>
-          </a:p>
-          <a:p>
-            <a:r>
-              <a:rPr lang="en-US" dirty="0" smtClean="0"/>
-              <a:t>Facilitates interactive python</a:t>
-            </a:r>
-          </a:p>
-          <a:p>
-            <a:pPr>
-              <a:buFont typeface="Arial" panose="020B0604020202020204" pitchFamily="34" charset="0"/>
-              <a:buChar char="•"/>
-            </a:pPr>
-            <a:r>
-              <a:rPr lang="en-US" dirty="0" smtClean="0"/>
-              <a:t>Good for sharing and instruction</a:t>
-            </a:r>
-          </a:p>
-          <a:p>
-            <a:pPr>
-              <a:buFont typeface="Arial" panose="020B0604020202020204" pitchFamily="34" charset="0"/>
-              <a:buChar char="•"/>
-            </a:pPr>
-            <a:r>
-              <a:rPr lang="en-US" dirty="0" smtClean="0"/>
-              <a:t>Easy to break code into manageable chunks</a:t>
-            </a:r>
-          </a:p>
-          <a:p>
-            <a:pPr marL="0" indent="0">
-              <a:buNone/>
-            </a:pPr>
-            <a:endParaRPr lang="en-US" dirty="0" smtClean="0"/>
-          </a:p>
-        </p:txBody>
-      </p:sp>
+              <a:t>Jupyter Notebook Terminal</a:t>
+            </a:r>
+            <a:endParaRPr lang="en-US" dirty="0"/>
+          </a:p>
+        </p:txBody>
+      </p:sp>
+      <p:pic>
+        <p:nvPicPr>
+          <p:cNvPr id="3" name="Picture 2"/>
+          <p:cNvPicPr>
+            <a:picLocks noChangeAspect="1"/>
+          </p:cNvPicPr>
+          <p:nvPr/>
+        </p:nvPicPr>
+        <p:blipFill>
+          <a:blip r:embed="rId2">
+            <a:extLst>
+              <a:ext uri="{28A0092B-C50C-407E-A947-70E740481C1C}">
+                <a14:useLocalDpi xmlns:a14="http://schemas.microsoft.com/office/drawing/2010/main" val="0"/>
+              </a:ext>
+            </a:extLst>
+          </a:blip>
+          <a:stretch>
+            <a:fillRect/>
+          </a:stretch>
+        </p:blipFill>
+        <p:spPr>
+          <a:xfrm>
+            <a:off x="838200" y="1295827"/>
+            <a:ext cx="10122793" cy="5394871"/>
+          </a:xfrm>
+          <a:prstGeom prst="rect">
+            <a:avLst/>
+          </a:prstGeom>
+        </p:spPr>
+      </p:pic>
     </p:spTree>
     <p:extLst>
       <p:ext uri="{BB962C8B-B14F-4D97-AF65-F5344CB8AC3E}">
-        <p14:creationId xmlns:p14="http://schemas.microsoft.com/office/powerpoint/2010/main" val="3755854532"/>
+        <p14:creationId xmlns:p14="http://schemas.microsoft.com/office/powerpoint/2010/main" val="2714205897"/>
       </p:ext>
     </p:extLst>
   </p:cSld>
@@ -5074,7 +4981,7 @@
       </p:grpSpPr>
       <p:sp>
         <p:nvSpPr>
-          <p:cNvPr id="5" name="Title 4"/>
+          <p:cNvPr id="2" name="Title 1"/>
           <p:cNvSpPr>
             <a:spLocks noGrp="1"/>
           </p:cNvSpPr>
@@ -5089,40 +4996,95 @@
           <a:p>
             <a:r>
               <a:rPr lang="en-US" dirty="0" smtClean="0"/>
-              <a:t>Jupyter Notebook Homepage</a:t>
-            </a:r>
-            <a:endParaRPr lang="en-US" dirty="0"/>
-          </a:p>
-        </p:txBody>
-      </p:sp>
-      <p:pic>
-        <p:nvPicPr>
-          <p:cNvPr id="2" name="Picture 1"/>
-          <p:cNvPicPr>
-            <a:picLocks noChangeAspect="1"/>
-          </p:cNvPicPr>
-          <p:nvPr/>
-        </p:nvPicPr>
-        <p:blipFill>
-          <a:blip r:embed="rId2"/>
-          <a:stretch>
-            <a:fillRect/>
-          </a:stretch>
-        </p:blipFill>
-        <p:spPr>
-          <a:xfrm>
-            <a:off x="0" y="2215612"/>
-            <a:ext cx="12192000" cy="2426775"/>
-          </a:xfrm>
-          <a:prstGeom prst="rect">
-            <a:avLst/>
-          </a:prstGeom>
-        </p:spPr>
-      </p:pic>
+              <a:t>Activities</a:t>
+            </a:r>
+            <a:endParaRPr lang="en-US" dirty="0"/>
+          </a:p>
+        </p:txBody>
+      </p:sp>
+      <p:sp>
+        <p:nvSpPr>
+          <p:cNvPr id="3" name="Content Placeholder 2"/>
+          <p:cNvSpPr>
+            <a:spLocks noGrp="1"/>
+          </p:cNvSpPr>
+          <p:nvPr>
+            <p:ph idx="1"/>
+          </p:nvPr>
+        </p:nvSpPr>
+        <p:spPr/>
+        <p:txBody>
+          <a:bodyPr/>
+          <a:lstStyle/>
+          <a:p>
+            <a:r>
+              <a:rPr lang="en-US" dirty="0" smtClean="0"/>
+              <a:t>Examine basic python </a:t>
+            </a:r>
+            <a:r>
+              <a:rPr lang="en-US" dirty="0" smtClean="0"/>
+              <a:t>syntax</a:t>
+            </a:r>
+          </a:p>
+          <a:p>
+            <a:r>
+              <a:rPr lang="en-US" dirty="0" smtClean="0"/>
+              <a:t>we </a:t>
+            </a:r>
+            <a:r>
+              <a:rPr lang="en-US" dirty="0" smtClean="0"/>
+              <a:t>will read in data pertaining to the age and sex of the population of Census Designated Places in Washington State during the 2013-2017 time </a:t>
+            </a:r>
+            <a:r>
+              <a:rPr lang="en-US" dirty="0" smtClean="0"/>
+              <a:t>period</a:t>
+            </a:r>
+          </a:p>
+          <a:p>
+            <a:r>
+              <a:rPr lang="en-US" dirty="0" smtClean="0"/>
+              <a:t>Compute </a:t>
+            </a:r>
+            <a:r>
+              <a:rPr lang="en-US" dirty="0" smtClean="0"/>
+              <a:t>the all ages </a:t>
+            </a:r>
+            <a:r>
+              <a:rPr lang="en-US" dirty="0" smtClean="0"/>
+              <a:t>sex-ratio (number of males per 100 females)</a:t>
+            </a:r>
+          </a:p>
+          <a:p>
+            <a:r>
+              <a:rPr lang="en-US" dirty="0" smtClean="0"/>
+              <a:t>Export </a:t>
+            </a:r>
+            <a:r>
+              <a:rPr lang="en-US" dirty="0" smtClean="0"/>
+              <a:t>the data to a .csv and an Excel </a:t>
+            </a:r>
+            <a:r>
+              <a:rPr lang="en-US" dirty="0" smtClean="0"/>
+              <a:t>workbook</a:t>
+            </a:r>
+          </a:p>
+          <a:p>
+            <a:r>
+              <a:rPr lang="en-US" dirty="0" smtClean="0"/>
+              <a:t>Merge </a:t>
+            </a:r>
+            <a:r>
+              <a:rPr lang="en-US" dirty="0" smtClean="0"/>
+              <a:t>the sex-ratio data with a shapefile for mapping in a GIS</a:t>
+            </a:r>
+            <a:endParaRPr lang="en-US" dirty="0"/>
+          </a:p>
+        </p:txBody>
+      </p:sp>
     </p:spTree>
     <p:extLst>
       <p:ext uri="{BB962C8B-B14F-4D97-AF65-F5344CB8AC3E}">
-        <p14:creationId xmlns:p14="http://schemas.microsoft.com/office/powerpoint/2010/main" val="2511325755"/>
+        <p14:creationId xmlns:p14="http://schemas.microsoft.com/office/powerpoint/2010/main" val="3030563835"/>
       </p:ext>
     </p:extLst>
   </p:cSld>

--- a/Introduction to Python.pptx
+++ b/Introduction to Python.pptx
@@ -210,7 +210,7 @@
           <a:p>
             <a:fld id="{1625BD86-A277-4756-AFD6-158CB1C0F478}" type="datetimeFigureOut">
               <a:rPr lang="en-US" smtClean="0"/>
-              <a:t>4/10/2019</a:t>
+              <a:t>7/15/2019</a:t>
             </a:fld>
             <a:endParaRPr lang="en-US" dirty="0"/>
           </a:p>
@@ -609,7 +609,7 @@
           <a:p>
             <a:fld id="{456B5467-EA77-4FF9-8BC4-2EA8FCAB53DA}" type="datetimeFigureOut">
               <a:rPr lang="en-US" smtClean="0"/>
-              <a:t>4/10/2019</a:t>
+              <a:t>7/15/2019</a:t>
             </a:fld>
             <a:endParaRPr lang="en-US" dirty="0"/>
           </a:p>
@@ -779,7 +779,7 @@
           <a:p>
             <a:fld id="{456B5467-EA77-4FF9-8BC4-2EA8FCAB53DA}" type="datetimeFigureOut">
               <a:rPr lang="en-US" smtClean="0"/>
-              <a:t>4/10/2019</a:t>
+              <a:t>7/15/2019</a:t>
             </a:fld>
             <a:endParaRPr lang="en-US" dirty="0"/>
           </a:p>
@@ -959,7 +959,7 @@
           <a:p>
             <a:fld id="{456B5467-EA77-4FF9-8BC4-2EA8FCAB53DA}" type="datetimeFigureOut">
               <a:rPr lang="en-US" smtClean="0"/>
-              <a:t>4/10/2019</a:t>
+              <a:t>7/15/2019</a:t>
             </a:fld>
             <a:endParaRPr lang="en-US" dirty="0"/>
           </a:p>
@@ -1129,7 +1129,7 @@
           <a:p>
             <a:fld id="{456B5467-EA77-4FF9-8BC4-2EA8FCAB53DA}" type="datetimeFigureOut">
               <a:rPr lang="en-US" smtClean="0"/>
-              <a:t>4/10/2019</a:t>
+              <a:t>7/15/2019</a:t>
             </a:fld>
             <a:endParaRPr lang="en-US" dirty="0"/>
           </a:p>
@@ -1375,7 +1375,7 @@
           <a:p>
             <a:fld id="{456B5467-EA77-4FF9-8BC4-2EA8FCAB53DA}" type="datetimeFigureOut">
               <a:rPr lang="en-US" smtClean="0"/>
-              <a:t>4/10/2019</a:t>
+              <a:t>7/15/2019</a:t>
             </a:fld>
             <a:endParaRPr lang="en-US" dirty="0"/>
           </a:p>
@@ -1607,7 +1607,7 @@
           <a:p>
             <a:fld id="{456B5467-EA77-4FF9-8BC4-2EA8FCAB53DA}" type="datetimeFigureOut">
               <a:rPr lang="en-US" smtClean="0"/>
-              <a:t>4/10/2019</a:t>
+              <a:t>7/15/2019</a:t>
             </a:fld>
             <a:endParaRPr lang="en-US" dirty="0"/>
           </a:p>
@@ -1974,7 +1974,7 @@
           <a:p>
             <a:fld id="{456B5467-EA77-4FF9-8BC4-2EA8FCAB53DA}" type="datetimeFigureOut">
               <a:rPr lang="en-US" smtClean="0"/>
-              <a:t>4/10/2019</a:t>
+              <a:t>7/15/2019</a:t>
             </a:fld>
             <a:endParaRPr lang="en-US" dirty="0"/>
           </a:p>
@@ -2092,7 +2092,7 @@
           <a:p>
             <a:fld id="{456B5467-EA77-4FF9-8BC4-2EA8FCAB53DA}" type="datetimeFigureOut">
               <a:rPr lang="en-US" smtClean="0"/>
-              <a:t>4/10/2019</a:t>
+              <a:t>7/15/2019</a:t>
             </a:fld>
             <a:endParaRPr lang="en-US" dirty="0"/>
           </a:p>
@@ -2187,7 +2187,7 @@
           <a:p>
             <a:fld id="{456B5467-EA77-4FF9-8BC4-2EA8FCAB53DA}" type="datetimeFigureOut">
               <a:rPr lang="en-US" smtClean="0"/>
-              <a:t>4/10/2019</a:t>
+              <a:t>7/15/2019</a:t>
             </a:fld>
             <a:endParaRPr lang="en-US" dirty="0"/>
           </a:p>
@@ -2464,7 +2464,7 @@
           <a:p>
             <a:fld id="{456B5467-EA77-4FF9-8BC4-2EA8FCAB53DA}" type="datetimeFigureOut">
               <a:rPr lang="en-US" smtClean="0"/>
-              <a:t>4/10/2019</a:t>
+              <a:t>7/15/2019</a:t>
             </a:fld>
             <a:endParaRPr lang="en-US" dirty="0"/>
           </a:p>
@@ -2721,7 +2721,7 @@
           <a:p>
             <a:fld id="{456B5467-EA77-4FF9-8BC4-2EA8FCAB53DA}" type="datetimeFigureOut">
               <a:rPr lang="en-US" smtClean="0"/>
-              <a:t>4/10/2019</a:t>
+              <a:t>7/15/2019</a:t>
             </a:fld>
             <a:endParaRPr lang="en-US" dirty="0"/>
           </a:p>
@@ -2934,7 +2934,7 @@
           <a:p>
             <a:fld id="{456B5467-EA77-4FF9-8BC4-2EA8FCAB53DA}" type="datetimeFigureOut">
               <a:rPr lang="en-US" smtClean="0"/>
-              <a:t>4/10/2019</a:t>
+              <a:t>7/15/2019</a:t>
             </a:fld>
             <a:endParaRPr lang="en-US" dirty="0"/>
           </a:p>
@@ -3374,12 +3374,14 @@
         </p:nvSpPr>
         <p:spPr/>
         <p:txBody>
-          <a:bodyPr/>
+          <a:bodyPr>
+            <a:normAutofit lnSpcReduction="10000"/>
+          </a:bodyPr>
           <a:lstStyle/>
           <a:p>
             <a:r>
               <a:rPr lang="en-US" dirty="0" smtClean="0"/>
-              <a:t>April 11, </a:t>
+              <a:t>July 15, </a:t>
             </a:r>
             <a:r>
               <a:rPr lang="en-US" dirty="0" smtClean="0"/>
@@ -3389,8 +3391,19 @@
           <a:p>
             <a:r>
               <a:rPr lang="en-US" dirty="0" smtClean="0"/>
-              <a:t>Mike Babb, Ph.C.</a:t>
-            </a:r>
+              <a:t>Mike Babb, Ph.C</a:t>
+            </a:r>
+            <a:r>
+              <a:rPr lang="en-US" dirty="0" smtClean="0"/>
+              <a:t>.</a:t>
+            </a:r>
+          </a:p>
+          <a:p>
+            <a:r>
+              <a:rPr lang="en-US" dirty="0" smtClean="0"/>
+              <a:t>Center for Social Science Computation and Research</a:t>
+            </a:r>
+            <a:endParaRPr lang="en-US" dirty="0" smtClean="0"/>
           </a:p>
           <a:p>
             <a:r>
@@ -3501,7 +3514,12 @@
             <p:ph idx="1"/>
           </p:nvPr>
         </p:nvSpPr>
-        <p:spPr/>
+        <p:spPr>
+          <a:xfrm>
+            <a:off x="1100667" y="1825625"/>
+            <a:ext cx="2997200" cy="1484842"/>
+          </a:xfrm>
+        </p:spPr>
         <p:txBody>
           <a:bodyPr>
             <a:noAutofit/>
@@ -3512,7 +3530,7 @@
               <a:buNone/>
             </a:pPr>
             <a:r>
-              <a:rPr lang="en-US" sz="23900" dirty="0" smtClean="0"/>
+              <a:rPr lang="en-US" sz="8000" dirty="0" smtClean="0"/>
               <a:t>Both</a:t>
             </a:r>
           </a:p>
@@ -3520,10 +3538,38 @@
             <a:pPr marL="0" indent="0">
               <a:buNone/>
             </a:pPr>
-            <a:endParaRPr lang="en-US" sz="23900" dirty="0" smtClean="0"/>
-          </a:p>
-          <a:p>
-            <a:endParaRPr lang="en-US" sz="23900" dirty="0" smtClean="0"/>
+            <a:endParaRPr lang="en-US" sz="8000" dirty="0" smtClean="0"/>
+          </a:p>
+          <a:p>
+            <a:endParaRPr lang="en-US" sz="8000" dirty="0" smtClean="0"/>
+          </a:p>
+        </p:txBody>
+      </p:sp>
+      <p:sp>
+        <p:nvSpPr>
+          <p:cNvPr id="4" name="Rectangle 3"/>
+          <p:cNvSpPr/>
+          <p:nvPr/>
+        </p:nvSpPr>
+        <p:spPr>
+          <a:xfrm>
+            <a:off x="1016904" y="3310467"/>
+            <a:ext cx="5636992" cy="369332"/>
+          </a:xfrm>
+          <a:prstGeom prst="rect">
+            <a:avLst/>
+          </a:prstGeom>
+        </p:spPr>
+        <p:txBody>
+          <a:bodyPr wrap="none">
+            <a:spAutoFit/>
+          </a:bodyPr>
+          <a:lstStyle/>
+          <a:p>
+            <a:r>
+              <a:rPr lang="en-US" dirty="0"/>
+              <a:t>https://github.com/matloff/R-vs.-Python-for-Data-Science</a:t>
+            </a:r>
           </a:p>
         </p:txBody>
       </p:sp>
@@ -3594,6 +3640,51 @@
                       </p:childTnLst>
                     </p:cTn>
                   </p:par>
+                  <p:par>
+                    <p:cTn id="7" fill="hold">
+                      <p:stCondLst>
+                        <p:cond delay="indefinite"/>
+                      </p:stCondLst>
+                      <p:childTnLst>
+                        <p:par>
+                          <p:cTn id="8" fill="hold">
+                            <p:stCondLst>
+                              <p:cond delay="0"/>
+                            </p:stCondLst>
+                            <p:childTnLst>
+                              <p:par>
+                                <p:cTn id="9" presetID="1" presetClass="entr" presetSubtype="0" fill="hold" grpId="0" nodeType="clickEffect">
+                                  <p:stCondLst>
+                                    <p:cond delay="0"/>
+                                  </p:stCondLst>
+                                  <p:childTnLst>
+                                    <p:set>
+                                      <p:cBhvr>
+                                        <p:cTn id="10" dur="1" fill="hold">
+                                          <p:stCondLst>
+                                            <p:cond delay="0"/>
+                                          </p:stCondLst>
+                                        </p:cTn>
+                                        <p:tgtEl>
+                                          <p:spTgt spid="4"/>
+                                        </p:tgtEl>
+                                        <p:attrNameLst>
+                                          <p:attrName>style.visibility</p:attrName>
+                                        </p:attrNameLst>
+                                      </p:cBhvr>
+                                      <p:to>
+                                        <p:strVal val="visible"/>
+                                      </p:to>
+                                    </p:set>
+                                  </p:childTnLst>
+                                </p:cTn>
+                              </p:par>
+                            </p:childTnLst>
+                          </p:cTn>
+                        </p:par>
+                      </p:childTnLst>
+                    </p:cTn>
+                  </p:par>
                 </p:childTnLst>
               </p:cTn>
               <p:prevCondLst>
@@ -3617,6 +3708,7 @@
     </p:tnLst>
     <p:bldLst>
       <p:bldP spid="3" grpId="0" build="p"/>
+      <p:bldP spid="4" grpId="0"/>
     </p:bldLst>
   </p:timing>
 </p:sld>
@@ -3688,6 +3780,34 @@
           </a:prstGeom>
         </p:spPr>
       </p:pic>
+      <p:sp>
+        <p:nvSpPr>
+          <p:cNvPr id="3" name="Rectangle 2"/>
+          <p:cNvSpPr/>
+          <p:nvPr/>
+        </p:nvSpPr>
+        <p:spPr>
+          <a:xfrm>
+            <a:off x="0" y="6488668"/>
+            <a:ext cx="3071546" cy="369332"/>
+          </a:xfrm>
+          <a:prstGeom prst="rect">
+            <a:avLst/>
+          </a:prstGeom>
+        </p:spPr>
+        <p:txBody>
+          <a:bodyPr wrap="none">
+            <a:spAutoFit/>
+          </a:bodyPr>
+          <a:lstStyle/>
+          <a:p>
+            <a:r>
+              <a:rPr lang="en-US" dirty="0"/>
+              <a:t>https://code.visualstudio.com/</a:t>
+            </a:r>
+          </a:p>
+        </p:txBody>
+      </p:sp>
     </p:spTree>
     <p:extLst>
       <p:ext uri="{BB962C8B-B14F-4D97-AF65-F5344CB8AC3E}">
@@ -3774,6 +3894,34 @@
           </a:prstGeom>
         </p:spPr>
       </p:pic>
+      <p:sp>
+        <p:nvSpPr>
+          <p:cNvPr id="3" name="Rectangle 2"/>
+          <p:cNvSpPr/>
+          <p:nvPr/>
+        </p:nvSpPr>
+        <p:spPr>
+          <a:xfrm>
+            <a:off x="0" y="6488668"/>
+            <a:ext cx="3721468" cy="369332"/>
+          </a:xfrm>
+          <a:prstGeom prst="rect">
+            <a:avLst/>
+          </a:prstGeom>
+        </p:spPr>
+        <p:txBody>
+          <a:bodyPr wrap="none">
+            <a:spAutoFit/>
+          </a:bodyPr>
+          <a:lstStyle/>
+          <a:p>
+            <a:r>
+              <a:rPr lang="en-US" dirty="0"/>
+              <a:t>https://www.jetbrains.com/pycharm/</a:t>
+            </a:r>
+          </a:p>
+        </p:txBody>
+      </p:sp>
     </p:spTree>
     <p:extLst>
       <p:ext uri="{BB962C8B-B14F-4D97-AF65-F5344CB8AC3E}">
@@ -4280,7 +4428,6 @@
               <a:rPr lang="en-US" dirty="0" smtClean="0"/>
               <a:t>and open source</a:t>
             </a:r>
-            <a:endParaRPr lang="en-US" dirty="0" smtClean="0"/>
           </a:p>
           <a:p>
             <a:r>
@@ -4400,11 +4547,7 @@
           <a:p>
             <a:r>
               <a:rPr lang="en-US" dirty="0" smtClean="0"/>
-              <a:t>About </a:t>
-            </a:r>
-            <a:r>
-              <a:rPr lang="en-US" dirty="0" smtClean="0"/>
-              <a:t>Python</a:t>
+              <a:t>About Python</a:t>
             </a:r>
             <a:endParaRPr lang="en-US" dirty="0"/>
           </a:p>
@@ -4934,8 +5077,8 @@
         </p:blipFill>
         <p:spPr>
           <a:xfrm>
-            <a:off x="838200" y="1295827"/>
-            <a:ext cx="10122793" cy="5394871"/>
+            <a:off x="938795" y="1295827"/>
+            <a:ext cx="9921602" cy="5394871"/>
           </a:xfrm>
           <a:prstGeom prst="rect">
             <a:avLst/>
@@ -5019,63 +5162,31 @@
           <a:p>
             <a:r>
               <a:rPr lang="en-US" dirty="0" smtClean="0"/>
-              <a:t>Examine basic python </a:t>
-            </a:r>
+              <a:t>Examine basic python syntax</a:t>
+            </a:r>
+          </a:p>
+          <a:p>
             <a:r>
               <a:rPr lang="en-US" dirty="0" smtClean="0"/>
-              <a:t>syntax</a:t>
+              <a:t>we will read in data pertaining to the age and sex of the population of Census Designated Places in Washington State during the 2013-2017 time period</a:t>
             </a:r>
           </a:p>
           <a:p>
             <a:r>
               <a:rPr lang="en-US" dirty="0" smtClean="0"/>
-              <a:t>we </a:t>
-            </a:r>
+              <a:t>Compute the all ages sex-ratio (number of males per 100 females)</a:t>
+            </a:r>
+          </a:p>
+          <a:p>
             <a:r>
               <a:rPr lang="en-US" dirty="0" smtClean="0"/>
-              <a:t>will read in data pertaining to the age and sex of the population of Census Designated Places in Washington State during the 2013-2017 time </a:t>
-            </a:r>
+              <a:t>Export the data to a .csv and an Excel workbook</a:t>
+            </a:r>
+          </a:p>
+          <a:p>
             <a:r>
               <a:rPr lang="en-US" dirty="0" smtClean="0"/>
-              <a:t>period</a:t>
-            </a:r>
-          </a:p>
-          <a:p>
-            <a:r>
-              <a:rPr lang="en-US" dirty="0" smtClean="0"/>
-              <a:t>Compute </a:t>
-            </a:r>
-            <a:r>
-              <a:rPr lang="en-US" dirty="0" smtClean="0"/>
-              <a:t>the all ages </a:t>
-            </a:r>
-            <a:r>
-              <a:rPr lang="en-US" dirty="0" smtClean="0"/>
-              <a:t>sex-ratio (number of males per 100 females)</a:t>
-            </a:r>
-          </a:p>
-          <a:p>
-            <a:r>
-              <a:rPr lang="en-US" dirty="0" smtClean="0"/>
-              <a:t>Export </a:t>
-            </a:r>
-            <a:r>
-              <a:rPr lang="en-US" dirty="0" smtClean="0"/>
-              <a:t>the data to a .csv and an Excel </a:t>
-            </a:r>
-            <a:r>
-              <a:rPr lang="en-US" dirty="0" smtClean="0"/>
-              <a:t>workbook</a:t>
-            </a:r>
-          </a:p>
-          <a:p>
-            <a:r>
-              <a:rPr lang="en-US" dirty="0" smtClean="0"/>
-              <a:t>Merge </a:t>
-            </a:r>
-            <a:r>
-              <a:rPr lang="en-US" dirty="0" smtClean="0"/>
-              <a:t>the sex-ratio data with a shapefile for mapping in a GIS</a:t>
+              <a:t>Merge the sex-ratio data with a shapefile for mapping in a GIS</a:t>
             </a:r>
             <a:endParaRPr lang="en-US" dirty="0"/>
           </a:p>

--- a/Introduction to Python.pptx
+++ b/Introduction to Python.pptx
@@ -122,7 +122,18 @@
   </p:defaultTextStyle>
   <p:extLst>
     <p:ext uri="{EFAFB233-063F-42B5-8137-9DF3F51BA10A}">
-      <p15:sldGuideLst xmlns:p15="http://schemas.microsoft.com/office/powerpoint/2012/main"/>
+      <p15:sldGuideLst xmlns:p15="http://schemas.microsoft.com/office/powerpoint/2012/main">
+        <p15:guide id="1" orient="horz" pos="2160" userDrawn="1">
+          <p15:clr>
+            <a:srgbClr val="A4A3A4"/>
+          </p15:clr>
+        </p15:guide>
+        <p15:guide id="2" pos="3840" userDrawn="1">
+          <p15:clr>
+            <a:srgbClr val="A4A3A4"/>
+          </p15:clr>
+        </p15:guide>
+      </p15:sldGuideLst>
     </p:ext>
   </p:extLst>
 </p:presentation>
@@ -210,7 +221,7 @@
           <a:p>
             <a:fld id="{1625BD86-A277-4756-AFD6-158CB1C0F478}" type="datetimeFigureOut">
               <a:rPr lang="en-US" smtClean="0"/>
-              <a:t>7/15/2019</a:t>
+              <a:t>9/9/2019</a:t>
             </a:fld>
             <a:endParaRPr lang="en-US" dirty="0"/>
           </a:p>
@@ -609,7 +620,7 @@
           <a:p>
             <a:fld id="{456B5467-EA77-4FF9-8BC4-2EA8FCAB53DA}" type="datetimeFigureOut">
               <a:rPr lang="en-US" smtClean="0"/>
-              <a:t>7/15/2019</a:t>
+              <a:t>9/9/2019</a:t>
             </a:fld>
             <a:endParaRPr lang="en-US" dirty="0"/>
           </a:p>
@@ -779,7 +790,7 @@
           <a:p>
             <a:fld id="{456B5467-EA77-4FF9-8BC4-2EA8FCAB53DA}" type="datetimeFigureOut">
               <a:rPr lang="en-US" smtClean="0"/>
-              <a:t>7/15/2019</a:t>
+              <a:t>9/9/2019</a:t>
             </a:fld>
             <a:endParaRPr lang="en-US" dirty="0"/>
           </a:p>
@@ -959,7 +970,7 @@
           <a:p>
             <a:fld id="{456B5467-EA77-4FF9-8BC4-2EA8FCAB53DA}" type="datetimeFigureOut">
               <a:rPr lang="en-US" smtClean="0"/>
-              <a:t>7/15/2019</a:t>
+              <a:t>9/9/2019</a:t>
             </a:fld>
             <a:endParaRPr lang="en-US" dirty="0"/>
           </a:p>
@@ -1129,7 +1140,7 @@
           <a:p>
             <a:fld id="{456B5467-EA77-4FF9-8BC4-2EA8FCAB53DA}" type="datetimeFigureOut">
               <a:rPr lang="en-US" smtClean="0"/>
-              <a:t>7/15/2019</a:t>
+              <a:t>9/9/2019</a:t>
             </a:fld>
             <a:endParaRPr lang="en-US" dirty="0"/>
           </a:p>
@@ -1375,7 +1386,7 @@
           <a:p>
             <a:fld id="{456B5467-EA77-4FF9-8BC4-2EA8FCAB53DA}" type="datetimeFigureOut">
               <a:rPr lang="en-US" smtClean="0"/>
-              <a:t>7/15/2019</a:t>
+              <a:t>9/9/2019</a:t>
             </a:fld>
             <a:endParaRPr lang="en-US" dirty="0"/>
           </a:p>
@@ -1607,7 +1618,7 @@
           <a:p>
             <a:fld id="{456B5467-EA77-4FF9-8BC4-2EA8FCAB53DA}" type="datetimeFigureOut">
               <a:rPr lang="en-US" smtClean="0"/>
-              <a:t>7/15/2019</a:t>
+              <a:t>9/9/2019</a:t>
             </a:fld>
             <a:endParaRPr lang="en-US" dirty="0"/>
           </a:p>
@@ -1974,7 +1985,7 @@
           <a:p>
             <a:fld id="{456B5467-EA77-4FF9-8BC4-2EA8FCAB53DA}" type="datetimeFigureOut">
               <a:rPr lang="en-US" smtClean="0"/>
-              <a:t>7/15/2019</a:t>
+              <a:t>9/9/2019</a:t>
             </a:fld>
             <a:endParaRPr lang="en-US" dirty="0"/>
           </a:p>
@@ -2092,7 +2103,7 @@
           <a:p>
             <a:fld id="{456B5467-EA77-4FF9-8BC4-2EA8FCAB53DA}" type="datetimeFigureOut">
               <a:rPr lang="en-US" smtClean="0"/>
-              <a:t>7/15/2019</a:t>
+              <a:t>9/9/2019</a:t>
             </a:fld>
             <a:endParaRPr lang="en-US" dirty="0"/>
           </a:p>
@@ -2187,7 +2198,7 @@
           <a:p>
             <a:fld id="{456B5467-EA77-4FF9-8BC4-2EA8FCAB53DA}" type="datetimeFigureOut">
               <a:rPr lang="en-US" smtClean="0"/>
-              <a:t>7/15/2019</a:t>
+              <a:t>9/9/2019</a:t>
             </a:fld>
             <a:endParaRPr lang="en-US" dirty="0"/>
           </a:p>
@@ -2464,7 +2475,7 @@
           <a:p>
             <a:fld id="{456B5467-EA77-4FF9-8BC4-2EA8FCAB53DA}" type="datetimeFigureOut">
               <a:rPr lang="en-US" smtClean="0"/>
-              <a:t>7/15/2019</a:t>
+              <a:t>9/9/2019</a:t>
             </a:fld>
             <a:endParaRPr lang="en-US" dirty="0"/>
           </a:p>
@@ -2721,7 +2732,7 @@
           <a:p>
             <a:fld id="{456B5467-EA77-4FF9-8BC4-2EA8FCAB53DA}" type="datetimeFigureOut">
               <a:rPr lang="en-US" smtClean="0"/>
-              <a:t>7/15/2019</a:t>
+              <a:t>9/9/2019</a:t>
             </a:fld>
             <a:endParaRPr lang="en-US" dirty="0"/>
           </a:p>
@@ -2934,7 +2945,7 @@
           <a:p>
             <a:fld id="{456B5467-EA77-4FF9-8BC4-2EA8FCAB53DA}" type="datetimeFigureOut">
               <a:rPr lang="en-US" smtClean="0"/>
-              <a:t>7/15/2019</a:t>
+              <a:t>9/9/2019</a:t>
             </a:fld>
             <a:endParaRPr lang="en-US" dirty="0"/>
           </a:p>
@@ -3381,7 +3392,7 @@
           <a:p>
             <a:r>
               <a:rPr lang="en-US" dirty="0" smtClean="0"/>
-              <a:t>July 15, </a:t>
+              <a:t>September 9, </a:t>
             </a:r>
             <a:r>
               <a:rPr lang="en-US" dirty="0" smtClean="0"/>
@@ -3391,11 +3402,7 @@
           <a:p>
             <a:r>
               <a:rPr lang="en-US" dirty="0" smtClean="0"/>
-              <a:t>Mike Babb, Ph.C</a:t>
-            </a:r>
-            <a:r>
-              <a:rPr lang="en-US" dirty="0" smtClean="0"/>
-              <a:t>.</a:t>
+              <a:t>Mike Babb, Ph.C.</a:t>
             </a:r>
           </a:p>
           <a:p>
@@ -3403,7 +3410,6 @@
               <a:rPr lang="en-US" dirty="0" smtClean="0"/>
               <a:t>Center for Social Science Computation and Research</a:t>
             </a:r>
-            <a:endParaRPr lang="en-US" dirty="0" smtClean="0"/>
           </a:p>
           <a:p>
             <a:r>

--- a/Introduction to Python.pptx
+++ b/Introduction to Python.pptx
@@ -221,7 +221,7 @@
           <a:p>
             <a:fld id="{1625BD86-A277-4756-AFD6-158CB1C0F478}" type="datetimeFigureOut">
               <a:rPr lang="en-US" smtClean="0"/>
-              <a:t>9/9/2019</a:t>
+              <a:t>10/21/2019</a:t>
             </a:fld>
             <a:endParaRPr lang="en-US" dirty="0"/>
           </a:p>
@@ -620,7 +620,7 @@
           <a:p>
             <a:fld id="{456B5467-EA77-4FF9-8BC4-2EA8FCAB53DA}" type="datetimeFigureOut">
               <a:rPr lang="en-US" smtClean="0"/>
-              <a:t>9/9/2019</a:t>
+              <a:t>10/21/2019</a:t>
             </a:fld>
             <a:endParaRPr lang="en-US" dirty="0"/>
           </a:p>
@@ -790,7 +790,7 @@
           <a:p>
             <a:fld id="{456B5467-EA77-4FF9-8BC4-2EA8FCAB53DA}" type="datetimeFigureOut">
               <a:rPr lang="en-US" smtClean="0"/>
-              <a:t>9/9/2019</a:t>
+              <a:t>10/21/2019</a:t>
             </a:fld>
             <a:endParaRPr lang="en-US" dirty="0"/>
           </a:p>
@@ -970,7 +970,7 @@
           <a:p>
             <a:fld id="{456B5467-EA77-4FF9-8BC4-2EA8FCAB53DA}" type="datetimeFigureOut">
               <a:rPr lang="en-US" smtClean="0"/>
-              <a:t>9/9/2019</a:t>
+              <a:t>10/21/2019</a:t>
             </a:fld>
             <a:endParaRPr lang="en-US" dirty="0"/>
           </a:p>
@@ -1140,7 +1140,7 @@
           <a:p>
             <a:fld id="{456B5467-EA77-4FF9-8BC4-2EA8FCAB53DA}" type="datetimeFigureOut">
               <a:rPr lang="en-US" smtClean="0"/>
-              <a:t>9/9/2019</a:t>
+              <a:t>10/21/2019</a:t>
             </a:fld>
             <a:endParaRPr lang="en-US" dirty="0"/>
           </a:p>
@@ -1386,7 +1386,7 @@
           <a:p>
             <a:fld id="{456B5467-EA77-4FF9-8BC4-2EA8FCAB53DA}" type="datetimeFigureOut">
               <a:rPr lang="en-US" smtClean="0"/>
-              <a:t>9/9/2019</a:t>
+              <a:t>10/21/2019</a:t>
             </a:fld>
             <a:endParaRPr lang="en-US" dirty="0"/>
           </a:p>
@@ -1618,7 +1618,7 @@
           <a:p>
             <a:fld id="{456B5467-EA77-4FF9-8BC4-2EA8FCAB53DA}" type="datetimeFigureOut">
               <a:rPr lang="en-US" smtClean="0"/>
-              <a:t>9/9/2019</a:t>
+              <a:t>10/21/2019</a:t>
             </a:fld>
             <a:endParaRPr lang="en-US" dirty="0"/>
           </a:p>
@@ -1985,7 +1985,7 @@
           <a:p>
             <a:fld id="{456B5467-EA77-4FF9-8BC4-2EA8FCAB53DA}" type="datetimeFigureOut">
               <a:rPr lang="en-US" smtClean="0"/>
-              <a:t>9/9/2019</a:t>
+              <a:t>10/21/2019</a:t>
             </a:fld>
             <a:endParaRPr lang="en-US" dirty="0"/>
           </a:p>
@@ -2103,7 +2103,7 @@
           <a:p>
             <a:fld id="{456B5467-EA77-4FF9-8BC4-2EA8FCAB53DA}" type="datetimeFigureOut">
               <a:rPr lang="en-US" smtClean="0"/>
-              <a:t>9/9/2019</a:t>
+              <a:t>10/21/2019</a:t>
             </a:fld>
             <a:endParaRPr lang="en-US" dirty="0"/>
           </a:p>
@@ -2198,7 +2198,7 @@
           <a:p>
             <a:fld id="{456B5467-EA77-4FF9-8BC4-2EA8FCAB53DA}" type="datetimeFigureOut">
               <a:rPr lang="en-US" smtClean="0"/>
-              <a:t>9/9/2019</a:t>
+              <a:t>10/21/2019</a:t>
             </a:fld>
             <a:endParaRPr lang="en-US" dirty="0"/>
           </a:p>
@@ -2475,7 +2475,7 @@
           <a:p>
             <a:fld id="{456B5467-EA77-4FF9-8BC4-2EA8FCAB53DA}" type="datetimeFigureOut">
               <a:rPr lang="en-US" smtClean="0"/>
-              <a:t>9/9/2019</a:t>
+              <a:t>10/21/2019</a:t>
             </a:fld>
             <a:endParaRPr lang="en-US" dirty="0"/>
           </a:p>
@@ -2732,7 +2732,7 @@
           <a:p>
             <a:fld id="{456B5467-EA77-4FF9-8BC4-2EA8FCAB53DA}" type="datetimeFigureOut">
               <a:rPr lang="en-US" smtClean="0"/>
-              <a:t>9/9/2019</a:t>
+              <a:t>10/21/2019</a:t>
             </a:fld>
             <a:endParaRPr lang="en-US" dirty="0"/>
           </a:p>
@@ -2945,7 +2945,7 @@
           <a:p>
             <a:fld id="{456B5467-EA77-4FF9-8BC4-2EA8FCAB53DA}" type="datetimeFigureOut">
               <a:rPr lang="en-US" smtClean="0"/>
-              <a:t>9/9/2019</a:t>
+              <a:t>10/21/2019</a:t>
             </a:fld>
             <a:endParaRPr lang="en-US" dirty="0"/>
           </a:p>
@@ -3392,11 +3392,7 @@
           <a:p>
             <a:r>
               <a:rPr lang="en-US" dirty="0" smtClean="0"/>
-              <a:t>September 9, </a:t>
-            </a:r>
-            <a:r>
-              <a:rPr lang="en-US" dirty="0" smtClean="0"/>
-              <a:t>2019</a:t>
+              <a:t>October 21, 2019</a:t>
             </a:r>
           </a:p>
           <a:p>
@@ -5083,8 +5079,8 @@
         </p:blipFill>
         <p:spPr>
           <a:xfrm>
-            <a:off x="938795" y="1295827"/>
-            <a:ext cx="9921602" cy="5394871"/>
+            <a:off x="938795" y="1306162"/>
+            <a:ext cx="9921602" cy="5374201"/>
           </a:xfrm>
           <a:prstGeom prst="rect">
             <a:avLst/>

--- a/Introduction to Python.pptx
+++ b/Introduction to Python.pptx
@@ -221,7 +221,7 @@
           <a:p>
             <a:fld id="{1625BD86-A277-4756-AFD6-158CB1C0F478}" type="datetimeFigureOut">
               <a:rPr lang="en-US" smtClean="0"/>
-              <a:t>10/21/2019</a:t>
+              <a:t>1/22/2020</a:t>
             </a:fld>
             <a:endParaRPr lang="en-US" dirty="0"/>
           </a:p>
@@ -285,38 +285,37 @@
           <a:p>
             <a:pPr lvl="0"/>
             <a:r>
-              <a:rPr lang="en-US" smtClean="0"/>
+              <a:rPr lang="en-US"/>
               <a:t>Click to edit Master text styles</a:t>
             </a:r>
           </a:p>
           <a:p>
             <a:pPr lvl="1"/>
             <a:r>
-              <a:rPr lang="en-US" smtClean="0"/>
+              <a:rPr lang="en-US"/>
               <a:t>Second level</a:t>
             </a:r>
           </a:p>
           <a:p>
             <a:pPr lvl="2"/>
             <a:r>
-              <a:rPr lang="en-US" smtClean="0"/>
+              <a:rPr lang="en-US"/>
               <a:t>Third level</a:t>
             </a:r>
           </a:p>
           <a:p>
             <a:pPr lvl="3"/>
             <a:r>
-              <a:rPr lang="en-US" smtClean="0"/>
+              <a:rPr lang="en-US"/>
               <a:t>Fourth level</a:t>
             </a:r>
           </a:p>
           <a:p>
             <a:pPr lvl="4"/>
             <a:r>
-              <a:rPr lang="en-US" smtClean="0"/>
+              <a:rPr lang="en-US"/>
               <a:t>Fifth level</a:t>
             </a:r>
-            <a:endParaRPr lang="en-US"/>
           </a:p>
         </p:txBody>
       </p:sp>
@@ -531,7 +530,7 @@
           </a:lstStyle>
           <a:p>
             <a:r>
-              <a:rPr lang="en-US" smtClean="0"/>
+              <a:rPr lang="en-US"/>
               <a:t>Click to edit Master title style</a:t>
             </a:r>
             <a:endParaRPr lang="en-US" dirty="0"/>
@@ -596,7 +595,7 @@
           </a:lstStyle>
           <a:p>
             <a:r>
-              <a:rPr lang="en-US" smtClean="0"/>
+              <a:rPr lang="en-US"/>
               <a:t>Click to edit Master subtitle style</a:t>
             </a:r>
             <a:endParaRPr lang="en-US" dirty="0"/>
@@ -620,7 +619,7 @@
           <a:p>
             <a:fld id="{456B5467-EA77-4FF9-8BC4-2EA8FCAB53DA}" type="datetimeFigureOut">
               <a:rPr lang="en-US" smtClean="0"/>
-              <a:t>10/21/2019</a:t>
+              <a:t>1/22/2020</a:t>
             </a:fld>
             <a:endParaRPr lang="en-US" dirty="0"/>
           </a:p>
@@ -714,7 +713,7 @@
           <a:lstStyle/>
           <a:p>
             <a:r>
-              <a:rPr lang="en-US" smtClean="0"/>
+              <a:rPr lang="en-US"/>
               <a:t>Click to edit Master title style</a:t>
             </a:r>
             <a:endParaRPr lang="en-US" dirty="0"/>
@@ -738,35 +737,35 @@
           <a:p>
             <a:pPr lvl="0"/>
             <a:r>
-              <a:rPr lang="en-US" smtClean="0"/>
+              <a:rPr lang="en-US"/>
               <a:t>Click to edit Master text styles</a:t>
             </a:r>
           </a:p>
           <a:p>
             <a:pPr lvl="1"/>
             <a:r>
-              <a:rPr lang="en-US" smtClean="0"/>
+              <a:rPr lang="en-US"/>
               <a:t>Second level</a:t>
             </a:r>
           </a:p>
           <a:p>
             <a:pPr lvl="2"/>
             <a:r>
-              <a:rPr lang="en-US" smtClean="0"/>
+              <a:rPr lang="en-US"/>
               <a:t>Third level</a:t>
             </a:r>
           </a:p>
           <a:p>
             <a:pPr lvl="3"/>
             <a:r>
-              <a:rPr lang="en-US" smtClean="0"/>
+              <a:rPr lang="en-US"/>
               <a:t>Fourth level</a:t>
             </a:r>
           </a:p>
           <a:p>
             <a:pPr lvl="4"/>
             <a:r>
-              <a:rPr lang="en-US" smtClean="0"/>
+              <a:rPr lang="en-US"/>
               <a:t>Fifth level</a:t>
             </a:r>
             <a:endParaRPr lang="en-US" dirty="0"/>
@@ -790,7 +789,7 @@
           <a:p>
             <a:fld id="{456B5467-EA77-4FF9-8BC4-2EA8FCAB53DA}" type="datetimeFigureOut">
               <a:rPr lang="en-US" smtClean="0"/>
-              <a:t>10/21/2019</a:t>
+              <a:t>1/22/2020</a:t>
             </a:fld>
             <a:endParaRPr lang="en-US" dirty="0"/>
           </a:p>
@@ -889,7 +888,7 @@
           <a:lstStyle/>
           <a:p>
             <a:r>
-              <a:rPr lang="en-US" smtClean="0"/>
+              <a:rPr lang="en-US"/>
               <a:t>Click to edit Master title style</a:t>
             </a:r>
             <a:endParaRPr lang="en-US" dirty="0"/>
@@ -918,35 +917,35 @@
           <a:p>
             <a:pPr lvl="0"/>
             <a:r>
-              <a:rPr lang="en-US" smtClean="0"/>
+              <a:rPr lang="en-US"/>
               <a:t>Click to edit Master text styles</a:t>
             </a:r>
           </a:p>
           <a:p>
             <a:pPr lvl="1"/>
             <a:r>
-              <a:rPr lang="en-US" smtClean="0"/>
+              <a:rPr lang="en-US"/>
               <a:t>Second level</a:t>
             </a:r>
           </a:p>
           <a:p>
             <a:pPr lvl="2"/>
             <a:r>
-              <a:rPr lang="en-US" smtClean="0"/>
+              <a:rPr lang="en-US"/>
               <a:t>Third level</a:t>
             </a:r>
           </a:p>
           <a:p>
             <a:pPr lvl="3"/>
             <a:r>
-              <a:rPr lang="en-US" smtClean="0"/>
+              <a:rPr lang="en-US"/>
               <a:t>Fourth level</a:t>
             </a:r>
           </a:p>
           <a:p>
             <a:pPr lvl="4"/>
             <a:r>
-              <a:rPr lang="en-US" smtClean="0"/>
+              <a:rPr lang="en-US"/>
               <a:t>Fifth level</a:t>
             </a:r>
             <a:endParaRPr lang="en-US" dirty="0"/>
@@ -970,7 +969,7 @@
           <a:p>
             <a:fld id="{456B5467-EA77-4FF9-8BC4-2EA8FCAB53DA}" type="datetimeFigureOut">
               <a:rPr lang="en-US" smtClean="0"/>
-              <a:t>10/21/2019</a:t>
+              <a:t>1/22/2020</a:t>
             </a:fld>
             <a:endParaRPr lang="en-US" dirty="0"/>
           </a:p>
@@ -1064,7 +1063,7 @@
           <a:lstStyle/>
           <a:p>
             <a:r>
-              <a:rPr lang="en-US" smtClean="0"/>
+              <a:rPr lang="en-US"/>
               <a:t>Click to edit Master title style</a:t>
             </a:r>
             <a:endParaRPr lang="en-US" dirty="0"/>
@@ -1088,35 +1087,35 @@
           <a:p>
             <a:pPr lvl="0"/>
             <a:r>
-              <a:rPr lang="en-US" smtClean="0"/>
+              <a:rPr lang="en-US"/>
               <a:t>Click to edit Master text styles</a:t>
             </a:r>
           </a:p>
           <a:p>
             <a:pPr lvl="1"/>
             <a:r>
-              <a:rPr lang="en-US" smtClean="0"/>
+              <a:rPr lang="en-US"/>
               <a:t>Second level</a:t>
             </a:r>
           </a:p>
           <a:p>
             <a:pPr lvl="2"/>
             <a:r>
-              <a:rPr lang="en-US" smtClean="0"/>
+              <a:rPr lang="en-US"/>
               <a:t>Third level</a:t>
             </a:r>
           </a:p>
           <a:p>
             <a:pPr lvl="3"/>
             <a:r>
-              <a:rPr lang="en-US" smtClean="0"/>
+              <a:rPr lang="en-US"/>
               <a:t>Fourth level</a:t>
             </a:r>
           </a:p>
           <a:p>
             <a:pPr lvl="4"/>
             <a:r>
-              <a:rPr lang="en-US" smtClean="0"/>
+              <a:rPr lang="en-US"/>
               <a:t>Fifth level</a:t>
             </a:r>
             <a:endParaRPr lang="en-US" dirty="0"/>
@@ -1140,7 +1139,7 @@
           <a:p>
             <a:fld id="{456B5467-EA77-4FF9-8BC4-2EA8FCAB53DA}" type="datetimeFigureOut">
               <a:rPr lang="en-US" smtClean="0"/>
-              <a:t>10/21/2019</a:t>
+              <a:t>1/22/2020</a:t>
             </a:fld>
             <a:endParaRPr lang="en-US" dirty="0"/>
           </a:p>
@@ -1243,7 +1242,7 @@
           </a:lstStyle>
           <a:p>
             <a:r>
-              <a:rPr lang="en-US" smtClean="0"/>
+              <a:rPr lang="en-US"/>
               <a:t>Click to edit Master title style</a:t>
             </a:r>
             <a:endParaRPr lang="en-US" dirty="0"/>
@@ -1363,7 +1362,7 @@
           <a:p>
             <a:pPr lvl="0"/>
             <a:r>
-              <a:rPr lang="en-US" smtClean="0"/>
+              <a:rPr lang="en-US"/>
               <a:t>Click to edit Master text styles</a:t>
             </a:r>
           </a:p>
@@ -1386,7 +1385,7 @@
           <a:p>
             <a:fld id="{456B5467-EA77-4FF9-8BC4-2EA8FCAB53DA}" type="datetimeFigureOut">
               <a:rPr lang="en-US" smtClean="0"/>
-              <a:t>10/21/2019</a:t>
+              <a:t>1/22/2020</a:t>
             </a:fld>
             <a:endParaRPr lang="en-US" dirty="0"/>
           </a:p>
@@ -1480,7 +1479,7 @@
           <a:lstStyle/>
           <a:p>
             <a:r>
-              <a:rPr lang="en-US" smtClean="0"/>
+              <a:rPr lang="en-US"/>
               <a:t>Click to edit Master title style</a:t>
             </a:r>
             <a:endParaRPr lang="en-US" dirty="0"/>
@@ -1509,35 +1508,35 @@
           <a:p>
             <a:pPr lvl="0"/>
             <a:r>
-              <a:rPr lang="en-US" smtClean="0"/>
+              <a:rPr lang="en-US"/>
               <a:t>Click to edit Master text styles</a:t>
             </a:r>
           </a:p>
           <a:p>
             <a:pPr lvl="1"/>
             <a:r>
-              <a:rPr lang="en-US" smtClean="0"/>
+              <a:rPr lang="en-US"/>
               <a:t>Second level</a:t>
             </a:r>
           </a:p>
           <a:p>
             <a:pPr lvl="2"/>
             <a:r>
-              <a:rPr lang="en-US" smtClean="0"/>
+              <a:rPr lang="en-US"/>
               <a:t>Third level</a:t>
             </a:r>
           </a:p>
           <a:p>
             <a:pPr lvl="3"/>
             <a:r>
-              <a:rPr lang="en-US" smtClean="0"/>
+              <a:rPr lang="en-US"/>
               <a:t>Fourth level</a:t>
             </a:r>
           </a:p>
           <a:p>
             <a:pPr lvl="4"/>
             <a:r>
-              <a:rPr lang="en-US" smtClean="0"/>
+              <a:rPr lang="en-US"/>
               <a:t>Fifth level</a:t>
             </a:r>
             <a:endParaRPr lang="en-US" dirty="0"/>
@@ -1566,35 +1565,35 @@
           <a:p>
             <a:pPr lvl="0"/>
             <a:r>
-              <a:rPr lang="en-US" smtClean="0"/>
+              <a:rPr lang="en-US"/>
               <a:t>Click to edit Master text styles</a:t>
             </a:r>
           </a:p>
           <a:p>
             <a:pPr lvl="1"/>
             <a:r>
-              <a:rPr lang="en-US" smtClean="0"/>
+              <a:rPr lang="en-US"/>
               <a:t>Second level</a:t>
             </a:r>
           </a:p>
           <a:p>
             <a:pPr lvl="2"/>
             <a:r>
-              <a:rPr lang="en-US" smtClean="0"/>
+              <a:rPr lang="en-US"/>
               <a:t>Third level</a:t>
             </a:r>
           </a:p>
           <a:p>
             <a:pPr lvl="3"/>
             <a:r>
-              <a:rPr lang="en-US" smtClean="0"/>
+              <a:rPr lang="en-US"/>
               <a:t>Fourth level</a:t>
             </a:r>
           </a:p>
           <a:p>
             <a:pPr lvl="4"/>
             <a:r>
-              <a:rPr lang="en-US" smtClean="0"/>
+              <a:rPr lang="en-US"/>
               <a:t>Fifth level</a:t>
             </a:r>
             <a:endParaRPr lang="en-US" dirty="0"/>
@@ -1618,7 +1617,7 @@
           <a:p>
             <a:fld id="{456B5467-EA77-4FF9-8BC4-2EA8FCAB53DA}" type="datetimeFigureOut">
               <a:rPr lang="en-US" smtClean="0"/>
-              <a:t>10/21/2019</a:t>
+              <a:t>1/22/2020</a:t>
             </a:fld>
             <a:endParaRPr lang="en-US" dirty="0"/>
           </a:p>
@@ -1717,7 +1716,7 @@
           <a:lstStyle/>
           <a:p>
             <a:r>
-              <a:rPr lang="en-US" smtClean="0"/>
+              <a:rPr lang="en-US"/>
               <a:t>Click to edit Master title style</a:t>
             </a:r>
             <a:endParaRPr lang="en-US" dirty="0"/>
@@ -1783,7 +1782,7 @@
           <a:p>
             <a:pPr lvl="0"/>
             <a:r>
-              <a:rPr lang="en-US" smtClean="0"/>
+              <a:rPr lang="en-US"/>
               <a:t>Click to edit Master text styles</a:t>
             </a:r>
           </a:p>
@@ -1811,35 +1810,35 @@
           <a:p>
             <a:pPr lvl="0"/>
             <a:r>
-              <a:rPr lang="en-US" smtClean="0"/>
+              <a:rPr lang="en-US"/>
               <a:t>Click to edit Master text styles</a:t>
             </a:r>
           </a:p>
           <a:p>
             <a:pPr lvl="1"/>
             <a:r>
-              <a:rPr lang="en-US" smtClean="0"/>
+              <a:rPr lang="en-US"/>
               <a:t>Second level</a:t>
             </a:r>
           </a:p>
           <a:p>
             <a:pPr lvl="2"/>
             <a:r>
-              <a:rPr lang="en-US" smtClean="0"/>
+              <a:rPr lang="en-US"/>
               <a:t>Third level</a:t>
             </a:r>
           </a:p>
           <a:p>
             <a:pPr lvl="3"/>
             <a:r>
-              <a:rPr lang="en-US" smtClean="0"/>
+              <a:rPr lang="en-US"/>
               <a:t>Fourth level</a:t>
             </a:r>
           </a:p>
           <a:p>
             <a:pPr lvl="4"/>
             <a:r>
-              <a:rPr lang="en-US" smtClean="0"/>
+              <a:rPr lang="en-US"/>
               <a:t>Fifth level</a:t>
             </a:r>
             <a:endParaRPr lang="en-US" dirty="0"/>
@@ -1905,7 +1904,7 @@
           <a:p>
             <a:pPr lvl="0"/>
             <a:r>
-              <a:rPr lang="en-US" smtClean="0"/>
+              <a:rPr lang="en-US"/>
               <a:t>Click to edit Master text styles</a:t>
             </a:r>
           </a:p>
@@ -1933,35 +1932,35 @@
           <a:p>
             <a:pPr lvl="0"/>
             <a:r>
-              <a:rPr lang="en-US" smtClean="0"/>
+              <a:rPr lang="en-US"/>
               <a:t>Click to edit Master text styles</a:t>
             </a:r>
           </a:p>
           <a:p>
             <a:pPr lvl="1"/>
             <a:r>
-              <a:rPr lang="en-US" smtClean="0"/>
+              <a:rPr lang="en-US"/>
               <a:t>Second level</a:t>
             </a:r>
           </a:p>
           <a:p>
             <a:pPr lvl="2"/>
             <a:r>
-              <a:rPr lang="en-US" smtClean="0"/>
+              <a:rPr lang="en-US"/>
               <a:t>Third level</a:t>
             </a:r>
           </a:p>
           <a:p>
             <a:pPr lvl="3"/>
             <a:r>
-              <a:rPr lang="en-US" smtClean="0"/>
+              <a:rPr lang="en-US"/>
               <a:t>Fourth level</a:t>
             </a:r>
           </a:p>
           <a:p>
             <a:pPr lvl="4"/>
             <a:r>
-              <a:rPr lang="en-US" smtClean="0"/>
+              <a:rPr lang="en-US"/>
               <a:t>Fifth level</a:t>
             </a:r>
             <a:endParaRPr lang="en-US" dirty="0"/>
@@ -1985,7 +1984,7 @@
           <a:p>
             <a:fld id="{456B5467-EA77-4FF9-8BC4-2EA8FCAB53DA}" type="datetimeFigureOut">
               <a:rPr lang="en-US" smtClean="0"/>
-              <a:t>10/21/2019</a:t>
+              <a:t>1/22/2020</a:t>
             </a:fld>
             <a:endParaRPr lang="en-US" dirty="0"/>
           </a:p>
@@ -2079,7 +2078,7 @@
           <a:lstStyle/>
           <a:p>
             <a:r>
-              <a:rPr lang="en-US" smtClean="0"/>
+              <a:rPr lang="en-US"/>
               <a:t>Click to edit Master title style</a:t>
             </a:r>
             <a:endParaRPr lang="en-US" dirty="0"/>
@@ -2103,7 +2102,7 @@
           <a:p>
             <a:fld id="{456B5467-EA77-4FF9-8BC4-2EA8FCAB53DA}" type="datetimeFigureOut">
               <a:rPr lang="en-US" smtClean="0"/>
-              <a:t>10/21/2019</a:t>
+              <a:t>1/22/2020</a:t>
             </a:fld>
             <a:endParaRPr lang="en-US" dirty="0"/>
           </a:p>
@@ -2198,7 +2197,7 @@
           <a:p>
             <a:fld id="{456B5467-EA77-4FF9-8BC4-2EA8FCAB53DA}" type="datetimeFigureOut">
               <a:rPr lang="en-US" smtClean="0"/>
-              <a:t>10/21/2019</a:t>
+              <a:t>1/22/2020</a:t>
             </a:fld>
             <a:endParaRPr lang="en-US" dirty="0"/>
           </a:p>
@@ -2301,7 +2300,7 @@
           </a:lstStyle>
           <a:p>
             <a:r>
-              <a:rPr lang="en-US" smtClean="0"/>
+              <a:rPr lang="en-US"/>
               <a:t>Click to edit Master title style</a:t>
             </a:r>
             <a:endParaRPr lang="en-US" dirty="0"/>
@@ -2358,35 +2357,35 @@
           <a:p>
             <a:pPr lvl="0"/>
             <a:r>
-              <a:rPr lang="en-US" smtClean="0"/>
+              <a:rPr lang="en-US"/>
               <a:t>Click to edit Master text styles</a:t>
             </a:r>
           </a:p>
           <a:p>
             <a:pPr lvl="1"/>
             <a:r>
-              <a:rPr lang="en-US" smtClean="0"/>
+              <a:rPr lang="en-US"/>
               <a:t>Second level</a:t>
             </a:r>
           </a:p>
           <a:p>
             <a:pPr lvl="2"/>
             <a:r>
-              <a:rPr lang="en-US" smtClean="0"/>
+              <a:rPr lang="en-US"/>
               <a:t>Third level</a:t>
             </a:r>
           </a:p>
           <a:p>
             <a:pPr lvl="3"/>
             <a:r>
-              <a:rPr lang="en-US" smtClean="0"/>
+              <a:rPr lang="en-US"/>
               <a:t>Fourth level</a:t>
             </a:r>
           </a:p>
           <a:p>
             <a:pPr lvl="4"/>
             <a:r>
-              <a:rPr lang="en-US" smtClean="0"/>
+              <a:rPr lang="en-US"/>
               <a:t>Fifth level</a:t>
             </a:r>
             <a:endParaRPr lang="en-US" dirty="0"/>
@@ -2452,7 +2451,7 @@
           <a:p>
             <a:pPr lvl="0"/>
             <a:r>
-              <a:rPr lang="en-US" smtClean="0"/>
+              <a:rPr lang="en-US"/>
               <a:t>Click to edit Master text styles</a:t>
             </a:r>
           </a:p>
@@ -2475,7 +2474,7 @@
           <a:p>
             <a:fld id="{456B5467-EA77-4FF9-8BC4-2EA8FCAB53DA}" type="datetimeFigureOut">
               <a:rPr lang="en-US" smtClean="0"/>
-              <a:t>10/21/2019</a:t>
+              <a:t>1/22/2020</a:t>
             </a:fld>
             <a:endParaRPr lang="en-US" dirty="0"/>
           </a:p>
@@ -2578,7 +2577,7 @@
           </a:lstStyle>
           <a:p>
             <a:r>
-              <a:rPr lang="en-US" smtClean="0"/>
+              <a:rPr lang="en-US"/>
               <a:t>Click to edit Master title style</a:t>
             </a:r>
             <a:endParaRPr lang="en-US" dirty="0"/>
@@ -2643,10 +2642,9 @@
           </a:lstStyle>
           <a:p>
             <a:r>
-              <a:rPr lang="en-US" dirty="0" smtClean="0"/>
+              <a:rPr lang="en-US" dirty="0"/>
               <a:t>Click icon to add picture</a:t>
             </a:r>
-            <a:endParaRPr lang="en-US" dirty="0"/>
           </a:p>
         </p:txBody>
       </p:sp>
@@ -2709,7 +2707,7 @@
           <a:p>
             <a:pPr lvl="0"/>
             <a:r>
-              <a:rPr lang="en-US" smtClean="0"/>
+              <a:rPr lang="en-US"/>
               <a:t>Click to edit Master text styles</a:t>
             </a:r>
           </a:p>
@@ -2732,7 +2730,7 @@
           <a:p>
             <a:fld id="{456B5467-EA77-4FF9-8BC4-2EA8FCAB53DA}" type="datetimeFigureOut">
               <a:rPr lang="en-US" smtClean="0"/>
-              <a:t>10/21/2019</a:t>
+              <a:t>1/22/2020</a:t>
             </a:fld>
             <a:endParaRPr lang="en-US" dirty="0"/>
           </a:p>
@@ -2841,7 +2839,7 @@
           <a:lstStyle/>
           <a:p>
             <a:r>
-              <a:rPr lang="en-US" smtClean="0"/>
+              <a:rPr lang="en-US"/>
               <a:t>Click to edit Master title style</a:t>
             </a:r>
             <a:endParaRPr lang="en-US" dirty="0"/>
@@ -2875,35 +2873,35 @@
           <a:p>
             <a:pPr lvl="0"/>
             <a:r>
-              <a:rPr lang="en-US" smtClean="0"/>
+              <a:rPr lang="en-US"/>
               <a:t>Click to edit Master text styles</a:t>
             </a:r>
           </a:p>
           <a:p>
             <a:pPr lvl="1"/>
             <a:r>
-              <a:rPr lang="en-US" smtClean="0"/>
+              <a:rPr lang="en-US"/>
               <a:t>Second level</a:t>
             </a:r>
           </a:p>
           <a:p>
             <a:pPr lvl="2"/>
             <a:r>
-              <a:rPr lang="en-US" smtClean="0"/>
+              <a:rPr lang="en-US"/>
               <a:t>Third level</a:t>
             </a:r>
           </a:p>
           <a:p>
             <a:pPr lvl="3"/>
             <a:r>
-              <a:rPr lang="en-US" smtClean="0"/>
+              <a:rPr lang="en-US"/>
               <a:t>Fourth level</a:t>
             </a:r>
           </a:p>
           <a:p>
             <a:pPr lvl="4"/>
             <a:r>
-              <a:rPr lang="en-US" smtClean="0"/>
+              <a:rPr lang="en-US"/>
               <a:t>Fifth level</a:t>
             </a:r>
             <a:endParaRPr lang="en-US" dirty="0"/>
@@ -2945,7 +2943,7 @@
           <a:p>
             <a:fld id="{456B5467-EA77-4FF9-8BC4-2EA8FCAB53DA}" type="datetimeFigureOut">
               <a:rPr lang="en-US" smtClean="0"/>
-              <a:t>10/21/2019</a:t>
+              <a:t>1/22/2020</a:t>
             </a:fld>
             <a:endParaRPr lang="en-US" dirty="0"/>
           </a:p>
@@ -3366,10 +3364,9 @@
           <a:lstStyle/>
           <a:p>
             <a:r>
-              <a:rPr lang="en-US" dirty="0" smtClean="0"/>
+              <a:rPr lang="en-US" dirty="0"/>
               <a:t>Introduction to Python</a:t>
             </a:r>
-            <a:endParaRPr lang="en-US" dirty="0"/>
           </a:p>
         </p:txBody>
       </p:sp>
@@ -3391,28 +3388,27 @@
           <a:lstStyle/>
           <a:p>
             <a:r>
-              <a:rPr lang="en-US" dirty="0" smtClean="0"/>
-              <a:t>October 21, 2019</a:t>
-            </a:r>
-          </a:p>
-          <a:p>
-            <a:r>
-              <a:rPr lang="en-US" dirty="0" smtClean="0"/>
+              <a:rPr lang="en-US" dirty="0"/>
+              <a:t>January 27, 2020</a:t>
+            </a:r>
+          </a:p>
+          <a:p>
+            <a:r>
+              <a:rPr lang="en-US" dirty="0"/>
               <a:t>Mike Babb, Ph.C.</a:t>
             </a:r>
           </a:p>
           <a:p>
             <a:r>
-              <a:rPr lang="en-US" dirty="0" smtClean="0"/>
+              <a:rPr lang="en-US" dirty="0"/>
               <a:t>Center for Social Science Computation and Research</a:t>
             </a:r>
           </a:p>
           <a:p>
             <a:r>
-              <a:rPr lang="en-US" dirty="0" smtClean="0"/>
+              <a:rPr lang="en-US" dirty="0"/>
               <a:t>Department of Geography, UW</a:t>
             </a:r>
-            <a:endParaRPr lang="en-US" dirty="0"/>
           </a:p>
         </p:txBody>
       </p:sp>
@@ -3456,13 +3452,6 @@
   <p:clrMapOvr>
     <a:masterClrMapping/>
   </p:clrMapOvr>
-  <p:timing>
-    <p:tnLst>
-      <p:par>
-        <p:cTn id="1" dur="indefinite" restart="never" nodeType="tmRoot"/>
-      </p:par>
-    </p:tnLst>
-  </p:timing>
 </p:sld>
 </file>
 
@@ -3499,10 +3488,9 @@
           <a:lstStyle/>
           <a:p>
             <a:r>
-              <a:rPr lang="en-US" dirty="0" smtClean="0"/>
+              <a:rPr lang="en-US" dirty="0"/>
               <a:t>Finally… Python or R?</a:t>
             </a:r>
-            <a:endParaRPr lang="en-US" dirty="0"/>
           </a:p>
         </p:txBody>
       </p:sp>
@@ -3532,7 +3520,7 @@
               <a:buNone/>
             </a:pPr>
             <a:r>
-              <a:rPr lang="en-US" sz="8000" dirty="0" smtClean="0"/>
+              <a:rPr lang="en-US" sz="8000" dirty="0"/>
               <a:t>Both</a:t>
             </a:r>
           </a:p>
@@ -3540,10 +3528,10 @@
             <a:pPr marL="0" indent="0">
               <a:buNone/>
             </a:pPr>
-            <a:endParaRPr lang="en-US" sz="8000" dirty="0" smtClean="0"/>
-          </a:p>
-          <a:p>
-            <a:endParaRPr lang="en-US" sz="8000" dirty="0" smtClean="0"/>
+            <a:endParaRPr lang="en-US" sz="8000" dirty="0"/>
+          </a:p>
+          <a:p>
+            <a:endParaRPr lang="en-US" sz="8000" dirty="0"/>
           </a:p>
         </p:txBody>
       </p:sp>
@@ -3749,10 +3737,9 @@
           <a:lstStyle/>
           <a:p>
             <a:r>
-              <a:rPr lang="en-US" dirty="0" smtClean="0"/>
+              <a:rPr lang="en-US" dirty="0"/>
               <a:t>Python in… Visual studio Code</a:t>
             </a:r>
-            <a:endParaRPr lang="en-US" dirty="0"/>
           </a:p>
         </p:txBody>
       </p:sp>
@@ -3820,13 +3807,6 @@
   <p:clrMapOvr>
     <a:masterClrMapping/>
   </p:clrMapOvr>
-  <p:timing>
-    <p:tnLst>
-      <p:par>
-        <p:cTn id="1" dur="indefinite" restart="never" nodeType="tmRoot"/>
-      </p:par>
-    </p:tnLst>
-  </p:timing>
 </p:sld>
 </file>
 
@@ -3863,10 +3843,9 @@
           <a:lstStyle/>
           <a:p>
             <a:r>
-              <a:rPr lang="en-US" dirty="0" smtClean="0"/>
+              <a:rPr lang="en-US" dirty="0"/>
               <a:t>Python in… PyCharm</a:t>
             </a:r>
-            <a:endParaRPr lang="en-US" dirty="0"/>
           </a:p>
         </p:txBody>
       </p:sp>
@@ -3934,13 +3913,6 @@
   <p:clrMapOvr>
     <a:masterClrMapping/>
   </p:clrMapOvr>
-  <p:timing>
-    <p:tnLst>
-      <p:par>
-        <p:cTn id="1" dur="indefinite" restart="never" nodeType="tmRoot"/>
-      </p:par>
-    </p:tnLst>
-  </p:timing>
 </p:sld>
 </file>
 
@@ -3977,10 +3949,9 @@
           <a:lstStyle/>
           <a:p>
             <a:r>
-              <a:rPr lang="en-US" dirty="0" smtClean="0"/>
+              <a:rPr lang="en-US" dirty="0"/>
               <a:t>Additional information on sex ratios</a:t>
             </a:r>
-            <a:endParaRPr lang="en-US" dirty="0"/>
           </a:p>
         </p:txBody>
       </p:sp>
@@ -4003,45 +3974,27 @@
               <a:rPr lang="en-US" dirty="0">
                 <a:hlinkClick r:id="rId2"/>
               </a:rPr>
-              <a:t>https://</a:t>
-            </a:r>
-            <a:r>
-              <a:rPr lang="en-US" dirty="0" smtClean="0">
-                <a:hlinkClick r:id="rId2"/>
-              </a:rPr>
-              <a:t>www.pnas.org/content/112/16/E2102</a:t>
-            </a:r>
-            <a:endParaRPr lang="en-US" dirty="0" smtClean="0"/>
+              <a:t>https://www.pnas.org/content/112/16/E2102</a:t>
+            </a:r>
+            <a:endParaRPr lang="en-US" dirty="0"/>
           </a:p>
           <a:p>
             <a:r>
               <a:rPr lang="en-US" dirty="0">
                 <a:hlinkClick r:id="rId3"/>
               </a:rPr>
-              <a:t>https://www.populationpyramid.net/united-states-of-america/2017</a:t>
-            </a:r>
-            <a:r>
-              <a:rPr lang="en-US" dirty="0" smtClean="0">
-                <a:hlinkClick r:id="rId3"/>
-              </a:rPr>
-              <a:t>/</a:t>
-            </a:r>
-            <a:endParaRPr lang="en-US" dirty="0" smtClean="0"/>
+              <a:t>https://www.populationpyramid.net/united-states-of-america/2017/</a:t>
+            </a:r>
+            <a:endParaRPr lang="en-US" dirty="0"/>
           </a:p>
           <a:p>
             <a:r>
               <a:rPr lang="en-US" dirty="0">
                 <a:hlinkClick r:id="rId4"/>
               </a:rPr>
-              <a:t>http://</a:t>
-            </a:r>
-            <a:r>
-              <a:rPr lang="en-US" dirty="0" smtClean="0">
-                <a:hlinkClick r:id="rId4"/>
-              </a:rPr>
-              <a:t>science.sciencemag.org/content/297/5589/2008</a:t>
-            </a:r>
-            <a:endParaRPr lang="en-US" dirty="0" smtClean="0"/>
+              <a:t>http://science.sciencemag.org/content/297/5589/2008</a:t>
+            </a:r>
+            <a:endParaRPr lang="en-US" dirty="0"/>
           </a:p>
           <a:p>
             <a:endParaRPr lang="en-US" dirty="0"/>
@@ -4058,13 +4011,6 @@
   <p:clrMapOvr>
     <a:masterClrMapping/>
   </p:clrMapOvr>
-  <p:timing>
-    <p:tnLst>
-      <p:par>
-        <p:cTn id="1" dur="indefinite" restart="never" nodeType="tmRoot"/>
-      </p:par>
-    </p:tnLst>
-  </p:timing>
 </p:sld>
 </file>
 
@@ -4101,10 +4047,9 @@
           <a:lstStyle/>
           <a:p>
             <a:r>
-              <a:rPr lang="en-US" dirty="0" smtClean="0"/>
+              <a:rPr lang="en-US" dirty="0"/>
               <a:t>Data Sources</a:t>
             </a:r>
-            <a:endParaRPr lang="en-US" dirty="0"/>
           </a:p>
         </p:txBody>
       </p:sp>
@@ -4124,7 +4069,7 @@
           <a:lstStyle/>
           <a:p>
             <a:r>
-              <a:rPr lang="en-US" dirty="0" smtClean="0"/>
+              <a:rPr lang="en-US" dirty="0"/>
               <a:t>American Fact Finder</a:t>
             </a:r>
           </a:p>
@@ -4134,19 +4079,13 @@
               <a:rPr lang="en-US" dirty="0">
                 <a:hlinkClick r:id="rId2"/>
               </a:rPr>
-              <a:t>https://</a:t>
-            </a:r>
-            <a:r>
-              <a:rPr lang="en-US" dirty="0" smtClean="0">
-                <a:hlinkClick r:id="rId2"/>
-              </a:rPr>
-              <a:t>factfinder.census.gov/faces/nav/jsf/pages/index.xhtml</a:t>
-            </a:r>
-            <a:endParaRPr lang="en-US" dirty="0" smtClean="0"/>
-          </a:p>
-          <a:p>
-            <a:r>
-              <a:rPr lang="en-US" dirty="0" smtClean="0"/>
+              <a:t>https://factfinder.census.gov/faces/nav/jsf/pages/index.xhtml</a:t>
+            </a:r>
+            <a:endParaRPr lang="en-US" dirty="0"/>
+          </a:p>
+          <a:p>
+            <a:r>
+              <a:rPr lang="en-US" dirty="0"/>
               <a:t>Place geography</a:t>
             </a:r>
           </a:p>
@@ -4156,15 +4095,9 @@
               <a:rPr lang="en-US" dirty="0">
                 <a:hlinkClick r:id="rId3"/>
               </a:rPr>
-              <a:t>https://</a:t>
-            </a:r>
-            <a:r>
-              <a:rPr lang="en-US" dirty="0" smtClean="0">
-                <a:hlinkClick r:id="rId3"/>
-              </a:rPr>
-              <a:t>www.census.gov/geo/maps-data/data/tiger.html</a:t>
-            </a:r>
-            <a:endParaRPr lang="en-US" dirty="0" smtClean="0"/>
+              <a:t>https://www.census.gov/geo/maps-data/data/tiger.html</a:t>
+            </a:r>
+            <a:endParaRPr lang="en-US" dirty="0"/>
           </a:p>
           <a:p>
             <a:endParaRPr lang="en-US" dirty="0"/>
@@ -4181,13 +4114,6 @@
   <p:clrMapOvr>
     <a:masterClrMapping/>
   </p:clrMapOvr>
-  <p:timing>
-    <p:tnLst>
-      <p:par>
-        <p:cTn id="1" dur="indefinite" restart="never" nodeType="tmRoot"/>
-      </p:par>
-    </p:tnLst>
-  </p:timing>
 </p:sld>
 </file>
 
@@ -4226,10 +4152,9 @@
           <a:lstStyle/>
           <a:p>
             <a:r>
-              <a:rPr lang="en-US" sz="4000" dirty="0" smtClean="0"/>
+              <a:rPr lang="en-US" sz="4000" dirty="0"/>
               <a:t>Location of this tutorial and  workshop material</a:t>
             </a:r>
-            <a:endParaRPr lang="en-US" sz="4000" dirty="0"/>
           </a:p>
         </p:txBody>
       </p:sp>
@@ -4257,11 +4182,7 @@
           <a:p>
             <a:r>
               <a:rPr lang="en-US" sz="4000" dirty="0"/>
-              <a:t>https://</a:t>
-            </a:r>
-            <a:r>
-              <a:rPr lang="en-US" sz="4000" dirty="0" smtClean="0"/>
-              <a:t>github.com/mike-babb/intro_to_python</a:t>
+              <a:t>https://github.com/mike-babb/intro_to_python</a:t>
             </a:r>
           </a:p>
           <a:p>
@@ -4279,13 +4200,6 @@
   <p:clrMapOvr>
     <a:masterClrMapping/>
   </p:clrMapOvr>
-  <p:timing>
-    <p:tnLst>
-      <p:par>
-        <p:cTn id="1" dur="indefinite" restart="never" nodeType="tmRoot"/>
-      </p:par>
-    </p:tnLst>
-  </p:timing>
 </p:sld>
 </file>
 
@@ -4322,10 +4236,9 @@
           <a:lstStyle/>
           <a:p>
             <a:r>
-              <a:rPr lang="en-US" dirty="0" smtClean="0"/>
+              <a:rPr lang="en-US" dirty="0"/>
               <a:t>Why python?</a:t>
             </a:r>
-            <a:endParaRPr lang="en-US" dirty="0"/>
           </a:p>
         </p:txBody>
       </p:sp>
@@ -4351,28 +4264,16 @@
               <a:buChar char="•"/>
             </a:pPr>
             <a:r>
-              <a:rPr lang="en-US" dirty="0" smtClean="0"/>
+              <a:rPr lang="en-US" dirty="0"/>
               <a:t>It’s easy to jump in: </a:t>
-            </a:r>
-            <a:r>
-              <a:rPr lang="en-US" dirty="0" smtClean="0">
-                <a:hlinkClick r:id="rId2"/>
-              </a:rPr>
-              <a:t>https</a:t>
             </a:r>
             <a:r>
               <a:rPr lang="en-US" dirty="0">
                 <a:hlinkClick r:id="rId2"/>
               </a:rPr>
-              <a:t>://www.python.org/about/gettingstarted</a:t>
-            </a:r>
-            <a:r>
-              <a:rPr lang="en-US" dirty="0" smtClean="0">
-                <a:hlinkClick r:id="rId2"/>
-              </a:rPr>
-              <a:t>/</a:t>
-            </a:r>
-            <a:endParaRPr lang="en-US" dirty="0" smtClean="0"/>
+              <a:t>https://www.python.org/about/gettingstarted/</a:t>
+            </a:r>
+            <a:endParaRPr lang="en-US" dirty="0"/>
           </a:p>
           <a:p>
             <a:pPr>
@@ -4380,7 +4281,7 @@
               <a:buChar char="•"/>
             </a:pPr>
             <a:r>
-              <a:rPr lang="en-US" dirty="0" smtClean="0"/>
+              <a:rPr lang="en-US" dirty="0"/>
               <a:t>It’s cross-platform: Windows, Mac, Linux</a:t>
             </a:r>
           </a:p>
@@ -4390,71 +4291,35 @@
               <a:buChar char="•"/>
             </a:pPr>
             <a:r>
-              <a:rPr lang="en-US" dirty="0" smtClean="0"/>
+              <a:rPr lang="en-US" dirty="0"/>
               <a:t>It was designed to be simple and readable: </a:t>
-            </a:r>
-            <a:r>
-              <a:rPr lang="en-US" dirty="0" smtClean="0">
-                <a:hlinkClick r:id="rId3"/>
-              </a:rPr>
-              <a:t>https</a:t>
             </a:r>
             <a:r>
               <a:rPr lang="en-US" dirty="0">
                 <a:hlinkClick r:id="rId3"/>
               </a:rPr>
-              <a:t>://xkcd.com/353</a:t>
-            </a:r>
-            <a:r>
-              <a:rPr lang="en-US" dirty="0" smtClean="0">
-                <a:hlinkClick r:id="rId3"/>
-              </a:rPr>
-              <a:t>/</a:t>
-            </a:r>
-            <a:endParaRPr lang="en-US" dirty="0" smtClean="0"/>
+              <a:t>https://xkcd.com/353/</a:t>
+            </a:r>
+            <a:endParaRPr lang="en-US" dirty="0"/>
           </a:p>
           <a:p>
             <a:r>
               <a:rPr lang="en-US" dirty="0"/>
-              <a:t>It’s </a:t>
-            </a:r>
-            <a:r>
-              <a:rPr lang="en-US" dirty="0" smtClean="0"/>
-              <a:t>free</a:t>
-            </a:r>
+              <a:t>It’s free and open source</a:t>
+            </a:r>
+          </a:p>
+          <a:p>
             <a:r>
               <a:rPr lang="en-US" dirty="0"/>
-              <a:t> </a:t>
-            </a:r>
-            <a:r>
-              <a:rPr lang="en-US" dirty="0" smtClean="0"/>
-              <a:t>and open source</a:t>
-            </a:r>
-          </a:p>
-          <a:p>
-            <a:r>
-              <a:rPr lang="en-US" dirty="0" smtClean="0"/>
               <a:t>It’s popular: </a:t>
-            </a:r>
-            <a:r>
-              <a:rPr lang="en-US" dirty="0" smtClean="0">
-                <a:hlinkClick r:id="rId4"/>
-              </a:rPr>
-              <a:t>https</a:t>
             </a:r>
             <a:r>
               <a:rPr lang="en-US" dirty="0">
                 <a:hlinkClick r:id="rId4"/>
               </a:rPr>
-              <a:t>://www.tiobe.com/tiobe-index/python</a:t>
-            </a:r>
-            <a:r>
-              <a:rPr lang="en-US" dirty="0" smtClean="0">
-                <a:hlinkClick r:id="rId4"/>
-              </a:rPr>
-              <a:t>/</a:t>
-            </a:r>
-            <a:endParaRPr lang="en-US" dirty="0" smtClean="0"/>
+              <a:t>https://www.tiobe.com/tiobe-index/python/</a:t>
+            </a:r>
+            <a:endParaRPr lang="en-US" dirty="0"/>
           </a:p>
           <a:p>
             <a:pPr>
@@ -4462,7 +4327,7 @@
               <a:buChar char="•"/>
             </a:pPr>
             <a:r>
-              <a:rPr lang="en-US" dirty="0" smtClean="0"/>
+              <a:rPr lang="en-US" dirty="0"/>
               <a:t>It’s prolific: used in many industries for many jobs. Finance, real estate tech, server administration, health care research, non-profit administration</a:t>
             </a:r>
           </a:p>
@@ -4472,7 +4337,7 @@
               <a:buChar char="•"/>
             </a:pPr>
             <a:r>
-              <a:rPr lang="en-US" dirty="0" smtClean="0"/>
+              <a:rPr lang="en-US" dirty="0"/>
               <a:t>And departments across campus: sociology, economics, civil engineering, astronomy (and geography!)</a:t>
             </a:r>
           </a:p>
@@ -4482,7 +4347,7 @@
               <a:buChar char="•"/>
             </a:pPr>
             <a:r>
-              <a:rPr lang="en-US" dirty="0" smtClean="0"/>
+              <a:rPr lang="en-US" dirty="0"/>
               <a:t>Many libraries that do pretty much what you want with just a few commands</a:t>
             </a:r>
           </a:p>
@@ -4505,13 +4370,6 @@
   <p:clrMapOvr>
     <a:masterClrMapping/>
   </p:clrMapOvr>
-  <p:timing>
-    <p:tnLst>
-      <p:par>
-        <p:cTn id="1" dur="indefinite" restart="never" nodeType="tmRoot"/>
-      </p:par>
-    </p:tnLst>
-  </p:timing>
 </p:sld>
 </file>
 
@@ -4548,10 +4406,9 @@
           <a:lstStyle/>
           <a:p>
             <a:r>
-              <a:rPr lang="en-US" dirty="0" smtClean="0"/>
+              <a:rPr lang="en-US" dirty="0"/>
               <a:t>About Python</a:t>
             </a:r>
-            <a:endParaRPr lang="en-US" dirty="0"/>
           </a:p>
         </p:txBody>
       </p:sp>
@@ -4571,82 +4428,56 @@
           <a:lstStyle/>
           <a:p>
             <a:r>
-              <a:rPr lang="en-US" dirty="0" smtClean="0"/>
-              <a:t>Developed by Guido van Rossum in the early 90s. Current versions</a:t>
-            </a:r>
-            <a:r>
               <a:rPr lang="en-US" dirty="0"/>
-              <a:t>: Python </a:t>
-            </a:r>
-            <a:r>
-              <a:rPr lang="en-US" dirty="0" smtClean="0"/>
-              <a:t>3.7.2 </a:t>
-            </a:r>
+              <a:t>Developed by Guido van Rossum in the early 90s. Current versions: Python 3.7.2 and Python 2.7.15</a:t>
+            </a:r>
+          </a:p>
+          <a:p>
             <a:r>
               <a:rPr lang="en-US" dirty="0"/>
-              <a:t>and Python </a:t>
-            </a:r>
-            <a:r>
-              <a:rPr lang="en-US" dirty="0" smtClean="0"/>
-              <a:t>2.7.15</a:t>
-            </a:r>
-          </a:p>
-          <a:p>
-            <a:r>
-              <a:rPr lang="en-US" dirty="0" smtClean="0"/>
               <a:t>Python 3.7 is van Rossum’s (and the larger community’s) attempt at fixing some core issues with python 2.x</a:t>
             </a:r>
           </a:p>
           <a:p>
             <a:pPr lvl="1"/>
             <a:r>
-              <a:rPr lang="en-US" dirty="0" smtClean="0"/>
+              <a:rPr lang="en-US" dirty="0"/>
               <a:t>Integer division returns floats (5 / 2 = 2.5 instead of 5/2 = 2)</a:t>
             </a:r>
           </a:p>
           <a:p>
             <a:pPr lvl="1"/>
             <a:r>
-              <a:rPr lang="en-US" dirty="0" smtClean="0"/>
+              <a:rPr lang="en-US" dirty="0"/>
               <a:t>Better handling of strings</a:t>
             </a:r>
           </a:p>
           <a:p>
             <a:pPr lvl="1"/>
             <a:r>
-              <a:rPr lang="en-US" dirty="0" smtClean="0"/>
+              <a:rPr lang="en-US" dirty="0"/>
               <a:t>Better memory management in some cases</a:t>
             </a:r>
           </a:p>
           <a:p>
             <a:pPr lvl="1"/>
             <a:r>
-              <a:rPr lang="en-US" dirty="0" smtClean="0"/>
-              <a:t>It’s </a:t>
-            </a:r>
-            <a:r>
               <a:rPr lang="en-US" dirty="0"/>
-              <a:t>a bit faster in general: </a:t>
+              <a:t>It’s a bit faster in general: </a:t>
             </a:r>
             <a:r>
               <a:rPr lang="en-US" dirty="0">
                 <a:hlinkClick r:id="rId2"/>
               </a:rPr>
-              <a:t>https://</a:t>
-            </a:r>
-            <a:r>
-              <a:rPr lang="en-US" dirty="0" smtClean="0">
-                <a:hlinkClick r:id="rId2"/>
-              </a:rPr>
-              <a:t>hackernoon.com/which-is-the-fastest-version-of-python-2ae7c61a6b2b</a:t>
-            </a:r>
-            <a:endParaRPr lang="en-US" dirty="0" smtClean="0"/>
+              <a:t>https://hackernoon.com/which-is-the-fastest-version-of-python-2ae7c61a6b2b</a:t>
+            </a:r>
+            <a:endParaRPr lang="en-US" dirty="0"/>
           </a:p>
           <a:p>
             <a:pPr marL="457200" lvl="1" indent="0">
               <a:buNone/>
             </a:pPr>
-            <a:endParaRPr lang="en-US" dirty="0" smtClean="0"/>
+            <a:endParaRPr lang="en-US" dirty="0"/>
           </a:p>
         </p:txBody>
       </p:sp>
@@ -4660,13 +4491,6 @@
   <p:clrMapOvr>
     <a:masterClrMapping/>
   </p:clrMapOvr>
-  <p:timing>
-    <p:tnLst>
-      <p:par>
-        <p:cTn id="1" dur="indefinite" restart="never" nodeType="tmRoot"/>
-      </p:par>
-    </p:tnLst>
-  </p:timing>
 </p:sld>
 </file>
 
@@ -4703,10 +4527,9 @@
           <a:lstStyle/>
           <a:p>
             <a:r>
-              <a:rPr lang="en-US" dirty="0" smtClean="0"/>
+              <a:rPr lang="en-US" dirty="0"/>
               <a:t>Pandas – Python Data Analysis Library</a:t>
             </a:r>
-            <a:endParaRPr lang="en-US" dirty="0"/>
           </a:p>
         </p:txBody>
       </p:sp>
@@ -4759,19 +4582,12 @@
               <a:rPr lang="en-US" dirty="0">
                 <a:hlinkClick r:id="rId3"/>
               </a:rPr>
-              <a:t>https://pandas.pydata.org</a:t>
-            </a:r>
-            <a:r>
-              <a:rPr lang="en-US" dirty="0" smtClean="0">
-                <a:hlinkClick r:id="rId3"/>
-              </a:rPr>
-              <a:t>/</a:t>
-            </a:r>
-            <a:r>
-              <a:rPr lang="en-US" dirty="0" smtClean="0"/>
+              <a:t>https://pandas.pydata.org/</a:t>
+            </a:r>
+            <a:r>
+              <a:rPr lang="en-US" dirty="0"/>
               <a:t> </a:t>
             </a:r>
-            <a:endParaRPr lang="en-US" dirty="0"/>
           </a:p>
         </p:txBody>
       </p:sp>
@@ -4785,13 +4601,6 @@
   <p:clrMapOvr>
     <a:masterClrMapping/>
   </p:clrMapOvr>
-  <p:timing>
-    <p:tnLst>
-      <p:par>
-        <p:cTn id="1" dur="indefinite" restart="never" nodeType="tmRoot"/>
-      </p:par>
-    </p:tnLst>
-  </p:timing>
 </p:sld>
 </file>
 
@@ -4828,10 +4637,9 @@
           <a:lstStyle/>
           <a:p>
             <a:r>
-              <a:rPr lang="en-US" dirty="0" smtClean="0"/>
+              <a:rPr lang="en-US" dirty="0"/>
               <a:t>Anaconda and the Jupyter Notebook</a:t>
             </a:r>
-            <a:endParaRPr lang="en-US" dirty="0"/>
           </a:p>
         </p:txBody>
       </p:sp>
@@ -4854,34 +4662,28 @@
               <a:rPr lang="en-US" dirty="0">
                 <a:hlinkClick r:id="rId2"/>
               </a:rPr>
-              <a:t>https://www.anaconda.com</a:t>
-            </a:r>
-            <a:r>
-              <a:rPr lang="en-US" dirty="0" smtClean="0">
-                <a:hlinkClick r:id="rId2"/>
-              </a:rPr>
-              <a:t>/</a:t>
-            </a:r>
-            <a:r>
-              <a:rPr lang="en-US" dirty="0" smtClean="0"/>
+              <a:t>https://www.anaconda.com/</a:t>
+            </a:r>
+            <a:r>
+              <a:rPr lang="en-US" dirty="0"/>
               <a:t> </a:t>
             </a:r>
           </a:p>
           <a:p>
             <a:r>
-              <a:rPr lang="en-US" dirty="0" smtClean="0"/>
+              <a:rPr lang="en-US" dirty="0"/>
               <a:t>Available for Mac, Linux, and Windows</a:t>
             </a:r>
           </a:p>
           <a:p>
             <a:r>
-              <a:rPr lang="en-US" dirty="0" smtClean="0"/>
+              <a:rPr lang="en-US" dirty="0"/>
               <a:t>THE python data-science platform </a:t>
             </a:r>
           </a:p>
           <a:p>
             <a:r>
-              <a:rPr lang="en-US" dirty="0" smtClean="0"/>
+              <a:rPr lang="en-US" dirty="0"/>
               <a:t>Facilitates interactive python</a:t>
             </a:r>
           </a:p>
@@ -4891,7 +4693,7 @@
               <a:buChar char="•"/>
             </a:pPr>
             <a:r>
-              <a:rPr lang="en-US" dirty="0" smtClean="0"/>
+              <a:rPr lang="en-US" dirty="0"/>
               <a:t>Good for sharing and instruction</a:t>
             </a:r>
           </a:p>
@@ -4901,7 +4703,7 @@
               <a:buChar char="•"/>
             </a:pPr>
             <a:r>
-              <a:rPr lang="en-US" dirty="0" smtClean="0"/>
+              <a:rPr lang="en-US" dirty="0"/>
               <a:t>Easy to break code into manageable chunks</a:t>
             </a:r>
           </a:p>
@@ -4909,7 +4711,7 @@
             <a:pPr marL="0" indent="0">
               <a:buNone/>
             </a:pPr>
-            <a:endParaRPr lang="en-US" dirty="0" smtClean="0"/>
+            <a:endParaRPr lang="en-US" dirty="0"/>
           </a:p>
         </p:txBody>
       </p:sp>
@@ -4923,13 +4725,6 @@
   <p:clrMapOvr>
     <a:masterClrMapping/>
   </p:clrMapOvr>
-  <p:timing>
-    <p:tnLst>
-      <p:par>
-        <p:cTn id="1" dur="indefinite" restart="never" nodeType="tmRoot"/>
-      </p:par>
-    </p:tnLst>
-  </p:timing>
 </p:sld>
 </file>
 
@@ -4966,10 +4761,9 @@
           <a:lstStyle/>
           <a:p>
             <a:r>
-              <a:rPr lang="en-US" dirty="0" smtClean="0"/>
+              <a:rPr lang="en-US" dirty="0"/>
               <a:t>Jupyter Notebook Homepage</a:t>
             </a:r>
-            <a:endParaRPr lang="en-US" dirty="0"/>
           </a:p>
         </p:txBody>
       </p:sp>
@@ -5007,13 +4801,6 @@
   <p:clrMapOvr>
     <a:masterClrMapping/>
   </p:clrMapOvr>
-  <p:timing>
-    <p:tnLst>
-      <p:par>
-        <p:cTn id="1" dur="indefinite" restart="never" nodeType="tmRoot"/>
-      </p:par>
-    </p:tnLst>
-  </p:timing>
 </p:sld>
 </file>
 
@@ -5050,10 +4837,9 @@
           <a:lstStyle/>
           <a:p>
             <a:r>
-              <a:rPr lang="en-US" dirty="0" smtClean="0"/>
+              <a:rPr lang="en-US" dirty="0"/>
               <a:t>Jupyter Notebook Terminal</a:t>
             </a:r>
-            <a:endParaRPr lang="en-US" dirty="0"/>
           </a:p>
         </p:txBody>
       </p:sp>
@@ -5097,13 +4883,6 @@
   <p:clrMapOvr>
     <a:masterClrMapping/>
   </p:clrMapOvr>
-  <p:timing>
-    <p:tnLst>
-      <p:par>
-        <p:cTn id="1" dur="indefinite" restart="never" nodeType="tmRoot"/>
-      </p:par>
-    </p:tnLst>
-  </p:timing>
 </p:sld>
 </file>
 
@@ -5140,10 +4919,9 @@
           <a:lstStyle/>
           <a:p>
             <a:r>
-              <a:rPr lang="en-US" dirty="0" smtClean="0"/>
+              <a:rPr lang="en-US" dirty="0"/>
               <a:t>Activities</a:t>
             </a:r>
-            <a:endParaRPr lang="en-US" dirty="0"/>
           </a:p>
         </p:txBody>
       </p:sp>
@@ -5163,34 +4941,33 @@
           <a:lstStyle/>
           <a:p>
             <a:r>
-              <a:rPr lang="en-US" dirty="0" smtClean="0"/>
+              <a:rPr lang="en-US" dirty="0"/>
               <a:t>Examine basic python syntax</a:t>
             </a:r>
           </a:p>
           <a:p>
             <a:r>
-              <a:rPr lang="en-US" dirty="0" smtClean="0"/>
+              <a:rPr lang="en-US" dirty="0"/>
               <a:t>we will read in data pertaining to the age and sex of the population of Census Designated Places in Washington State during the 2013-2017 time period</a:t>
             </a:r>
           </a:p>
           <a:p>
             <a:r>
-              <a:rPr lang="en-US" dirty="0" smtClean="0"/>
+              <a:rPr lang="en-US" dirty="0"/>
               <a:t>Compute the all ages sex-ratio (number of males per 100 females)</a:t>
             </a:r>
           </a:p>
           <a:p>
             <a:r>
-              <a:rPr lang="en-US" dirty="0" smtClean="0"/>
+              <a:rPr lang="en-US" dirty="0"/>
               <a:t>Export the data to a .csv and an Excel workbook</a:t>
             </a:r>
           </a:p>
           <a:p>
             <a:r>
-              <a:rPr lang="en-US" dirty="0" smtClean="0"/>
+              <a:rPr lang="en-US" dirty="0"/>
               <a:t>Merge the sex-ratio data with a shapefile for mapping in a GIS</a:t>
             </a:r>
-            <a:endParaRPr lang="en-US" dirty="0"/>
           </a:p>
         </p:txBody>
       </p:sp>
@@ -5204,13 +4981,6 @@
   <p:clrMapOvr>
     <a:masterClrMapping/>
   </p:clrMapOvr>
-  <p:timing>
-    <p:tnLst>
-      <p:par>
-        <p:cTn id="1" dur="indefinite" restart="never" nodeType="tmRoot"/>
-      </p:par>
-    </p:tnLst>
-  </p:timing>
 </p:sld>
 </file>
 

--- a/Introduction to Python.pptx
+++ b/Introduction to Python.pptx
@@ -221,7 +221,7 @@
           <a:p>
             <a:fld id="{1625BD86-A277-4756-AFD6-158CB1C0F478}" type="datetimeFigureOut">
               <a:rPr lang="en-US" smtClean="0"/>
-              <a:t>1/22/2020</a:t>
+              <a:t>1/27/2020</a:t>
             </a:fld>
             <a:endParaRPr lang="en-US" dirty="0"/>
           </a:p>
@@ -619,7 +619,7 @@
           <a:p>
             <a:fld id="{456B5467-EA77-4FF9-8BC4-2EA8FCAB53DA}" type="datetimeFigureOut">
               <a:rPr lang="en-US" smtClean="0"/>
-              <a:t>1/22/2020</a:t>
+              <a:t>1/27/2020</a:t>
             </a:fld>
             <a:endParaRPr lang="en-US" dirty="0"/>
           </a:p>
@@ -789,7 +789,7 @@
           <a:p>
             <a:fld id="{456B5467-EA77-4FF9-8BC4-2EA8FCAB53DA}" type="datetimeFigureOut">
               <a:rPr lang="en-US" smtClean="0"/>
-              <a:t>1/22/2020</a:t>
+              <a:t>1/27/2020</a:t>
             </a:fld>
             <a:endParaRPr lang="en-US" dirty="0"/>
           </a:p>
@@ -969,7 +969,7 @@
           <a:p>
             <a:fld id="{456B5467-EA77-4FF9-8BC4-2EA8FCAB53DA}" type="datetimeFigureOut">
               <a:rPr lang="en-US" smtClean="0"/>
-              <a:t>1/22/2020</a:t>
+              <a:t>1/27/2020</a:t>
             </a:fld>
             <a:endParaRPr lang="en-US" dirty="0"/>
           </a:p>
@@ -1139,7 +1139,7 @@
           <a:p>
             <a:fld id="{456B5467-EA77-4FF9-8BC4-2EA8FCAB53DA}" type="datetimeFigureOut">
               <a:rPr lang="en-US" smtClean="0"/>
-              <a:t>1/22/2020</a:t>
+              <a:t>1/27/2020</a:t>
             </a:fld>
             <a:endParaRPr lang="en-US" dirty="0"/>
           </a:p>
@@ -1385,7 +1385,7 @@
           <a:p>
             <a:fld id="{456B5467-EA77-4FF9-8BC4-2EA8FCAB53DA}" type="datetimeFigureOut">
               <a:rPr lang="en-US" smtClean="0"/>
-              <a:t>1/22/2020</a:t>
+              <a:t>1/27/2020</a:t>
             </a:fld>
             <a:endParaRPr lang="en-US" dirty="0"/>
           </a:p>
@@ -1617,7 +1617,7 @@
           <a:p>
             <a:fld id="{456B5467-EA77-4FF9-8BC4-2EA8FCAB53DA}" type="datetimeFigureOut">
               <a:rPr lang="en-US" smtClean="0"/>
-              <a:t>1/22/2020</a:t>
+              <a:t>1/27/2020</a:t>
             </a:fld>
             <a:endParaRPr lang="en-US" dirty="0"/>
           </a:p>
@@ -1984,7 +1984,7 @@
           <a:p>
             <a:fld id="{456B5467-EA77-4FF9-8BC4-2EA8FCAB53DA}" type="datetimeFigureOut">
               <a:rPr lang="en-US" smtClean="0"/>
-              <a:t>1/22/2020</a:t>
+              <a:t>1/27/2020</a:t>
             </a:fld>
             <a:endParaRPr lang="en-US" dirty="0"/>
           </a:p>
@@ -2102,7 +2102,7 @@
           <a:p>
             <a:fld id="{456B5467-EA77-4FF9-8BC4-2EA8FCAB53DA}" type="datetimeFigureOut">
               <a:rPr lang="en-US" smtClean="0"/>
-              <a:t>1/22/2020</a:t>
+              <a:t>1/27/2020</a:t>
             </a:fld>
             <a:endParaRPr lang="en-US" dirty="0"/>
           </a:p>
@@ -2197,7 +2197,7 @@
           <a:p>
             <a:fld id="{456B5467-EA77-4FF9-8BC4-2EA8FCAB53DA}" type="datetimeFigureOut">
               <a:rPr lang="en-US" smtClean="0"/>
-              <a:t>1/22/2020</a:t>
+              <a:t>1/27/2020</a:t>
             </a:fld>
             <a:endParaRPr lang="en-US" dirty="0"/>
           </a:p>
@@ -2474,7 +2474,7 @@
           <a:p>
             <a:fld id="{456B5467-EA77-4FF9-8BC4-2EA8FCAB53DA}" type="datetimeFigureOut">
               <a:rPr lang="en-US" smtClean="0"/>
-              <a:t>1/22/2020</a:t>
+              <a:t>1/27/2020</a:t>
             </a:fld>
             <a:endParaRPr lang="en-US" dirty="0"/>
           </a:p>
@@ -2730,7 +2730,7 @@
           <a:p>
             <a:fld id="{456B5467-EA77-4FF9-8BC4-2EA8FCAB53DA}" type="datetimeFigureOut">
               <a:rPr lang="en-US" smtClean="0"/>
-              <a:t>1/22/2020</a:t>
+              <a:t>1/27/2020</a:t>
             </a:fld>
             <a:endParaRPr lang="en-US" dirty="0"/>
           </a:p>
@@ -2943,7 +2943,7 @@
           <a:p>
             <a:fld id="{456B5467-EA77-4FF9-8BC4-2EA8FCAB53DA}" type="datetimeFigureOut">
               <a:rPr lang="en-US" smtClean="0"/>
-              <a:t>1/22/2020</a:t>
+              <a:t>1/27/2020</a:t>
             </a:fld>
             <a:endParaRPr lang="en-US" dirty="0"/>
           </a:p>
@@ -4942,28 +4942,58 @@
           <a:p>
             <a:r>
               <a:rPr lang="en-US" dirty="0"/>
-              <a:t>Examine basic python syntax</a:t>
-            </a:r>
-          </a:p>
-          <a:p>
+              <a:t>Part 1: Examine basic python syntax</a:t>
+            </a:r>
+          </a:p>
+          <a:p>
+            <a:pPr lvl="1"/>
             <a:r>
               <a:rPr lang="en-US" dirty="0"/>
-              <a:t>we will read in data pertaining to the age and sex of the population of Census Designated Places in Washington State during the 2013-2017 time period</a:t>
-            </a:r>
-          </a:p>
-          <a:p>
+              <a:t>Strings and numbers!</a:t>
+            </a:r>
+          </a:p>
+          <a:p>
+            <a:r>
+              <a:rPr lang="en-US" dirty="0"/>
+              <a:t>Part 2: Find anagrams</a:t>
+            </a:r>
+          </a:p>
+          <a:p>
+            <a:pPr lvl="1"/>
+            <a:r>
+              <a:rPr lang="en-US" dirty="0"/>
+              <a:t>What words can we spell with the letters in the word ‘time’?</a:t>
+            </a:r>
+          </a:p>
+          <a:p>
+            <a:r>
+              <a:rPr lang="en-US" dirty="0"/>
+              <a:t>Part 3: Construct the all ages sex ratio</a:t>
+            </a:r>
+          </a:p>
+          <a:p>
+            <a:pPr lvl="1"/>
+            <a:r>
+              <a:rPr lang="en-US" dirty="0"/>
+              <a:t>Read in data pertaining to the age and sex of the population of Census Designated Places in Washington State during the 2013-2017 time period</a:t>
+            </a:r>
+          </a:p>
+          <a:p>
+            <a:pPr lvl="1"/>
             <a:r>
               <a:rPr lang="en-US" dirty="0"/>
               <a:t>Compute the all ages sex-ratio (number of males per 100 females)</a:t>
             </a:r>
           </a:p>
           <a:p>
+            <a:pPr lvl="1"/>
             <a:r>
               <a:rPr lang="en-US" dirty="0"/>
               <a:t>Export the data to a .csv and an Excel workbook</a:t>
             </a:r>
           </a:p>
           <a:p>
+            <a:pPr lvl="1"/>
             <a:r>
               <a:rPr lang="en-US" dirty="0"/>
               <a:t>Merge the sex-ratio data with a shapefile for mapping in a GIS</a:t>

--- a/Introduction to Python.pptx
+++ b/Introduction to Python.pptx
@@ -221,7 +221,7 @@
           <a:p>
             <a:fld id="{1625BD86-A277-4756-AFD6-158CB1C0F478}" type="datetimeFigureOut">
               <a:rPr lang="en-US" smtClean="0"/>
-              <a:t>1/27/2020</a:t>
+              <a:t>2/10/2020</a:t>
             </a:fld>
             <a:endParaRPr lang="en-US" dirty="0"/>
           </a:p>
@@ -619,7 +619,7 @@
           <a:p>
             <a:fld id="{456B5467-EA77-4FF9-8BC4-2EA8FCAB53DA}" type="datetimeFigureOut">
               <a:rPr lang="en-US" smtClean="0"/>
-              <a:t>1/27/2020</a:t>
+              <a:t>2/10/2020</a:t>
             </a:fld>
             <a:endParaRPr lang="en-US" dirty="0"/>
           </a:p>
@@ -789,7 +789,7 @@
           <a:p>
             <a:fld id="{456B5467-EA77-4FF9-8BC4-2EA8FCAB53DA}" type="datetimeFigureOut">
               <a:rPr lang="en-US" smtClean="0"/>
-              <a:t>1/27/2020</a:t>
+              <a:t>2/10/2020</a:t>
             </a:fld>
             <a:endParaRPr lang="en-US" dirty="0"/>
           </a:p>
@@ -969,7 +969,7 @@
           <a:p>
             <a:fld id="{456B5467-EA77-4FF9-8BC4-2EA8FCAB53DA}" type="datetimeFigureOut">
               <a:rPr lang="en-US" smtClean="0"/>
-              <a:t>1/27/2020</a:t>
+              <a:t>2/10/2020</a:t>
             </a:fld>
             <a:endParaRPr lang="en-US" dirty="0"/>
           </a:p>
@@ -1139,7 +1139,7 @@
           <a:p>
             <a:fld id="{456B5467-EA77-4FF9-8BC4-2EA8FCAB53DA}" type="datetimeFigureOut">
               <a:rPr lang="en-US" smtClean="0"/>
-              <a:t>1/27/2020</a:t>
+              <a:t>2/10/2020</a:t>
             </a:fld>
             <a:endParaRPr lang="en-US" dirty="0"/>
           </a:p>
@@ -1385,7 +1385,7 @@
           <a:p>
             <a:fld id="{456B5467-EA77-4FF9-8BC4-2EA8FCAB53DA}" type="datetimeFigureOut">
               <a:rPr lang="en-US" smtClean="0"/>
-              <a:t>1/27/2020</a:t>
+              <a:t>2/10/2020</a:t>
             </a:fld>
             <a:endParaRPr lang="en-US" dirty="0"/>
           </a:p>
@@ -1617,7 +1617,7 @@
           <a:p>
             <a:fld id="{456B5467-EA77-4FF9-8BC4-2EA8FCAB53DA}" type="datetimeFigureOut">
               <a:rPr lang="en-US" smtClean="0"/>
-              <a:t>1/27/2020</a:t>
+              <a:t>2/10/2020</a:t>
             </a:fld>
             <a:endParaRPr lang="en-US" dirty="0"/>
           </a:p>
@@ -1984,7 +1984,7 @@
           <a:p>
             <a:fld id="{456B5467-EA77-4FF9-8BC4-2EA8FCAB53DA}" type="datetimeFigureOut">
               <a:rPr lang="en-US" smtClean="0"/>
-              <a:t>1/27/2020</a:t>
+              <a:t>2/10/2020</a:t>
             </a:fld>
             <a:endParaRPr lang="en-US" dirty="0"/>
           </a:p>
@@ -2102,7 +2102,7 @@
           <a:p>
             <a:fld id="{456B5467-EA77-4FF9-8BC4-2EA8FCAB53DA}" type="datetimeFigureOut">
               <a:rPr lang="en-US" smtClean="0"/>
-              <a:t>1/27/2020</a:t>
+              <a:t>2/10/2020</a:t>
             </a:fld>
             <a:endParaRPr lang="en-US" dirty="0"/>
           </a:p>
@@ -2197,7 +2197,7 @@
           <a:p>
             <a:fld id="{456B5467-EA77-4FF9-8BC4-2EA8FCAB53DA}" type="datetimeFigureOut">
               <a:rPr lang="en-US" smtClean="0"/>
-              <a:t>1/27/2020</a:t>
+              <a:t>2/10/2020</a:t>
             </a:fld>
             <a:endParaRPr lang="en-US" dirty="0"/>
           </a:p>
@@ -2474,7 +2474,7 @@
           <a:p>
             <a:fld id="{456B5467-EA77-4FF9-8BC4-2EA8FCAB53DA}" type="datetimeFigureOut">
               <a:rPr lang="en-US" smtClean="0"/>
-              <a:t>1/27/2020</a:t>
+              <a:t>2/10/2020</a:t>
             </a:fld>
             <a:endParaRPr lang="en-US" dirty="0"/>
           </a:p>
@@ -2730,7 +2730,7 @@
           <a:p>
             <a:fld id="{456B5467-EA77-4FF9-8BC4-2EA8FCAB53DA}" type="datetimeFigureOut">
               <a:rPr lang="en-US" smtClean="0"/>
-              <a:t>1/27/2020</a:t>
+              <a:t>2/10/2020</a:t>
             </a:fld>
             <a:endParaRPr lang="en-US" dirty="0"/>
           </a:p>
@@ -2943,7 +2943,7 @@
           <a:p>
             <a:fld id="{456B5467-EA77-4FF9-8BC4-2EA8FCAB53DA}" type="datetimeFigureOut">
               <a:rPr lang="en-US" smtClean="0"/>
-              <a:t>1/27/2020</a:t>
+              <a:t>2/10/2020</a:t>
             </a:fld>
             <a:endParaRPr lang="en-US" dirty="0"/>
           </a:p>
@@ -3389,7 +3389,7 @@
           <a:p>
             <a:r>
               <a:rPr lang="en-US" dirty="0"/>
-              <a:t>January 27, 2020</a:t>
+              <a:t>February 10, 2020</a:t>
             </a:r>
           </a:p>
           <a:p>
@@ -4429,13 +4429,13 @@
           <a:p>
             <a:r>
               <a:rPr lang="en-US" dirty="0"/>
-              <a:t>Developed by Guido van Rossum in the early 90s. Current versions: Python 3.7.2 and Python 2.7.15</a:t>
+              <a:t>Developed by Guido van Rossum in the early 90s. Current versions: Python 3.7.x and Python 2.7.x</a:t>
             </a:r>
           </a:p>
           <a:p>
             <a:r>
               <a:rPr lang="en-US" dirty="0"/>
-              <a:t>Python 3.7 is van Rossum’s (and the larger community’s) attempt at fixing some core issues with python 2.x</a:t>
+              <a:t>Python 3.7.x is van Rossum’s (and the larger community’s) attempt at fixing some core issues with python 2.x</a:t>
             </a:r>
           </a:p>
           <a:p>

--- a/Introduction to Python.pptx
+++ b/Introduction to Python.pptx
@@ -221,7 +221,7 @@
           <a:p>
             <a:fld id="{1625BD86-A277-4756-AFD6-158CB1C0F478}" type="datetimeFigureOut">
               <a:rPr lang="en-US" smtClean="0"/>
-              <a:t>2/10/2020</a:t>
+              <a:t>9/13/2020</a:t>
             </a:fld>
             <a:endParaRPr lang="en-US" dirty="0"/>
           </a:p>
@@ -619,7 +619,7 @@
           <a:p>
             <a:fld id="{456B5467-EA77-4FF9-8BC4-2EA8FCAB53DA}" type="datetimeFigureOut">
               <a:rPr lang="en-US" smtClean="0"/>
-              <a:t>2/10/2020</a:t>
+              <a:t>9/13/2020</a:t>
             </a:fld>
             <a:endParaRPr lang="en-US" dirty="0"/>
           </a:p>
@@ -789,7 +789,7 @@
           <a:p>
             <a:fld id="{456B5467-EA77-4FF9-8BC4-2EA8FCAB53DA}" type="datetimeFigureOut">
               <a:rPr lang="en-US" smtClean="0"/>
-              <a:t>2/10/2020</a:t>
+              <a:t>9/13/2020</a:t>
             </a:fld>
             <a:endParaRPr lang="en-US" dirty="0"/>
           </a:p>
@@ -969,7 +969,7 @@
           <a:p>
             <a:fld id="{456B5467-EA77-4FF9-8BC4-2EA8FCAB53DA}" type="datetimeFigureOut">
               <a:rPr lang="en-US" smtClean="0"/>
-              <a:t>2/10/2020</a:t>
+              <a:t>9/13/2020</a:t>
             </a:fld>
             <a:endParaRPr lang="en-US" dirty="0"/>
           </a:p>
@@ -1139,7 +1139,7 @@
           <a:p>
             <a:fld id="{456B5467-EA77-4FF9-8BC4-2EA8FCAB53DA}" type="datetimeFigureOut">
               <a:rPr lang="en-US" smtClean="0"/>
-              <a:t>2/10/2020</a:t>
+              <a:t>9/13/2020</a:t>
             </a:fld>
             <a:endParaRPr lang="en-US" dirty="0"/>
           </a:p>
@@ -1385,7 +1385,7 @@
           <a:p>
             <a:fld id="{456B5467-EA77-4FF9-8BC4-2EA8FCAB53DA}" type="datetimeFigureOut">
               <a:rPr lang="en-US" smtClean="0"/>
-              <a:t>2/10/2020</a:t>
+              <a:t>9/13/2020</a:t>
             </a:fld>
             <a:endParaRPr lang="en-US" dirty="0"/>
           </a:p>
@@ -1617,7 +1617,7 @@
           <a:p>
             <a:fld id="{456B5467-EA77-4FF9-8BC4-2EA8FCAB53DA}" type="datetimeFigureOut">
               <a:rPr lang="en-US" smtClean="0"/>
-              <a:t>2/10/2020</a:t>
+              <a:t>9/13/2020</a:t>
             </a:fld>
             <a:endParaRPr lang="en-US" dirty="0"/>
           </a:p>
@@ -1984,7 +1984,7 @@
           <a:p>
             <a:fld id="{456B5467-EA77-4FF9-8BC4-2EA8FCAB53DA}" type="datetimeFigureOut">
               <a:rPr lang="en-US" smtClean="0"/>
-              <a:t>2/10/2020</a:t>
+              <a:t>9/13/2020</a:t>
             </a:fld>
             <a:endParaRPr lang="en-US" dirty="0"/>
           </a:p>
@@ -2102,7 +2102,7 @@
           <a:p>
             <a:fld id="{456B5467-EA77-4FF9-8BC4-2EA8FCAB53DA}" type="datetimeFigureOut">
               <a:rPr lang="en-US" smtClean="0"/>
-              <a:t>2/10/2020</a:t>
+              <a:t>9/13/2020</a:t>
             </a:fld>
             <a:endParaRPr lang="en-US" dirty="0"/>
           </a:p>
@@ -2197,7 +2197,7 @@
           <a:p>
             <a:fld id="{456B5467-EA77-4FF9-8BC4-2EA8FCAB53DA}" type="datetimeFigureOut">
               <a:rPr lang="en-US" smtClean="0"/>
-              <a:t>2/10/2020</a:t>
+              <a:t>9/13/2020</a:t>
             </a:fld>
             <a:endParaRPr lang="en-US" dirty="0"/>
           </a:p>
@@ -2474,7 +2474,7 @@
           <a:p>
             <a:fld id="{456B5467-EA77-4FF9-8BC4-2EA8FCAB53DA}" type="datetimeFigureOut">
               <a:rPr lang="en-US" smtClean="0"/>
-              <a:t>2/10/2020</a:t>
+              <a:t>9/13/2020</a:t>
             </a:fld>
             <a:endParaRPr lang="en-US" dirty="0"/>
           </a:p>
@@ -2730,7 +2730,7 @@
           <a:p>
             <a:fld id="{456B5467-EA77-4FF9-8BC4-2EA8FCAB53DA}" type="datetimeFigureOut">
               <a:rPr lang="en-US" smtClean="0"/>
-              <a:t>2/10/2020</a:t>
+              <a:t>9/13/2020</a:t>
             </a:fld>
             <a:endParaRPr lang="en-US" dirty="0"/>
           </a:p>
@@ -2943,7 +2943,7 @@
           <a:p>
             <a:fld id="{456B5467-EA77-4FF9-8BC4-2EA8FCAB53DA}" type="datetimeFigureOut">
               <a:rPr lang="en-US" smtClean="0"/>
-              <a:t>2/10/2020</a:t>
+              <a:t>9/13/2020</a:t>
             </a:fld>
             <a:endParaRPr lang="en-US" dirty="0"/>
           </a:p>
@@ -3389,7 +3389,7 @@
           <a:p>
             <a:r>
               <a:rPr lang="en-US" dirty="0"/>
-              <a:t>February 10, 2020</a:t>
+              <a:t>September 13, 2020</a:t>
             </a:r>
           </a:p>
           <a:p>

--- a/Introduction to Python.pptx
+++ b/Introduction to Python.pptx
@@ -221,7 +221,7 @@
           <a:p>
             <a:fld id="{1625BD86-A277-4756-AFD6-158CB1C0F478}" type="datetimeFigureOut">
               <a:rPr lang="en-US" smtClean="0"/>
-              <a:t>9/13/2020</a:t>
+              <a:t>10/25/2020</a:t>
             </a:fld>
             <a:endParaRPr lang="en-US" dirty="0"/>
           </a:p>
@@ -619,7 +619,7 @@
           <a:p>
             <a:fld id="{456B5467-EA77-4FF9-8BC4-2EA8FCAB53DA}" type="datetimeFigureOut">
               <a:rPr lang="en-US" smtClean="0"/>
-              <a:t>9/13/2020</a:t>
+              <a:t>10/25/2020</a:t>
             </a:fld>
             <a:endParaRPr lang="en-US" dirty="0"/>
           </a:p>
@@ -789,7 +789,7 @@
           <a:p>
             <a:fld id="{456B5467-EA77-4FF9-8BC4-2EA8FCAB53DA}" type="datetimeFigureOut">
               <a:rPr lang="en-US" smtClean="0"/>
-              <a:t>9/13/2020</a:t>
+              <a:t>10/25/2020</a:t>
             </a:fld>
             <a:endParaRPr lang="en-US" dirty="0"/>
           </a:p>
@@ -969,7 +969,7 @@
           <a:p>
             <a:fld id="{456B5467-EA77-4FF9-8BC4-2EA8FCAB53DA}" type="datetimeFigureOut">
               <a:rPr lang="en-US" smtClean="0"/>
-              <a:t>9/13/2020</a:t>
+              <a:t>10/25/2020</a:t>
             </a:fld>
             <a:endParaRPr lang="en-US" dirty="0"/>
           </a:p>
@@ -1139,7 +1139,7 @@
           <a:p>
             <a:fld id="{456B5467-EA77-4FF9-8BC4-2EA8FCAB53DA}" type="datetimeFigureOut">
               <a:rPr lang="en-US" smtClean="0"/>
-              <a:t>9/13/2020</a:t>
+              <a:t>10/25/2020</a:t>
             </a:fld>
             <a:endParaRPr lang="en-US" dirty="0"/>
           </a:p>
@@ -1385,7 +1385,7 @@
           <a:p>
             <a:fld id="{456B5467-EA77-4FF9-8BC4-2EA8FCAB53DA}" type="datetimeFigureOut">
               <a:rPr lang="en-US" smtClean="0"/>
-              <a:t>9/13/2020</a:t>
+              <a:t>10/25/2020</a:t>
             </a:fld>
             <a:endParaRPr lang="en-US" dirty="0"/>
           </a:p>
@@ -1617,7 +1617,7 @@
           <a:p>
             <a:fld id="{456B5467-EA77-4FF9-8BC4-2EA8FCAB53DA}" type="datetimeFigureOut">
               <a:rPr lang="en-US" smtClean="0"/>
-              <a:t>9/13/2020</a:t>
+              <a:t>10/25/2020</a:t>
             </a:fld>
             <a:endParaRPr lang="en-US" dirty="0"/>
           </a:p>
@@ -1984,7 +1984,7 @@
           <a:p>
             <a:fld id="{456B5467-EA77-4FF9-8BC4-2EA8FCAB53DA}" type="datetimeFigureOut">
               <a:rPr lang="en-US" smtClean="0"/>
-              <a:t>9/13/2020</a:t>
+              <a:t>10/25/2020</a:t>
             </a:fld>
             <a:endParaRPr lang="en-US" dirty="0"/>
           </a:p>
@@ -2102,7 +2102,7 @@
           <a:p>
             <a:fld id="{456B5467-EA77-4FF9-8BC4-2EA8FCAB53DA}" type="datetimeFigureOut">
               <a:rPr lang="en-US" smtClean="0"/>
-              <a:t>9/13/2020</a:t>
+              <a:t>10/25/2020</a:t>
             </a:fld>
             <a:endParaRPr lang="en-US" dirty="0"/>
           </a:p>
@@ -2197,7 +2197,7 @@
           <a:p>
             <a:fld id="{456B5467-EA77-4FF9-8BC4-2EA8FCAB53DA}" type="datetimeFigureOut">
               <a:rPr lang="en-US" smtClean="0"/>
-              <a:t>9/13/2020</a:t>
+              <a:t>10/25/2020</a:t>
             </a:fld>
             <a:endParaRPr lang="en-US" dirty="0"/>
           </a:p>
@@ -2474,7 +2474,7 @@
           <a:p>
             <a:fld id="{456B5467-EA77-4FF9-8BC4-2EA8FCAB53DA}" type="datetimeFigureOut">
               <a:rPr lang="en-US" smtClean="0"/>
-              <a:t>9/13/2020</a:t>
+              <a:t>10/25/2020</a:t>
             </a:fld>
             <a:endParaRPr lang="en-US" dirty="0"/>
           </a:p>
@@ -2730,7 +2730,7 @@
           <a:p>
             <a:fld id="{456B5467-EA77-4FF9-8BC4-2EA8FCAB53DA}" type="datetimeFigureOut">
               <a:rPr lang="en-US" smtClean="0"/>
-              <a:t>9/13/2020</a:t>
+              <a:t>10/25/2020</a:t>
             </a:fld>
             <a:endParaRPr lang="en-US" dirty="0"/>
           </a:p>
@@ -2943,7 +2943,7 @@
           <a:p>
             <a:fld id="{456B5467-EA77-4FF9-8BC4-2EA8FCAB53DA}" type="datetimeFigureOut">
               <a:rPr lang="en-US" smtClean="0"/>
-              <a:t>9/13/2020</a:t>
+              <a:t>10/25/2020</a:t>
             </a:fld>
             <a:endParaRPr lang="en-US" dirty="0"/>
           </a:p>
@@ -3389,7 +3389,7 @@
           <a:p>
             <a:r>
               <a:rPr lang="en-US" dirty="0"/>
-              <a:t>September 13, 2020</a:t>
+              <a:t>October 26, 2020</a:t>
             </a:r>
           </a:p>
           <a:p>

--- a/Introduction to Python.pptx
+++ b/Introduction to Python.pptx
@@ -5,7 +5,7 @@
     <p:sldMasterId id="2147483660" r:id="rId1"/>
   </p:sldMasterIdLst>
   <p:notesMasterIdLst>
-    <p:notesMasterId r:id="rId16"/>
+    <p:notesMasterId r:id="rId19"/>
   </p:notesMasterIdLst>
   <p:sldIdLst>
     <p:sldId id="256" r:id="rId2"/>
@@ -13,15 +13,18 @@
     <p:sldId id="264" r:id="rId4"/>
     <p:sldId id="270" r:id="rId5"/>
     <p:sldId id="272" r:id="rId6"/>
-    <p:sldId id="265" r:id="rId7"/>
-    <p:sldId id="267" r:id="rId8"/>
-    <p:sldId id="273" r:id="rId9"/>
-    <p:sldId id="271" r:id="rId10"/>
-    <p:sldId id="258" r:id="rId11"/>
-    <p:sldId id="260" r:id="rId12"/>
-    <p:sldId id="261" r:id="rId13"/>
-    <p:sldId id="276" r:id="rId14"/>
-    <p:sldId id="277" r:id="rId15"/>
+    <p:sldId id="279" r:id="rId7"/>
+    <p:sldId id="280" r:id="rId8"/>
+    <p:sldId id="278" r:id="rId9"/>
+    <p:sldId id="265" r:id="rId10"/>
+    <p:sldId id="267" r:id="rId11"/>
+    <p:sldId id="273" r:id="rId12"/>
+    <p:sldId id="271" r:id="rId13"/>
+    <p:sldId id="258" r:id="rId14"/>
+    <p:sldId id="260" r:id="rId15"/>
+    <p:sldId id="261" r:id="rId16"/>
+    <p:sldId id="276" r:id="rId17"/>
+    <p:sldId id="277" r:id="rId18"/>
   </p:sldIdLst>
   <p:sldSz cx="12192000" cy="6858000"/>
   <p:notesSz cx="6858000" cy="9144000"/>
@@ -221,7 +224,7 @@
           <a:p>
             <a:fld id="{1625BD86-A277-4756-AFD6-158CB1C0F478}" type="datetimeFigureOut">
               <a:rPr lang="en-US" smtClean="0"/>
-              <a:t>10/25/2020</a:t>
+              <a:t>2/3/2021</a:t>
             </a:fld>
             <a:endParaRPr lang="en-US" dirty="0"/>
           </a:p>
@@ -619,7 +622,7 @@
           <a:p>
             <a:fld id="{456B5467-EA77-4FF9-8BC4-2EA8FCAB53DA}" type="datetimeFigureOut">
               <a:rPr lang="en-US" smtClean="0"/>
-              <a:t>10/25/2020</a:t>
+              <a:t>2/3/2021</a:t>
             </a:fld>
             <a:endParaRPr lang="en-US" dirty="0"/>
           </a:p>
@@ -789,7 +792,7 @@
           <a:p>
             <a:fld id="{456B5467-EA77-4FF9-8BC4-2EA8FCAB53DA}" type="datetimeFigureOut">
               <a:rPr lang="en-US" smtClean="0"/>
-              <a:t>10/25/2020</a:t>
+              <a:t>2/3/2021</a:t>
             </a:fld>
             <a:endParaRPr lang="en-US" dirty="0"/>
           </a:p>
@@ -969,7 +972,7 @@
           <a:p>
             <a:fld id="{456B5467-EA77-4FF9-8BC4-2EA8FCAB53DA}" type="datetimeFigureOut">
               <a:rPr lang="en-US" smtClean="0"/>
-              <a:t>10/25/2020</a:t>
+              <a:t>2/3/2021</a:t>
             </a:fld>
             <a:endParaRPr lang="en-US" dirty="0"/>
           </a:p>
@@ -1139,7 +1142,7 @@
           <a:p>
             <a:fld id="{456B5467-EA77-4FF9-8BC4-2EA8FCAB53DA}" type="datetimeFigureOut">
               <a:rPr lang="en-US" smtClean="0"/>
-              <a:t>10/25/2020</a:t>
+              <a:t>2/3/2021</a:t>
             </a:fld>
             <a:endParaRPr lang="en-US" dirty="0"/>
           </a:p>
@@ -1385,7 +1388,7 @@
           <a:p>
             <a:fld id="{456B5467-EA77-4FF9-8BC4-2EA8FCAB53DA}" type="datetimeFigureOut">
               <a:rPr lang="en-US" smtClean="0"/>
-              <a:t>10/25/2020</a:t>
+              <a:t>2/3/2021</a:t>
             </a:fld>
             <a:endParaRPr lang="en-US" dirty="0"/>
           </a:p>
@@ -1617,7 +1620,7 @@
           <a:p>
             <a:fld id="{456B5467-EA77-4FF9-8BC4-2EA8FCAB53DA}" type="datetimeFigureOut">
               <a:rPr lang="en-US" smtClean="0"/>
-              <a:t>10/25/2020</a:t>
+              <a:t>2/3/2021</a:t>
             </a:fld>
             <a:endParaRPr lang="en-US" dirty="0"/>
           </a:p>
@@ -1984,7 +1987,7 @@
           <a:p>
             <a:fld id="{456B5467-EA77-4FF9-8BC4-2EA8FCAB53DA}" type="datetimeFigureOut">
               <a:rPr lang="en-US" smtClean="0"/>
-              <a:t>10/25/2020</a:t>
+              <a:t>2/3/2021</a:t>
             </a:fld>
             <a:endParaRPr lang="en-US" dirty="0"/>
           </a:p>
@@ -2102,7 +2105,7 @@
           <a:p>
             <a:fld id="{456B5467-EA77-4FF9-8BC4-2EA8FCAB53DA}" type="datetimeFigureOut">
               <a:rPr lang="en-US" smtClean="0"/>
-              <a:t>10/25/2020</a:t>
+              <a:t>2/3/2021</a:t>
             </a:fld>
             <a:endParaRPr lang="en-US" dirty="0"/>
           </a:p>
@@ -2197,7 +2200,7 @@
           <a:p>
             <a:fld id="{456B5467-EA77-4FF9-8BC4-2EA8FCAB53DA}" type="datetimeFigureOut">
               <a:rPr lang="en-US" smtClean="0"/>
-              <a:t>10/25/2020</a:t>
+              <a:t>2/3/2021</a:t>
             </a:fld>
             <a:endParaRPr lang="en-US" dirty="0"/>
           </a:p>
@@ -2474,7 +2477,7 @@
           <a:p>
             <a:fld id="{456B5467-EA77-4FF9-8BC4-2EA8FCAB53DA}" type="datetimeFigureOut">
               <a:rPr lang="en-US" smtClean="0"/>
-              <a:t>10/25/2020</a:t>
+              <a:t>2/3/2021</a:t>
             </a:fld>
             <a:endParaRPr lang="en-US" dirty="0"/>
           </a:p>
@@ -2730,7 +2733,7 @@
           <a:p>
             <a:fld id="{456B5467-EA77-4FF9-8BC4-2EA8FCAB53DA}" type="datetimeFigureOut">
               <a:rPr lang="en-US" smtClean="0"/>
-              <a:t>10/25/2020</a:t>
+              <a:t>2/3/2021</a:t>
             </a:fld>
             <a:endParaRPr lang="en-US" dirty="0"/>
           </a:p>
@@ -2943,7 +2946,7 @@
           <a:p>
             <a:fld id="{456B5467-EA77-4FF9-8BC4-2EA8FCAB53DA}" type="datetimeFigureOut">
               <a:rPr lang="en-US" smtClean="0"/>
-              <a:t>10/25/2020</a:t>
+              <a:t>2/3/2021</a:t>
             </a:fld>
             <a:endParaRPr lang="en-US" dirty="0"/>
           </a:p>
@@ -3389,7 +3392,7 @@
           <a:p>
             <a:r>
               <a:rPr lang="en-US" dirty="0"/>
-              <a:t>October 26, 2020</a:t>
+              <a:t>February 4, 2021</a:t>
             </a:r>
           </a:p>
           <a:p>
@@ -3456,6 +3459,292 @@
 </file>
 
 <file path=ppt/slides/slide10.xml><?xml version="1.0" encoding="utf-8"?>
+<p:sld xmlns:a="http://schemas.openxmlformats.org/drawingml/2006/main" xmlns:r="http://schemas.openxmlformats.org/officeDocument/2006/relationships" xmlns:p="http://schemas.openxmlformats.org/presentationml/2006/main">
+  <p:cSld>
+    <p:spTree>
+      <p:nvGrpSpPr>
+        <p:cNvPr id="1" name=""/>
+        <p:cNvGrpSpPr/>
+        <p:nvPr/>
+      </p:nvGrpSpPr>
+      <p:grpSpPr>
+        <a:xfrm>
+          <a:off x="0" y="0"/>
+          <a:ext cx="0" cy="0"/>
+          <a:chOff x="0" y="0"/>
+          <a:chExt cx="0" cy="0"/>
+        </a:xfrm>
+      </p:grpSpPr>
+      <p:sp>
+        <p:nvSpPr>
+          <p:cNvPr id="5" name="Title 4"/>
+          <p:cNvSpPr>
+            <a:spLocks noGrp="1"/>
+          </p:cNvSpPr>
+          <p:nvPr>
+            <p:ph type="title"/>
+          </p:nvPr>
+        </p:nvSpPr>
+        <p:spPr/>
+        <p:txBody>
+          <a:bodyPr/>
+          <a:lstStyle/>
+          <a:p>
+            <a:r>
+              <a:rPr lang="en-US" dirty="0"/>
+              <a:t>Jupyter Notebook Homepage</a:t>
+            </a:r>
+          </a:p>
+        </p:txBody>
+      </p:sp>
+      <p:pic>
+        <p:nvPicPr>
+          <p:cNvPr id="2" name="Picture 1"/>
+          <p:cNvPicPr>
+            <a:picLocks noChangeAspect="1"/>
+          </p:cNvPicPr>
+          <p:nvPr/>
+        </p:nvPicPr>
+        <p:blipFill>
+          <a:blip r:embed="rId2"/>
+          <a:stretch>
+            <a:fillRect/>
+          </a:stretch>
+        </p:blipFill>
+        <p:spPr>
+          <a:xfrm>
+            <a:off x="0" y="2215612"/>
+            <a:ext cx="12192000" cy="2426775"/>
+          </a:xfrm>
+          <a:prstGeom prst="rect">
+            <a:avLst/>
+          </a:prstGeom>
+        </p:spPr>
+      </p:pic>
+    </p:spTree>
+    <p:extLst>
+      <p:ext uri="{BB962C8B-B14F-4D97-AF65-F5344CB8AC3E}">
+        <p14:creationId xmlns:p14="http://schemas.microsoft.com/office/powerpoint/2010/main" val="2511325755"/>
+      </p:ext>
+    </p:extLst>
+  </p:cSld>
+  <p:clrMapOvr>
+    <a:masterClrMapping/>
+  </p:clrMapOvr>
+</p:sld>
+</file>
+
+<file path=ppt/slides/slide11.xml><?xml version="1.0" encoding="utf-8"?>
+<p:sld xmlns:a="http://schemas.openxmlformats.org/drawingml/2006/main" xmlns:r="http://schemas.openxmlformats.org/officeDocument/2006/relationships" xmlns:p="http://schemas.openxmlformats.org/presentationml/2006/main">
+  <p:cSld>
+    <p:spTree>
+      <p:nvGrpSpPr>
+        <p:cNvPr id="1" name=""/>
+        <p:cNvGrpSpPr/>
+        <p:nvPr/>
+      </p:nvGrpSpPr>
+      <p:grpSpPr>
+        <a:xfrm>
+          <a:off x="0" y="0"/>
+          <a:ext cx="0" cy="0"/>
+          <a:chOff x="0" y="0"/>
+          <a:chExt cx="0" cy="0"/>
+        </a:xfrm>
+      </p:grpSpPr>
+      <p:sp>
+        <p:nvSpPr>
+          <p:cNvPr id="2" name="Title 1"/>
+          <p:cNvSpPr>
+            <a:spLocks noGrp="1"/>
+          </p:cNvSpPr>
+          <p:nvPr>
+            <p:ph type="title"/>
+          </p:nvPr>
+        </p:nvSpPr>
+        <p:spPr/>
+        <p:txBody>
+          <a:bodyPr/>
+          <a:lstStyle/>
+          <a:p>
+            <a:r>
+              <a:rPr lang="en-US" dirty="0"/>
+              <a:t>Jupyter Notebook Terminal</a:t>
+            </a:r>
+          </a:p>
+        </p:txBody>
+      </p:sp>
+      <p:pic>
+        <p:nvPicPr>
+          <p:cNvPr id="3" name="Picture 2"/>
+          <p:cNvPicPr>
+            <a:picLocks noChangeAspect="1"/>
+          </p:cNvPicPr>
+          <p:nvPr/>
+        </p:nvPicPr>
+        <p:blipFill>
+          <a:blip r:embed="rId2">
+            <a:extLst>
+              <a:ext uri="{28A0092B-C50C-407E-A947-70E740481C1C}">
+                <a14:useLocalDpi xmlns:a14="http://schemas.microsoft.com/office/drawing/2010/main" val="0"/>
+              </a:ext>
+            </a:extLst>
+          </a:blip>
+          <a:stretch>
+            <a:fillRect/>
+          </a:stretch>
+        </p:blipFill>
+        <p:spPr>
+          <a:xfrm>
+            <a:off x="938795" y="1306162"/>
+            <a:ext cx="9921602" cy="5374201"/>
+          </a:xfrm>
+          <a:prstGeom prst="rect">
+            <a:avLst/>
+          </a:prstGeom>
+        </p:spPr>
+      </p:pic>
+    </p:spTree>
+    <p:extLst>
+      <p:ext uri="{BB962C8B-B14F-4D97-AF65-F5344CB8AC3E}">
+        <p14:creationId xmlns:p14="http://schemas.microsoft.com/office/powerpoint/2010/main" val="2714205897"/>
+      </p:ext>
+    </p:extLst>
+  </p:cSld>
+  <p:clrMapOvr>
+    <a:masterClrMapping/>
+  </p:clrMapOvr>
+</p:sld>
+</file>
+
+<file path=ppt/slides/slide12.xml><?xml version="1.0" encoding="utf-8"?>
+<p:sld xmlns:a="http://schemas.openxmlformats.org/drawingml/2006/main" xmlns:r="http://schemas.openxmlformats.org/officeDocument/2006/relationships" xmlns:p="http://schemas.openxmlformats.org/presentationml/2006/main">
+  <p:cSld>
+    <p:spTree>
+      <p:nvGrpSpPr>
+        <p:cNvPr id="1" name=""/>
+        <p:cNvGrpSpPr/>
+        <p:nvPr/>
+      </p:nvGrpSpPr>
+      <p:grpSpPr>
+        <a:xfrm>
+          <a:off x="0" y="0"/>
+          <a:ext cx="0" cy="0"/>
+          <a:chOff x="0" y="0"/>
+          <a:chExt cx="0" cy="0"/>
+        </a:xfrm>
+      </p:grpSpPr>
+      <p:sp>
+        <p:nvSpPr>
+          <p:cNvPr id="2" name="Title 1"/>
+          <p:cNvSpPr>
+            <a:spLocks noGrp="1"/>
+          </p:cNvSpPr>
+          <p:nvPr>
+            <p:ph type="title"/>
+          </p:nvPr>
+        </p:nvSpPr>
+        <p:spPr/>
+        <p:txBody>
+          <a:bodyPr/>
+          <a:lstStyle/>
+          <a:p>
+            <a:r>
+              <a:rPr lang="en-US" dirty="0"/>
+              <a:t>Activities</a:t>
+            </a:r>
+          </a:p>
+        </p:txBody>
+      </p:sp>
+      <p:sp>
+        <p:nvSpPr>
+          <p:cNvPr id="3" name="Content Placeholder 2"/>
+          <p:cNvSpPr>
+            <a:spLocks noGrp="1"/>
+          </p:cNvSpPr>
+          <p:nvPr>
+            <p:ph idx="1"/>
+          </p:nvPr>
+        </p:nvSpPr>
+        <p:spPr/>
+        <p:txBody>
+          <a:bodyPr/>
+          <a:lstStyle/>
+          <a:p>
+            <a:r>
+              <a:rPr lang="en-US" dirty="0"/>
+              <a:t>Part 1: Examine basic python syntax</a:t>
+            </a:r>
+          </a:p>
+          <a:p>
+            <a:pPr lvl="1"/>
+            <a:r>
+              <a:rPr lang="en-US" dirty="0"/>
+              <a:t>Strings and numbers!</a:t>
+            </a:r>
+          </a:p>
+          <a:p>
+            <a:r>
+              <a:rPr lang="en-US" dirty="0"/>
+              <a:t>Part 2: Find anagrams</a:t>
+            </a:r>
+          </a:p>
+          <a:p>
+            <a:pPr lvl="1"/>
+            <a:r>
+              <a:rPr lang="en-US" dirty="0"/>
+              <a:t>What words can we spell with the letters in the word ‘time’?</a:t>
+            </a:r>
+          </a:p>
+          <a:p>
+            <a:r>
+              <a:rPr lang="en-US" dirty="0"/>
+              <a:t>Part 3: Construct the all ages sex ratio</a:t>
+            </a:r>
+          </a:p>
+          <a:p>
+            <a:pPr lvl="1"/>
+            <a:r>
+              <a:rPr lang="en-US" dirty="0"/>
+              <a:t>Read in data pertaining to the age and sex of the population of Census Designated Places in Washington State during the 2013-2017 time period</a:t>
+            </a:r>
+          </a:p>
+          <a:p>
+            <a:pPr lvl="1"/>
+            <a:r>
+              <a:rPr lang="en-US" dirty="0"/>
+              <a:t>Compute the all ages sex-ratio (number of males per 100 females)</a:t>
+            </a:r>
+          </a:p>
+          <a:p>
+            <a:pPr lvl="1"/>
+            <a:r>
+              <a:rPr lang="en-US" dirty="0"/>
+              <a:t>Export the data to a .csv and an Excel workbook</a:t>
+            </a:r>
+          </a:p>
+          <a:p>
+            <a:pPr lvl="1"/>
+            <a:r>
+              <a:rPr lang="en-US" dirty="0"/>
+              <a:t>Merge the sex-ratio data with a shapefile for mapping in a GIS</a:t>
+            </a:r>
+          </a:p>
+        </p:txBody>
+      </p:sp>
+    </p:spTree>
+    <p:extLst>
+      <p:ext uri="{BB962C8B-B14F-4D97-AF65-F5344CB8AC3E}">
+        <p14:creationId xmlns:p14="http://schemas.microsoft.com/office/powerpoint/2010/main" val="3030563835"/>
+      </p:ext>
+    </p:extLst>
+  </p:cSld>
+  <p:clrMapOvr>
+    <a:masterClrMapping/>
+  </p:clrMapOvr>
+</p:sld>
+</file>
+
+<file path=ppt/slides/slide13.xml><?xml version="1.0" encoding="utf-8"?>
 <p:sld xmlns:a="http://schemas.openxmlformats.org/drawingml/2006/main" xmlns:r="http://schemas.openxmlformats.org/officeDocument/2006/relationships" xmlns:p="http://schemas.openxmlformats.org/presentationml/2006/main">
   <p:cSld>
     <p:spTree>
@@ -3704,7 +3993,7 @@
 </p:sld>
 </file>
 
-<file path=ppt/slides/slide11.xml><?xml version="1.0" encoding="utf-8"?>
+<file path=ppt/slides/slide14.xml><?xml version="1.0" encoding="utf-8"?>
 <p:sld xmlns:a="http://schemas.openxmlformats.org/drawingml/2006/main" xmlns:r="http://schemas.openxmlformats.org/officeDocument/2006/relationships" xmlns:p="http://schemas.openxmlformats.org/presentationml/2006/main">
   <p:cSld>
     <p:spTree>
@@ -3810,7 +4099,7 @@
 </p:sld>
 </file>
 
-<file path=ppt/slides/slide12.xml><?xml version="1.0" encoding="utf-8"?>
+<file path=ppt/slides/slide15.xml><?xml version="1.0" encoding="utf-8"?>
 <p:sld xmlns:a="http://schemas.openxmlformats.org/drawingml/2006/main" xmlns:r="http://schemas.openxmlformats.org/officeDocument/2006/relationships" xmlns:p="http://schemas.openxmlformats.org/presentationml/2006/main">
   <p:cSld>
     <p:spTree>
@@ -3916,7 +4205,7 @@
 </p:sld>
 </file>
 
-<file path=ppt/slides/slide13.xml><?xml version="1.0" encoding="utf-8"?>
+<file path=ppt/slides/slide16.xml><?xml version="1.0" encoding="utf-8"?>
 <p:sld xmlns:a="http://schemas.openxmlformats.org/drawingml/2006/main" xmlns:r="http://schemas.openxmlformats.org/officeDocument/2006/relationships" xmlns:p="http://schemas.openxmlformats.org/presentationml/2006/main">
   <p:cSld>
     <p:spTree>
@@ -4014,7 +4303,7 @@
 </p:sld>
 </file>
 
-<file path=ppt/slides/slide14.xml><?xml version="1.0" encoding="utf-8"?>
+<file path=ppt/slides/slide17.xml><?xml version="1.0" encoding="utf-8"?>
 <p:sld xmlns:a="http://schemas.openxmlformats.org/drawingml/2006/main" xmlns:r="http://schemas.openxmlformats.org/officeDocument/2006/relationships" xmlns:p="http://schemas.openxmlformats.org/presentationml/2006/main">
   <p:cSld>
     <p:spTree>
@@ -4181,9 +4470,46 @@
           <a:lstStyle/>
           <a:p>
             <a:r>
+              <a:rPr lang="en-US" sz="4000" dirty="0">
+                <a:hlinkClick r:id="rId2"/>
+              </a:rPr>
+              <a:t>https://github.com/mike-babb/intro_to_python</a:t>
+            </a:r>
+            <a:endParaRPr lang="en-US" sz="4000" dirty="0"/>
+          </a:p>
+          <a:p>
+            <a:r>
               <a:rPr lang="en-US" sz="4000" dirty="0"/>
-              <a:t>https://github.com/mike-babb/intro_to_python</a:t>
-            </a:r>
+              <a:t>Google </a:t>
+            </a:r>
+            <a:r>
+              <a:rPr lang="en-US" sz="4000" dirty="0" err="1"/>
+              <a:t>colab</a:t>
+            </a:r>
+            <a:r>
+              <a:rPr lang="en-US" sz="4000" dirty="0"/>
+              <a:t> </a:t>
+            </a:r>
+          </a:p>
+          <a:p>
+            <a:r>
+              <a:rPr lang="en-US" sz="4000" dirty="0">
+                <a:hlinkClick r:id="rId3"/>
+              </a:rPr>
+              <a:t>https://colab.research.google.com/notebooks/intro.ipynb</a:t>
+            </a:r>
+            <a:endParaRPr lang="en-US" sz="4000" dirty="0"/>
+          </a:p>
+          <a:p>
+            <a:pPr lvl="1"/>
+            <a:r>
+              <a:rPr lang="en-US" sz="3600" dirty="0"/>
+              <a:t>Must have a google account</a:t>
+            </a:r>
+          </a:p>
+          <a:p>
+            <a:pPr lvl="1"/>
+            <a:endParaRPr lang="en-US" sz="3600" b="1" dirty="0"/>
           </a:p>
           <a:p>
             <a:endParaRPr lang="en-US" sz="4000" dirty="0"/>
@@ -4623,7 +4949,13 @@
       </p:grpSpPr>
       <p:sp>
         <p:nvSpPr>
-          <p:cNvPr id="2" name="Title 1"/>
+          <p:cNvPr id="2" name="Title 1">
+            <a:extLst>
+              <a:ext uri="{FF2B5EF4-FFF2-40B4-BE49-F238E27FC236}">
+                <a16:creationId xmlns:a16="http://schemas.microsoft.com/office/drawing/2014/main" id="{12446907-52E0-49D5-B8B9-955CD4977F3D}"/>
+              </a:ext>
+            </a:extLst>
+          </p:cNvPr>
           <p:cNvSpPr>
             <a:spLocks noGrp="1"/>
           </p:cNvSpPr>
@@ -4638,79 +4970,40 @@
           <a:p>
             <a:r>
               <a:rPr lang="en-US" dirty="0"/>
-              <a:t>Anaconda and the Jupyter Notebook</a:t>
-            </a:r>
-          </a:p>
-        </p:txBody>
-      </p:sp>
-      <p:sp>
-        <p:nvSpPr>
-          <p:cNvPr id="3" name="Content Placeholder 2"/>
-          <p:cNvSpPr>
-            <a:spLocks noGrp="1"/>
-          </p:cNvSpPr>
-          <p:nvPr>
-            <p:ph idx="1"/>
-          </p:nvPr>
-        </p:nvSpPr>
-        <p:spPr/>
-        <p:txBody>
-          <a:bodyPr/>
-          <a:lstStyle/>
-          <a:p>
-            <a:r>
-              <a:rPr lang="en-US" dirty="0">
-                <a:hlinkClick r:id="rId2"/>
-              </a:rPr>
-              <a:t>https://www.anaconda.com/</a:t>
+              <a:t>Using </a:t>
+            </a:r>
+            <a:r>
+              <a:rPr lang="en-US" dirty="0" err="1"/>
+              <a:t>Jupyter</a:t>
             </a:r>
             <a:r>
               <a:rPr lang="en-US" dirty="0"/>
-              <a:t> </a:t>
-            </a:r>
-          </a:p>
-          <a:p>
-            <a:r>
-              <a:rPr lang="en-US" dirty="0"/>
-              <a:t>Available for Mac, Linux, and Windows</a:t>
-            </a:r>
-          </a:p>
-          <a:p>
-            <a:r>
-              <a:rPr lang="en-US" dirty="0"/>
-              <a:t>THE python data-science platform </a:t>
-            </a:r>
-          </a:p>
-          <a:p>
-            <a:r>
-              <a:rPr lang="en-US" dirty="0"/>
-              <a:t>Facilitates interactive python</a:t>
-            </a:r>
-          </a:p>
-          <a:p>
-            <a:pPr>
-              <a:buFont typeface="Arial" panose="020B0604020202020204" pitchFamily="34" charset="0"/>
-              <a:buChar char="•"/>
-            </a:pPr>
-            <a:r>
-              <a:rPr lang="en-US" dirty="0"/>
-              <a:t>Good for sharing and instruction</a:t>
-            </a:r>
-          </a:p>
-          <a:p>
-            <a:pPr>
-              <a:buFont typeface="Arial" panose="020B0604020202020204" pitchFamily="34" charset="0"/>
-              <a:buChar char="•"/>
-            </a:pPr>
-            <a:r>
-              <a:rPr lang="en-US" dirty="0"/>
-              <a:t>Easy to break code into manageable chunks</a:t>
-            </a:r>
-          </a:p>
-          <a:p>
-            <a:pPr marL="0" indent="0">
-              <a:buNone/>
-            </a:pPr>
+              <a:t> online</a:t>
+            </a:r>
+          </a:p>
+        </p:txBody>
+      </p:sp>
+      <p:sp>
+        <p:nvSpPr>
+          <p:cNvPr id="3" name="Text Placeholder 2">
+            <a:extLst>
+              <a:ext uri="{FF2B5EF4-FFF2-40B4-BE49-F238E27FC236}">
+                <a16:creationId xmlns:a16="http://schemas.microsoft.com/office/drawing/2014/main" id="{7101EC71-A9CD-4281-9AA0-06F74DD89E88}"/>
+              </a:ext>
+            </a:extLst>
+          </p:cNvPr>
+          <p:cNvSpPr>
+            <a:spLocks noGrp="1"/>
+          </p:cNvSpPr>
+          <p:nvPr>
+            <p:ph type="body" idx="1"/>
+          </p:nvPr>
+        </p:nvSpPr>
+        <p:spPr/>
+        <p:txBody>
+          <a:bodyPr/>
+          <a:lstStyle/>
+          <a:p>
             <a:endParaRPr lang="en-US" dirty="0"/>
           </a:p>
         </p:txBody>
@@ -4718,7 +5011,7 @@
     </p:spTree>
     <p:extLst>
       <p:ext uri="{BB962C8B-B14F-4D97-AF65-F5344CB8AC3E}">
-        <p14:creationId xmlns:p14="http://schemas.microsoft.com/office/powerpoint/2010/main" val="3755854532"/>
+        <p14:creationId xmlns:p14="http://schemas.microsoft.com/office/powerpoint/2010/main" val="1922292505"/>
       </p:ext>
     </p:extLst>
   </p:cSld>
@@ -4747,7 +5040,13 @@
       </p:grpSpPr>
       <p:sp>
         <p:nvSpPr>
-          <p:cNvPr id="5" name="Title 4"/>
+          <p:cNvPr id="4" name="Title 3">
+            <a:extLst>
+              <a:ext uri="{FF2B5EF4-FFF2-40B4-BE49-F238E27FC236}">
+                <a16:creationId xmlns:a16="http://schemas.microsoft.com/office/drawing/2014/main" id="{7DA64FDF-3EFA-48A8-AA18-04721B145A9F}"/>
+              </a:ext>
+            </a:extLst>
+          </p:cNvPr>
           <p:cNvSpPr>
             <a:spLocks noGrp="1"/>
           </p:cNvSpPr>
@@ -4762,39 +5061,48 @@
           <a:p>
             <a:r>
               <a:rPr lang="en-US" dirty="0"/>
-              <a:t>Jupyter Notebook Homepage</a:t>
-            </a:r>
-          </a:p>
-        </p:txBody>
-      </p:sp>
-      <p:pic>
-        <p:nvPicPr>
-          <p:cNvPr id="2" name="Picture 1"/>
-          <p:cNvPicPr>
-            <a:picLocks noChangeAspect="1"/>
-          </p:cNvPicPr>
-          <p:nvPr/>
-        </p:nvPicPr>
-        <p:blipFill>
-          <a:blip r:embed="rId2"/>
-          <a:stretch>
-            <a:fillRect/>
-          </a:stretch>
-        </p:blipFill>
-        <p:spPr>
-          <a:xfrm>
-            <a:off x="0" y="2215612"/>
-            <a:ext cx="12192000" cy="2426775"/>
-          </a:xfrm>
-          <a:prstGeom prst="rect">
-            <a:avLst/>
-          </a:prstGeom>
-        </p:spPr>
-      </p:pic>
+              <a:t>Google’s </a:t>
+            </a:r>
+            <a:r>
+              <a:rPr lang="en-US" dirty="0" err="1"/>
+              <a:t>colab</a:t>
+            </a:r>
+            <a:endParaRPr lang="en-US" dirty="0"/>
+          </a:p>
+        </p:txBody>
+      </p:sp>
+      <p:sp>
+        <p:nvSpPr>
+          <p:cNvPr id="5" name="Content Placeholder 4">
+            <a:extLst>
+              <a:ext uri="{FF2B5EF4-FFF2-40B4-BE49-F238E27FC236}">
+                <a16:creationId xmlns:a16="http://schemas.microsoft.com/office/drawing/2014/main" id="{55DF4A1F-1834-4F83-98DF-3F6AD940489D}"/>
+              </a:ext>
+            </a:extLst>
+          </p:cNvPr>
+          <p:cNvSpPr>
+            <a:spLocks noGrp="1"/>
+          </p:cNvSpPr>
+          <p:nvPr>
+            <p:ph idx="1"/>
+          </p:nvPr>
+        </p:nvSpPr>
+        <p:spPr/>
+        <p:txBody>
+          <a:bodyPr/>
+          <a:lstStyle/>
+          <a:p>
+            <a:r>
+              <a:rPr lang="en-US" dirty="0"/>
+              <a:t>https://colab.research.google.com/notebooks/intro.ipynb</a:t>
+            </a:r>
+          </a:p>
+        </p:txBody>
+      </p:sp>
     </p:spTree>
     <p:extLst>
       <p:ext uri="{BB962C8B-B14F-4D97-AF65-F5344CB8AC3E}">
-        <p14:creationId xmlns:p14="http://schemas.microsoft.com/office/powerpoint/2010/main" val="2511325755"/>
+        <p14:creationId xmlns:p14="http://schemas.microsoft.com/office/powerpoint/2010/main" val="1764510336"/>
       </p:ext>
     </p:extLst>
   </p:cSld>
@@ -4823,60 +5131,69 @@
       </p:grpSpPr>
       <p:sp>
         <p:nvSpPr>
-          <p:cNvPr id="2" name="Title 1"/>
-          <p:cNvSpPr>
-            <a:spLocks noGrp="1"/>
-          </p:cNvSpPr>
-          <p:nvPr>
-            <p:ph type="title"/>
-          </p:nvPr>
-        </p:nvSpPr>
-        <p:spPr/>
-        <p:txBody>
-          <a:bodyPr/>
-          <a:lstStyle/>
-          <a:p>
-            <a:r>
-              <a:rPr lang="en-US" dirty="0"/>
-              <a:t>Jupyter Notebook Terminal</a:t>
-            </a:r>
-          </a:p>
-        </p:txBody>
-      </p:sp>
-      <p:pic>
-        <p:nvPicPr>
-          <p:cNvPr id="3" name="Picture 2"/>
-          <p:cNvPicPr>
-            <a:picLocks noChangeAspect="1"/>
-          </p:cNvPicPr>
-          <p:nvPr/>
-        </p:nvPicPr>
-        <p:blipFill>
-          <a:blip r:embed="rId2">
+          <p:cNvPr id="2" name="Title 1">
             <a:extLst>
-              <a:ext uri="{28A0092B-C50C-407E-A947-70E740481C1C}">
-                <a14:useLocalDpi xmlns:a14="http://schemas.microsoft.com/office/drawing/2010/main" val="0"/>
+              <a:ext uri="{FF2B5EF4-FFF2-40B4-BE49-F238E27FC236}">
+                <a16:creationId xmlns:a16="http://schemas.microsoft.com/office/drawing/2014/main" id="{12446907-52E0-49D5-B8B9-955CD4977F3D}"/>
               </a:ext>
             </a:extLst>
-          </a:blip>
-          <a:stretch>
-            <a:fillRect/>
-          </a:stretch>
-        </p:blipFill>
-        <p:spPr>
-          <a:xfrm>
-            <a:off x="938795" y="1306162"/>
-            <a:ext cx="9921602" cy="5374201"/>
-          </a:xfrm>
-          <a:prstGeom prst="rect">
-            <a:avLst/>
-          </a:prstGeom>
-        </p:spPr>
-      </p:pic>
+          </p:cNvPr>
+          <p:cNvSpPr>
+            <a:spLocks noGrp="1"/>
+          </p:cNvSpPr>
+          <p:nvPr>
+            <p:ph type="title"/>
+          </p:nvPr>
+        </p:nvSpPr>
+        <p:spPr/>
+        <p:txBody>
+          <a:bodyPr/>
+          <a:lstStyle/>
+          <a:p>
+            <a:r>
+              <a:rPr lang="en-US" dirty="0"/>
+              <a:t>Using </a:t>
+            </a:r>
+            <a:r>
+              <a:rPr lang="en-US" dirty="0" err="1"/>
+              <a:t>Jupyter</a:t>
+            </a:r>
+            <a:r>
+              <a:rPr lang="en-US" dirty="0"/>
+              <a:t> on the Desktop</a:t>
+            </a:r>
+          </a:p>
+        </p:txBody>
+      </p:sp>
+      <p:sp>
+        <p:nvSpPr>
+          <p:cNvPr id="3" name="Text Placeholder 2">
+            <a:extLst>
+              <a:ext uri="{FF2B5EF4-FFF2-40B4-BE49-F238E27FC236}">
+                <a16:creationId xmlns:a16="http://schemas.microsoft.com/office/drawing/2014/main" id="{7101EC71-A9CD-4281-9AA0-06F74DD89E88}"/>
+              </a:ext>
+            </a:extLst>
+          </p:cNvPr>
+          <p:cNvSpPr>
+            <a:spLocks noGrp="1"/>
+          </p:cNvSpPr>
+          <p:nvPr>
+            <p:ph type="body" idx="1"/>
+          </p:nvPr>
+        </p:nvSpPr>
+        <p:spPr/>
+        <p:txBody>
+          <a:bodyPr/>
+          <a:lstStyle/>
+          <a:p>
+            <a:endParaRPr lang="en-US" dirty="0"/>
+          </a:p>
+        </p:txBody>
+      </p:sp>
     </p:spTree>
     <p:extLst>
       <p:ext uri="{BB962C8B-B14F-4D97-AF65-F5344CB8AC3E}">
-        <p14:creationId xmlns:p14="http://schemas.microsoft.com/office/powerpoint/2010/main" val="2714205897"/>
+        <p14:creationId xmlns:p14="http://schemas.microsoft.com/office/powerpoint/2010/main" val="2579184872"/>
       </p:ext>
     </p:extLst>
   </p:cSld>
@@ -4920,7 +5237,7 @@
           <a:p>
             <a:r>
               <a:rPr lang="en-US" dirty="0"/>
-              <a:t>Activities</a:t>
+              <a:t>Anaconda and the Jupyter Notebook</a:t>
             </a:r>
           </a:p>
         </p:txBody>
@@ -4941,70 +5258,66 @@
           <a:lstStyle/>
           <a:p>
             <a:r>
+              <a:rPr lang="en-US" dirty="0">
+                <a:hlinkClick r:id="rId2"/>
+              </a:rPr>
+              <a:t>https://www.anaconda.com/</a:t>
+            </a:r>
+            <a:r>
               <a:rPr lang="en-US" dirty="0"/>
-              <a:t>Part 1: Examine basic python syntax</a:t>
-            </a:r>
-          </a:p>
-          <a:p>
-            <a:pPr lvl="1"/>
+              <a:t> </a:t>
+            </a:r>
+          </a:p>
+          <a:p>
             <a:r>
               <a:rPr lang="en-US" dirty="0"/>
-              <a:t>Strings and numbers!</a:t>
+              <a:t>Available for Mac, Linux, and Windows</a:t>
             </a:r>
           </a:p>
           <a:p>
             <a:r>
               <a:rPr lang="en-US" dirty="0"/>
-              <a:t>Part 2: Find anagrams</a:t>
-            </a:r>
-          </a:p>
-          <a:p>
-            <a:pPr lvl="1"/>
+              <a:t>THE python data-science platform </a:t>
+            </a:r>
+          </a:p>
+          <a:p>
             <a:r>
               <a:rPr lang="en-US" dirty="0"/>
-              <a:t>What words can we spell with the letters in the word ‘time’?</a:t>
-            </a:r>
-          </a:p>
-          <a:p>
+              <a:t>Facilitates interactive python</a:t>
+            </a:r>
+          </a:p>
+          <a:p>
+            <a:pPr>
+              <a:buFont typeface="Arial" panose="020B0604020202020204" pitchFamily="34" charset="0"/>
+              <a:buChar char="•"/>
+            </a:pPr>
             <a:r>
               <a:rPr lang="en-US" dirty="0"/>
-              <a:t>Part 3: Construct the all ages sex ratio</a:t>
-            </a:r>
-          </a:p>
-          <a:p>
-            <a:pPr lvl="1"/>
+              <a:t>Good for sharing and instruction</a:t>
+            </a:r>
+          </a:p>
+          <a:p>
+            <a:pPr>
+              <a:buFont typeface="Arial" panose="020B0604020202020204" pitchFamily="34" charset="0"/>
+              <a:buChar char="•"/>
+            </a:pPr>
             <a:r>
               <a:rPr lang="en-US" dirty="0"/>
-              <a:t>Read in data pertaining to the age and sex of the population of Census Designated Places in Washington State during the 2013-2017 time period</a:t>
-            </a:r>
-          </a:p>
-          <a:p>
-            <a:pPr lvl="1"/>
-            <a:r>
-              <a:rPr lang="en-US" dirty="0"/>
-              <a:t>Compute the all ages sex-ratio (number of males per 100 females)</a:t>
-            </a:r>
-          </a:p>
-          <a:p>
-            <a:pPr lvl="1"/>
-            <a:r>
-              <a:rPr lang="en-US" dirty="0"/>
-              <a:t>Export the data to a .csv and an Excel workbook</a:t>
-            </a:r>
-          </a:p>
-          <a:p>
-            <a:pPr lvl="1"/>
-            <a:r>
-              <a:rPr lang="en-US" dirty="0"/>
-              <a:t>Merge the sex-ratio data with a shapefile for mapping in a GIS</a:t>
-            </a:r>
+              <a:t>Easy to break code into manageable chunks</a:t>
+            </a:r>
+          </a:p>
+          <a:p>
+            <a:pPr marL="0" indent="0">
+              <a:buNone/>
+            </a:pPr>
+            <a:endParaRPr lang="en-US" dirty="0"/>
           </a:p>
         </p:txBody>
       </p:sp>
     </p:spTree>
     <p:extLst>
       <p:ext uri="{BB962C8B-B14F-4D97-AF65-F5344CB8AC3E}">
-        <p14:creationId xmlns:p14="http://schemas.microsoft.com/office/powerpoint/2010/main" val="3030563835"/>
+        <p14:creationId xmlns:p14="http://schemas.microsoft.com/office/powerpoint/2010/main" val="3755854532"/>
       </p:ext>
     </p:extLst>
   </p:cSld>
